--- a/ERDiagram.pptx
+++ b/ERDiagram.pptx
@@ -5,10 +5,21 @@
     <p:sldMasterId id="2147483648" r:id="rId1"/>
   </p:sldMasterIdLst>
   <p:sldIdLst>
-    <p:sldId id="256" r:id="rId3"/>
-    <p:sldId id="257" r:id="rId4"/>
-    <p:sldId id="258" r:id="rId5"/>
-    <p:sldId id="259" r:id="rId6"/>
+    <p:sldId id="261" r:id="rId3"/>
+    <p:sldId id="270" r:id="rId4"/>
+    <p:sldId id="271" r:id="rId5"/>
+    <p:sldId id="258" r:id="rId6"/>
+    <p:sldId id="256" r:id="rId7"/>
+    <p:sldId id="257" r:id="rId8"/>
+    <p:sldId id="259" r:id="rId9"/>
+    <p:sldId id="260" r:id="rId10"/>
+    <p:sldId id="264" r:id="rId11"/>
+    <p:sldId id="263" r:id="rId12"/>
+    <p:sldId id="265" r:id="rId13"/>
+    <p:sldId id="266" r:id="rId14"/>
+    <p:sldId id="267" r:id="rId15"/>
+    <p:sldId id="268" r:id="rId16"/>
+    <p:sldId id="269" r:id="rId17"/>
   </p:sldIdLst>
   <p:sldSz cx="12192000" cy="6858000"/>
   <p:notesSz cx="7103745" cy="10234295"/>
@@ -147,7 +158,7 @@
           <a:bodyPr anchor="b"/>
           <a:lstStyle>
             <a:lvl1pPr algn="ctr">
-              <a:defRPr sz="6000"/>
+              <a:defRPr sz="4500"/>
             </a:lvl1pPr>
           </a:lstStyle>
           <a:p>
@@ -180,39 +191,39 @@
           <a:lstStyle>
             <a:lvl1pPr marL="0" indent="0" algn="ctr">
               <a:buNone/>
-              <a:defRPr sz="2400"/>
+              <a:defRPr sz="1800"/>
             </a:lvl1pPr>
-            <a:lvl2pPr marL="457200" indent="0" algn="ctr">
+            <a:lvl2pPr marL="342900" indent="0" algn="ctr">
               <a:buNone/>
-              <a:defRPr sz="2000"/>
+              <a:defRPr sz="1500"/>
             </a:lvl2pPr>
-            <a:lvl3pPr marL="914400" indent="0" algn="ctr">
+            <a:lvl3pPr marL="685800" indent="0" algn="ctr">
               <a:buNone/>
-              <a:defRPr sz="1800"/>
+              <a:defRPr sz="1350"/>
             </a:lvl3pPr>
-            <a:lvl4pPr marL="1371600" indent="0" algn="ctr">
+            <a:lvl4pPr marL="1028700" indent="0" algn="ctr">
               <a:buNone/>
-              <a:defRPr sz="1600"/>
+              <a:defRPr sz="1200"/>
             </a:lvl4pPr>
-            <a:lvl5pPr marL="1828800" indent="0" algn="ctr">
+            <a:lvl5pPr marL="1371600" indent="0" algn="ctr">
               <a:buNone/>
-              <a:defRPr sz="1600"/>
+              <a:defRPr sz="1200"/>
             </a:lvl5pPr>
-            <a:lvl6pPr marL="2286000" indent="0" algn="ctr">
+            <a:lvl6pPr marL="1714500" indent="0" algn="ctr">
               <a:buNone/>
-              <a:defRPr sz="1600"/>
+              <a:defRPr sz="1200"/>
             </a:lvl6pPr>
-            <a:lvl7pPr marL="2743200" indent="0" algn="ctr">
+            <a:lvl7pPr marL="2057400" indent="0" algn="ctr">
               <a:buNone/>
-              <a:defRPr sz="1600"/>
+              <a:defRPr sz="1200"/>
             </a:lvl7pPr>
-            <a:lvl8pPr marL="3200400" indent="0" algn="ctr">
+            <a:lvl8pPr marL="2400300" indent="0" algn="ctr">
               <a:buNone/>
-              <a:defRPr sz="1600"/>
+              <a:defRPr sz="1200"/>
             </a:lvl8pPr>
-            <a:lvl9pPr marL="3657600" indent="0" algn="ctr">
+            <a:lvl9pPr marL="2743200" indent="0" algn="ctr">
               <a:buNone/>
-              <a:defRPr sz="1600"/>
+              <a:defRPr sz="1200"/>
             </a:lvl9pPr>
           </a:lstStyle>
           <a:p>
@@ -292,12 +303,13 @@
   <p:clrMapOvr>
     <a:masterClrMapping/>
   </p:clrMapOvr>
+  <p:hf sldNum="0" hdr="0" ftr="0" dt="0"/>
 </p:sldLayout>
 </file>
 
 <file path=ppt/slideLayouts/slideLayout10.xml><?xml version="1.0" encoding="utf-8"?>
-<p:sldLayout xmlns:a="http://schemas.openxmlformats.org/drawingml/2006/main" xmlns:r="http://schemas.openxmlformats.org/officeDocument/2006/relationships" xmlns:p="http://schemas.openxmlformats.org/presentationml/2006/main" type="objOnly" preserve="1">
-  <p:cSld name="Content">
+<p:sldLayout xmlns:a="http://schemas.openxmlformats.org/drawingml/2006/main" xmlns:r="http://schemas.openxmlformats.org/officeDocument/2006/relationships" xmlns:p="http://schemas.openxmlformats.org/presentationml/2006/main" type="vertTx" preserve="1">
+  <p:cSld name="Title and Vertical Text">
     <p:spTree>
       <p:nvGrpSpPr>
         <p:cNvPr id="1" name=""/>
@@ -314,24 +326,42 @@
       </p:grpSpPr>
       <p:sp>
         <p:nvSpPr>
-          <p:cNvPr id="2" name="Content Placeholder 1"/>
-          <p:cNvSpPr>
-            <a:spLocks noGrp="1"/>
-          </p:cNvSpPr>
-          <p:nvPr>
-            <p:ph/>
-          </p:nvPr>
-        </p:nvSpPr>
-        <p:spPr>
-          <a:xfrm>
-            <a:off x="838200" y="365125"/>
-            <a:ext cx="10515600" cy="5811838"/>
-          </a:xfrm>
-        </p:spPr>
+          <p:cNvPr id="2" name="Title 1"/>
+          <p:cNvSpPr>
+            <a:spLocks noGrp="1"/>
+          </p:cNvSpPr>
+          <p:nvPr>
+            <p:ph type="title"/>
+          </p:nvPr>
+        </p:nvSpPr>
+        <p:spPr/>
         <p:txBody>
           <a:bodyPr/>
           <a:lstStyle/>
           <a:p>
+            <a:r>
+              <a:rPr lang="en-US" smtClean="0"/>
+              <a:t>Click to edit Master title style</a:t>
+            </a:r>
+            <a:endParaRPr lang="en-US"/>
+          </a:p>
+        </p:txBody>
+      </p:sp>
+      <p:sp>
+        <p:nvSpPr>
+          <p:cNvPr id="3" name="Vertical Text Placeholder 2"/>
+          <p:cNvSpPr>
+            <a:spLocks noGrp="1"/>
+          </p:cNvSpPr>
+          <p:nvPr>
+            <p:ph type="body" orient="vert" idx="1"/>
+          </p:nvPr>
+        </p:nvSpPr>
+        <p:spPr/>
+        <p:txBody>
+          <a:bodyPr vert="eaVert"/>
+          <a:lstStyle/>
+          <a:p>
             <a:pPr lvl="0"/>
             <a:r>
               <a:rPr lang="en-US" smtClean="0"/>
@@ -375,7 +405,7 @@
       </p:sp>
       <p:sp>
         <p:nvSpPr>
-          <p:cNvPr id="3" name="Date Placeholder 2"/>
+          <p:cNvPr id="4" name="Date Placeholder 3"/>
           <p:cNvSpPr>
             <a:spLocks noGrp="1"/>
           </p:cNvSpPr>
@@ -388,16 +418,14 @@
           <a:bodyPr/>
           <a:lstStyle/>
           <a:p>
-            <a:fld id="{FDE934FF-F4E1-47C5-9CA5-30A81DDE2BE4}" type="datetimeFigureOut">
-              <a:rPr lang="en-US" smtClean="0"/>
-            </a:fld>
-            <a:endParaRPr lang="en-US"/>
-          </a:p>
-        </p:txBody>
-      </p:sp>
-      <p:sp>
-        <p:nvSpPr>
-          <p:cNvPr id="4" name="Footer Placeholder 3"/>
+            <a:pPr lvl="0"/>
+            <a:endParaRPr lang="en-US"/>
+          </a:p>
+        </p:txBody>
+      </p:sp>
+      <p:sp>
+        <p:nvSpPr>
+          <p:cNvPr id="5" name="Footer Placeholder 4"/>
           <p:cNvSpPr>
             <a:spLocks noGrp="1"/>
           </p:cNvSpPr>
@@ -410,13 +438,14 @@
           <a:bodyPr/>
           <a:lstStyle/>
           <a:p>
-            <a:endParaRPr lang="en-US"/>
-          </a:p>
-        </p:txBody>
-      </p:sp>
-      <p:sp>
-        <p:nvSpPr>
-          <p:cNvPr id="5" name="Slide Number Placeholder 4"/>
+            <a:pPr lvl="0"/>
+            <a:endParaRPr lang="en-US"/>
+          </a:p>
+        </p:txBody>
+      </p:sp>
+      <p:sp>
+        <p:nvSpPr>
+          <p:cNvPr id="6" name="Slide Number Placeholder 5"/>
           <p:cNvSpPr>
             <a:spLocks noGrp="1"/>
           </p:cNvSpPr>
@@ -429,8 +458,9 @@
           <a:bodyPr/>
           <a:lstStyle/>
           <a:p>
-            <a:fld id="{B3561BA9-CDCF-4958-B8AB-66F3BF063E13}" type="slidenum">
-              <a:rPr lang="en-US" smtClean="0"/>
+            <a:pPr lvl="0"/>
+            <a:fld id="{9A0DB2DC-4C9A-4742-B13C-FB6460FD3503}" type="slidenum">
+              <a:rPr lang="en-US"/>
             </a:fld>
             <a:endParaRPr lang="en-US"/>
           </a:p>
@@ -441,6 +471,185 @@
   <p:clrMapOvr>
     <a:masterClrMapping/>
   </p:clrMapOvr>
+  <p:hf sldNum="0" hdr="0" ftr="0" dt="0"/>
+</p:sldLayout>
+</file>
+
+<file path=ppt/slideLayouts/slideLayout11.xml><?xml version="1.0" encoding="utf-8"?>
+<p:sldLayout xmlns:a="http://schemas.openxmlformats.org/drawingml/2006/main" xmlns:r="http://schemas.openxmlformats.org/officeDocument/2006/relationships" xmlns:p="http://schemas.openxmlformats.org/presentationml/2006/main" type="vertTitleAndTx" preserve="1">
+  <p:cSld name="Vertical Title and Text">
+    <p:spTree>
+      <p:nvGrpSpPr>
+        <p:cNvPr id="1" name=""/>
+        <p:cNvGrpSpPr/>
+        <p:nvPr/>
+      </p:nvGrpSpPr>
+      <p:grpSpPr>
+        <a:xfrm>
+          <a:off x="0" y="0"/>
+          <a:ext cx="0" cy="0"/>
+          <a:chOff x="0" y="0"/>
+          <a:chExt cx="0" cy="0"/>
+        </a:xfrm>
+      </p:grpSpPr>
+      <p:sp>
+        <p:nvSpPr>
+          <p:cNvPr id="2" name="Vertical Title 1"/>
+          <p:cNvSpPr>
+            <a:spLocks noGrp="1"/>
+          </p:cNvSpPr>
+          <p:nvPr>
+            <p:ph type="title" orient="vert"/>
+          </p:nvPr>
+        </p:nvSpPr>
+        <p:spPr>
+          <a:xfrm>
+            <a:off x="8839200" y="274638"/>
+            <a:ext cx="2743200" cy="5851525"/>
+          </a:xfrm>
+        </p:spPr>
+        <p:txBody>
+          <a:bodyPr vert="eaVert"/>
+          <a:lstStyle/>
+          <a:p>
+            <a:r>
+              <a:rPr lang="en-US" smtClean="0"/>
+              <a:t>Click to edit Master title style</a:t>
+            </a:r>
+            <a:endParaRPr lang="en-US"/>
+          </a:p>
+        </p:txBody>
+      </p:sp>
+      <p:sp>
+        <p:nvSpPr>
+          <p:cNvPr id="3" name="Vertical Text Placeholder 2"/>
+          <p:cNvSpPr>
+            <a:spLocks noGrp="1"/>
+          </p:cNvSpPr>
+          <p:nvPr>
+            <p:ph type="body" orient="vert" idx="1"/>
+          </p:nvPr>
+        </p:nvSpPr>
+        <p:spPr>
+          <a:xfrm>
+            <a:off x="609600" y="274638"/>
+            <a:ext cx="8070573" cy="5851525"/>
+          </a:xfrm>
+        </p:spPr>
+        <p:txBody>
+          <a:bodyPr vert="eaVert"/>
+          <a:lstStyle/>
+          <a:p>
+            <a:pPr lvl="0"/>
+            <a:r>
+              <a:rPr lang="en-US" smtClean="0"/>
+              <a:t>Click to edit Master text styles</a:t>
+            </a:r>
+            <a:endParaRPr lang="en-US" smtClean="0"/>
+          </a:p>
+          <a:p>
+            <a:pPr lvl="1"/>
+            <a:r>
+              <a:rPr lang="en-US" smtClean="0"/>
+              <a:t>Second level</a:t>
+            </a:r>
+            <a:endParaRPr lang="en-US" smtClean="0"/>
+          </a:p>
+          <a:p>
+            <a:pPr lvl="2"/>
+            <a:r>
+              <a:rPr lang="en-US" smtClean="0"/>
+              <a:t>Third level</a:t>
+            </a:r>
+            <a:endParaRPr lang="en-US" smtClean="0"/>
+          </a:p>
+          <a:p>
+            <a:pPr lvl="3"/>
+            <a:r>
+              <a:rPr lang="en-US" smtClean="0"/>
+              <a:t>Fourth level</a:t>
+            </a:r>
+            <a:endParaRPr lang="en-US" smtClean="0"/>
+          </a:p>
+          <a:p>
+            <a:pPr lvl="4"/>
+            <a:r>
+              <a:rPr lang="en-US" smtClean="0"/>
+              <a:t>Fifth level</a:t>
+            </a:r>
+            <a:endParaRPr lang="en-US"/>
+          </a:p>
+        </p:txBody>
+      </p:sp>
+      <p:sp>
+        <p:nvSpPr>
+          <p:cNvPr id="4" name="Date Placeholder 3"/>
+          <p:cNvSpPr>
+            <a:spLocks noGrp="1"/>
+          </p:cNvSpPr>
+          <p:nvPr>
+            <p:ph type="dt" sz="half" idx="10"/>
+          </p:nvPr>
+        </p:nvSpPr>
+        <p:spPr/>
+        <p:txBody>
+          <a:bodyPr/>
+          <a:lstStyle/>
+          <a:p>
+            <a:fld id="{FDE934FF-F4E1-47C5-9CA5-30A81DDE2BE4}" type="datetimeFigureOut">
+              <a:rPr lang="en-US" smtClean="0"/>
+            </a:fld>
+            <a:endParaRPr lang="en-US"/>
+          </a:p>
+        </p:txBody>
+      </p:sp>
+      <p:sp>
+        <p:nvSpPr>
+          <p:cNvPr id="5" name="Footer Placeholder 4"/>
+          <p:cNvSpPr>
+            <a:spLocks noGrp="1"/>
+          </p:cNvSpPr>
+          <p:nvPr>
+            <p:ph type="ftr" sz="quarter" idx="11"/>
+          </p:nvPr>
+        </p:nvSpPr>
+        <p:spPr/>
+        <p:txBody>
+          <a:bodyPr/>
+          <a:lstStyle/>
+          <a:p>
+            <a:endParaRPr lang="en-US"/>
+          </a:p>
+        </p:txBody>
+      </p:sp>
+      <p:sp>
+        <p:nvSpPr>
+          <p:cNvPr id="6" name="Slide Number Placeholder 5"/>
+          <p:cNvSpPr>
+            <a:spLocks noGrp="1"/>
+          </p:cNvSpPr>
+          <p:nvPr>
+            <p:ph type="sldNum" sz="quarter" idx="12"/>
+          </p:nvPr>
+        </p:nvSpPr>
+        <p:spPr/>
+        <p:txBody>
+          <a:bodyPr/>
+          <a:lstStyle/>
+          <a:p>
+            <a:fld id="{B3561BA9-CDCF-4958-B8AB-66F3BF063E13}" type="slidenum">
+              <a:rPr lang="en-US" smtClean="0"/>
+            </a:fld>
+            <a:endParaRPr lang="en-US"/>
+          </a:p>
+        </p:txBody>
+      </p:sp>
+    </p:spTree>
+  </p:cSld>
+  <p:clrMapOvr>
+    <a:masterClrMapping/>
+  </p:clrMapOvr>
+  <p:hf sldNum="0" hdr="0" ftr="0" dt="0"/>
 </p:sldLayout>
 </file>
 
@@ -608,6 +817,7 @@
   <p:clrMapOvr>
     <a:masterClrMapping/>
   </p:clrMapOvr>
+  <p:hf sldNum="0" hdr="0" ftr="0" dt="0"/>
 </p:sldLayout>
 </file>
 
@@ -640,7 +850,7 @@
         </p:nvSpPr>
         <p:spPr>
           <a:xfrm>
-            <a:off x="831850" y="1709738"/>
+            <a:off x="831851" y="1709738"/>
             <a:ext cx="10515600" cy="2852737"/>
           </a:xfrm>
         </p:spPr>
@@ -648,7 +858,7 @@
           <a:bodyPr anchor="b"/>
           <a:lstStyle>
             <a:lvl1pPr>
-              <a:defRPr sz="6000"/>
+              <a:defRPr sz="4500"/>
             </a:lvl1pPr>
           </a:lstStyle>
           <a:p>
@@ -672,7 +882,7 @@
         </p:nvSpPr>
         <p:spPr>
           <a:xfrm>
-            <a:off x="831850" y="4589463"/>
+            <a:off x="831851" y="4589463"/>
             <a:ext cx="10515600" cy="1500187"/>
           </a:xfrm>
         </p:spPr>
@@ -680,26 +890,6 @@
           <a:bodyPr/>
           <a:lstStyle>
             <a:lvl1pPr marL="0" indent="0">
-              <a:buNone/>
-              <a:defRPr sz="2400">
-                <a:solidFill>
-                  <a:schemeClr val="tx1">
-                    <a:tint val="75000"/>
-                  </a:schemeClr>
-                </a:solidFill>
-              </a:defRPr>
-            </a:lvl1pPr>
-            <a:lvl2pPr marL="457200" indent="0">
-              <a:buNone/>
-              <a:defRPr sz="2000">
-                <a:solidFill>
-                  <a:schemeClr val="tx1">
-                    <a:tint val="75000"/>
-                  </a:schemeClr>
-                </a:solidFill>
-              </a:defRPr>
-            </a:lvl2pPr>
-            <a:lvl3pPr marL="914400" indent="0">
               <a:buNone/>
               <a:defRPr sz="1800">
                 <a:solidFill>
@@ -708,10 +898,30 @@
                   </a:schemeClr>
                 </a:solidFill>
               </a:defRPr>
+            </a:lvl1pPr>
+            <a:lvl2pPr marL="342900" indent="0">
+              <a:buNone/>
+              <a:defRPr sz="1500">
+                <a:solidFill>
+                  <a:schemeClr val="tx1">
+                    <a:tint val="75000"/>
+                  </a:schemeClr>
+                </a:solidFill>
+              </a:defRPr>
+            </a:lvl2pPr>
+            <a:lvl3pPr marL="685800" indent="0">
+              <a:buNone/>
+              <a:defRPr sz="1350">
+                <a:solidFill>
+                  <a:schemeClr val="tx1">
+                    <a:tint val="75000"/>
+                  </a:schemeClr>
+                </a:solidFill>
+              </a:defRPr>
             </a:lvl3pPr>
-            <a:lvl4pPr marL="1371600" indent="0">
+            <a:lvl4pPr marL="1028700" indent="0">
               <a:buNone/>
-              <a:defRPr sz="1600">
+              <a:defRPr sz="1200">
                 <a:solidFill>
                   <a:schemeClr val="tx1">
                     <a:tint val="75000"/>
@@ -719,9 +929,9 @@
                 </a:solidFill>
               </a:defRPr>
             </a:lvl4pPr>
-            <a:lvl5pPr marL="1828800" indent="0">
+            <a:lvl5pPr marL="1371600" indent="0">
               <a:buNone/>
-              <a:defRPr sz="1600">
+              <a:defRPr sz="1200">
                 <a:solidFill>
                   <a:schemeClr val="tx1">
                     <a:tint val="75000"/>
@@ -729,9 +939,9 @@
                 </a:solidFill>
               </a:defRPr>
             </a:lvl5pPr>
-            <a:lvl6pPr marL="2286000" indent="0">
+            <a:lvl6pPr marL="1714500" indent="0">
               <a:buNone/>
-              <a:defRPr sz="1600">
+              <a:defRPr sz="1200">
                 <a:solidFill>
                   <a:schemeClr val="tx1">
                     <a:tint val="75000"/>
@@ -739,9 +949,9 @@
                 </a:solidFill>
               </a:defRPr>
             </a:lvl6pPr>
-            <a:lvl7pPr marL="2743200" indent="0">
+            <a:lvl7pPr marL="2057400" indent="0">
               <a:buNone/>
-              <a:defRPr sz="1600">
+              <a:defRPr sz="1200">
                 <a:solidFill>
                   <a:schemeClr val="tx1">
                     <a:tint val="75000"/>
@@ -749,9 +959,9 @@
                 </a:solidFill>
               </a:defRPr>
             </a:lvl7pPr>
-            <a:lvl8pPr marL="3200400" indent="0">
+            <a:lvl8pPr marL="2400300" indent="0">
               <a:buNone/>
-              <a:defRPr sz="1600">
+              <a:defRPr sz="1200">
                 <a:solidFill>
                   <a:schemeClr val="tx1">
                     <a:tint val="75000"/>
@@ -759,9 +969,9 @@
                 </a:solidFill>
               </a:defRPr>
             </a:lvl8pPr>
-            <a:lvl9pPr marL="3657600" indent="0">
+            <a:lvl9pPr marL="2743200" indent="0">
               <a:buNone/>
-              <a:defRPr sz="1600">
+              <a:defRPr sz="1200">
                 <a:solidFill>
                   <a:schemeClr val="tx1">
                     <a:tint val="75000"/>
@@ -848,6 +1058,7 @@
   <p:clrMapOvr>
     <a:masterClrMapping/>
   </p:clrMapOvr>
+  <p:hf sldNum="0" hdr="0" ftr="0" dt="0"/>
 </p:sldLayout>
 </file>
 
@@ -903,8 +1114,8 @@
         </p:nvSpPr>
         <p:spPr>
           <a:xfrm>
-            <a:off x="838200" y="1825625"/>
-            <a:ext cx="5181600" cy="4351338"/>
+            <a:off x="609600" y="1600200"/>
+            <a:ext cx="5376672" cy="4525963"/>
           </a:xfrm>
         </p:spPr>
         <p:txBody>
@@ -964,8 +1175,8 @@
         </p:nvSpPr>
         <p:spPr>
           <a:xfrm>
-            <a:off x="6172200" y="1825625"/>
-            <a:ext cx="5181600" cy="4351338"/>
+            <a:off x="6205728" y="1600200"/>
+            <a:ext cx="5376672" cy="4525963"/>
           </a:xfrm>
         </p:spPr>
         <p:txBody>
@@ -1081,6 +1292,7 @@
   <p:clrMapOvr>
     <a:masterClrMapping/>
   </p:clrMapOvr>
+  <p:hf sldNum="0" hdr="0" ftr="0" dt="0"/>
 </p:sldLayout>
 </file>
 
@@ -1150,39 +1362,39 @@
           <a:lstStyle>
             <a:lvl1pPr marL="0" indent="0">
               <a:buNone/>
-              <a:defRPr sz="2400" b="1"/>
+              <a:defRPr sz="1800" b="1"/>
             </a:lvl1pPr>
-            <a:lvl2pPr marL="457200" indent="0">
+            <a:lvl2pPr marL="342900" indent="0">
               <a:buNone/>
-              <a:defRPr sz="2000" b="1"/>
+              <a:defRPr sz="1500" b="1"/>
             </a:lvl2pPr>
-            <a:lvl3pPr marL="914400" indent="0">
+            <a:lvl3pPr marL="685800" indent="0">
               <a:buNone/>
-              <a:defRPr sz="1800" b="1"/>
+              <a:defRPr sz="1350" b="1"/>
             </a:lvl3pPr>
-            <a:lvl4pPr marL="1371600" indent="0">
+            <a:lvl4pPr marL="1028700" indent="0">
               <a:buNone/>
-              <a:defRPr sz="1600" b="1"/>
+              <a:defRPr sz="1200" b="1"/>
             </a:lvl4pPr>
-            <a:lvl5pPr marL="1828800" indent="0">
+            <a:lvl5pPr marL="1371600" indent="0">
               <a:buNone/>
-              <a:defRPr sz="1600" b="1"/>
+              <a:defRPr sz="1200" b="1"/>
             </a:lvl5pPr>
-            <a:lvl6pPr marL="2286000" indent="0">
+            <a:lvl6pPr marL="1714500" indent="0">
               <a:buNone/>
-              <a:defRPr sz="1600" b="1"/>
+              <a:defRPr sz="1200" b="1"/>
             </a:lvl6pPr>
-            <a:lvl7pPr marL="2743200" indent="0">
+            <a:lvl7pPr marL="2057400" indent="0">
               <a:buNone/>
-              <a:defRPr sz="1600" b="1"/>
+              <a:defRPr sz="1200" b="1"/>
             </a:lvl7pPr>
-            <a:lvl8pPr marL="3200400" indent="0">
+            <a:lvl8pPr marL="2400300" indent="0">
               <a:buNone/>
-              <a:defRPr sz="1600" b="1"/>
+              <a:defRPr sz="1200" b="1"/>
             </a:lvl8pPr>
-            <a:lvl9pPr marL="3657600" indent="0">
+            <a:lvl9pPr marL="2743200" indent="0">
               <a:buNone/>
-              <a:defRPr sz="1600" b="1"/>
+              <a:defRPr sz="1200" b="1"/>
             </a:lvl9pPr>
           </a:lstStyle>
           <a:p>
@@ -1277,39 +1489,39 @@
           <a:lstStyle>
             <a:lvl1pPr marL="0" indent="0">
               <a:buNone/>
-              <a:defRPr sz="2400" b="1"/>
+              <a:defRPr sz="1800" b="1"/>
             </a:lvl1pPr>
-            <a:lvl2pPr marL="457200" indent="0">
+            <a:lvl2pPr marL="342900" indent="0">
               <a:buNone/>
-              <a:defRPr sz="2000" b="1"/>
+              <a:defRPr sz="1500" b="1"/>
             </a:lvl2pPr>
-            <a:lvl3pPr marL="914400" indent="0">
+            <a:lvl3pPr marL="685800" indent="0">
               <a:buNone/>
-              <a:defRPr sz="1800" b="1"/>
+              <a:defRPr sz="1350" b="1"/>
             </a:lvl3pPr>
-            <a:lvl4pPr marL="1371600" indent="0">
+            <a:lvl4pPr marL="1028700" indent="0">
               <a:buNone/>
-              <a:defRPr sz="1600" b="1"/>
+              <a:defRPr sz="1200" b="1"/>
             </a:lvl4pPr>
-            <a:lvl5pPr marL="1828800" indent="0">
+            <a:lvl5pPr marL="1371600" indent="0">
               <a:buNone/>
-              <a:defRPr sz="1600" b="1"/>
+              <a:defRPr sz="1200" b="1"/>
             </a:lvl5pPr>
-            <a:lvl6pPr marL="2286000" indent="0">
+            <a:lvl6pPr marL="1714500" indent="0">
               <a:buNone/>
-              <a:defRPr sz="1600" b="1"/>
+              <a:defRPr sz="1200" b="1"/>
             </a:lvl6pPr>
-            <a:lvl7pPr marL="2743200" indent="0">
+            <a:lvl7pPr marL="2057400" indent="0">
               <a:buNone/>
-              <a:defRPr sz="1600" b="1"/>
+              <a:defRPr sz="1200" b="1"/>
             </a:lvl7pPr>
-            <a:lvl8pPr marL="3200400" indent="0">
+            <a:lvl8pPr marL="2400300" indent="0">
               <a:buNone/>
-              <a:defRPr sz="1600" b="1"/>
+              <a:defRPr sz="1200" b="1"/>
             </a:lvl8pPr>
-            <a:lvl9pPr marL="3657600" indent="0">
+            <a:lvl9pPr marL="2743200" indent="0">
               <a:buNone/>
-              <a:defRPr sz="1600" b="1"/>
+              <a:defRPr sz="1200" b="1"/>
             </a:lvl9pPr>
           </a:lstStyle>
           <a:p>
@@ -1451,6 +1663,7 @@
   <p:clrMapOvr>
     <a:masterClrMapping/>
   </p:clrMapOvr>
+  <p:hf sldNum="0" hdr="0" ftr="0" dt="0"/>
 </p:sldLayout>
 </file>
 
@@ -1562,6 +1775,7 @@
   <p:clrMapOvr>
     <a:masterClrMapping/>
   </p:clrMapOvr>
+  <p:hf sldNum="0" hdr="0" ftr="0" dt="0"/>
 </p:sldLayout>
 </file>
 
@@ -1650,10 +1864,287 @@
   <p:clrMapOvr>
     <a:masterClrMapping/>
   </p:clrMapOvr>
+  <p:hf sldNum="0" hdr="0" ftr="0" dt="0"/>
 </p:sldLayout>
 </file>
 
 <file path=ppt/slideLayouts/slideLayout8.xml><?xml version="1.0" encoding="utf-8"?>
+<p:sldLayout xmlns:a="http://schemas.openxmlformats.org/drawingml/2006/main" xmlns:r="http://schemas.openxmlformats.org/officeDocument/2006/relationships" xmlns:p="http://schemas.openxmlformats.org/presentationml/2006/main" type="objTx" preserve="1">
+  <p:cSld name="Content with Caption">
+    <p:spTree>
+      <p:nvGrpSpPr>
+        <p:cNvPr id="1" name=""/>
+        <p:cNvGrpSpPr/>
+        <p:nvPr/>
+      </p:nvGrpSpPr>
+      <p:grpSpPr>
+        <a:xfrm>
+          <a:off x="0" y="0"/>
+          <a:ext cx="0" cy="0"/>
+          <a:chOff x="0" y="0"/>
+          <a:chExt cx="0" cy="0"/>
+        </a:xfrm>
+      </p:grpSpPr>
+      <p:sp>
+        <p:nvSpPr>
+          <p:cNvPr id="2" name="Title 1"/>
+          <p:cNvSpPr>
+            <a:spLocks noGrp="1"/>
+          </p:cNvSpPr>
+          <p:nvPr>
+            <p:ph type="title"/>
+          </p:nvPr>
+        </p:nvSpPr>
+        <p:spPr>
+          <a:xfrm>
+            <a:off x="839788" y="457200"/>
+            <a:ext cx="3932237" cy="1600200"/>
+          </a:xfrm>
+        </p:spPr>
+        <p:txBody>
+          <a:bodyPr anchor="b"/>
+          <a:lstStyle>
+            <a:lvl1pPr>
+              <a:defRPr sz="2400"/>
+            </a:lvl1pPr>
+          </a:lstStyle>
+          <a:p>
+            <a:r>
+              <a:rPr lang="en-US" smtClean="0"/>
+              <a:t>Click to edit Master title style</a:t>
+            </a:r>
+            <a:endParaRPr lang="en-US"/>
+          </a:p>
+        </p:txBody>
+      </p:sp>
+      <p:sp>
+        <p:nvSpPr>
+          <p:cNvPr id="3" name="Content Placeholder 2"/>
+          <p:cNvSpPr>
+            <a:spLocks noGrp="1"/>
+          </p:cNvSpPr>
+          <p:nvPr>
+            <p:ph idx="1"/>
+          </p:nvPr>
+        </p:nvSpPr>
+        <p:spPr>
+          <a:xfrm>
+            <a:off x="5183188" y="987425"/>
+            <a:ext cx="6172200" cy="4873625"/>
+          </a:xfrm>
+        </p:spPr>
+        <p:txBody>
+          <a:bodyPr/>
+          <a:lstStyle>
+            <a:lvl1pPr>
+              <a:defRPr sz="2400"/>
+            </a:lvl1pPr>
+            <a:lvl2pPr>
+              <a:defRPr sz="2100"/>
+            </a:lvl2pPr>
+            <a:lvl3pPr>
+              <a:defRPr sz="1800"/>
+            </a:lvl3pPr>
+            <a:lvl4pPr>
+              <a:defRPr sz="1500"/>
+            </a:lvl4pPr>
+            <a:lvl5pPr>
+              <a:defRPr sz="1500"/>
+            </a:lvl5pPr>
+            <a:lvl6pPr>
+              <a:defRPr sz="1500"/>
+            </a:lvl6pPr>
+            <a:lvl7pPr>
+              <a:defRPr sz="1500"/>
+            </a:lvl7pPr>
+            <a:lvl8pPr>
+              <a:defRPr sz="1500"/>
+            </a:lvl8pPr>
+            <a:lvl9pPr>
+              <a:defRPr sz="1500"/>
+            </a:lvl9pPr>
+          </a:lstStyle>
+          <a:p>
+            <a:pPr lvl="0"/>
+            <a:r>
+              <a:rPr lang="en-US" smtClean="0"/>
+              <a:t>Click to edit Master text styles</a:t>
+            </a:r>
+            <a:endParaRPr lang="en-US" smtClean="0"/>
+          </a:p>
+          <a:p>
+            <a:pPr lvl="1"/>
+            <a:r>
+              <a:rPr lang="en-US" smtClean="0"/>
+              <a:t>Second level</a:t>
+            </a:r>
+            <a:endParaRPr lang="en-US" smtClean="0"/>
+          </a:p>
+          <a:p>
+            <a:pPr lvl="2"/>
+            <a:r>
+              <a:rPr lang="en-US" smtClean="0"/>
+              <a:t>Third level</a:t>
+            </a:r>
+            <a:endParaRPr lang="en-US" smtClean="0"/>
+          </a:p>
+          <a:p>
+            <a:pPr lvl="3"/>
+            <a:r>
+              <a:rPr lang="en-US" smtClean="0"/>
+              <a:t>Fourth level</a:t>
+            </a:r>
+            <a:endParaRPr lang="en-US" smtClean="0"/>
+          </a:p>
+          <a:p>
+            <a:pPr lvl="4"/>
+            <a:r>
+              <a:rPr lang="en-US" smtClean="0"/>
+              <a:t>Fifth level</a:t>
+            </a:r>
+            <a:endParaRPr lang="en-US"/>
+          </a:p>
+        </p:txBody>
+      </p:sp>
+      <p:sp>
+        <p:nvSpPr>
+          <p:cNvPr id="4" name="Text Placeholder 3"/>
+          <p:cNvSpPr>
+            <a:spLocks noGrp="1"/>
+          </p:cNvSpPr>
+          <p:nvPr>
+            <p:ph type="body" sz="half" idx="2"/>
+          </p:nvPr>
+        </p:nvSpPr>
+        <p:spPr>
+          <a:xfrm>
+            <a:off x="839788" y="2057400"/>
+            <a:ext cx="3932237" cy="3811588"/>
+          </a:xfrm>
+        </p:spPr>
+        <p:txBody>
+          <a:bodyPr/>
+          <a:lstStyle>
+            <a:lvl1pPr marL="0" indent="0">
+              <a:buNone/>
+              <a:defRPr sz="1200"/>
+            </a:lvl1pPr>
+            <a:lvl2pPr marL="342900" indent="0">
+              <a:buNone/>
+              <a:defRPr sz="1050"/>
+            </a:lvl2pPr>
+            <a:lvl3pPr marL="685800" indent="0">
+              <a:buNone/>
+              <a:defRPr sz="900"/>
+            </a:lvl3pPr>
+            <a:lvl4pPr marL="1028700" indent="0">
+              <a:buNone/>
+              <a:defRPr sz="750"/>
+            </a:lvl4pPr>
+            <a:lvl5pPr marL="1371600" indent="0">
+              <a:buNone/>
+              <a:defRPr sz="750"/>
+            </a:lvl5pPr>
+            <a:lvl6pPr marL="1714500" indent="0">
+              <a:buNone/>
+              <a:defRPr sz="750"/>
+            </a:lvl6pPr>
+            <a:lvl7pPr marL="2057400" indent="0">
+              <a:buNone/>
+              <a:defRPr sz="750"/>
+            </a:lvl7pPr>
+            <a:lvl8pPr marL="2400300" indent="0">
+              <a:buNone/>
+              <a:defRPr sz="750"/>
+            </a:lvl8pPr>
+            <a:lvl9pPr marL="2743200" indent="0">
+              <a:buNone/>
+              <a:defRPr sz="750"/>
+            </a:lvl9pPr>
+          </a:lstStyle>
+          <a:p>
+            <a:pPr lvl="0"/>
+            <a:r>
+              <a:rPr lang="en-US" smtClean="0"/>
+              <a:t>Click to edit Master text styles</a:t>
+            </a:r>
+            <a:endParaRPr lang="en-US" smtClean="0"/>
+          </a:p>
+        </p:txBody>
+      </p:sp>
+      <p:sp>
+        <p:nvSpPr>
+          <p:cNvPr id="5" name="Date Placeholder 4"/>
+          <p:cNvSpPr>
+            <a:spLocks noGrp="1"/>
+          </p:cNvSpPr>
+          <p:nvPr>
+            <p:ph type="dt" sz="half" idx="10"/>
+          </p:nvPr>
+        </p:nvSpPr>
+        <p:spPr/>
+        <p:txBody>
+          <a:bodyPr/>
+          <a:lstStyle/>
+          <a:p>
+            <a:pPr lvl="0"/>
+            <a:endParaRPr lang="en-US"/>
+          </a:p>
+        </p:txBody>
+      </p:sp>
+      <p:sp>
+        <p:nvSpPr>
+          <p:cNvPr id="6" name="Footer Placeholder 5"/>
+          <p:cNvSpPr>
+            <a:spLocks noGrp="1"/>
+          </p:cNvSpPr>
+          <p:nvPr>
+            <p:ph type="ftr" sz="quarter" idx="11"/>
+          </p:nvPr>
+        </p:nvSpPr>
+        <p:spPr/>
+        <p:txBody>
+          <a:bodyPr/>
+          <a:lstStyle/>
+          <a:p>
+            <a:pPr lvl="0"/>
+            <a:endParaRPr lang="en-US"/>
+          </a:p>
+        </p:txBody>
+      </p:sp>
+      <p:sp>
+        <p:nvSpPr>
+          <p:cNvPr id="7" name="Slide Number Placeholder 6"/>
+          <p:cNvSpPr>
+            <a:spLocks noGrp="1"/>
+          </p:cNvSpPr>
+          <p:nvPr>
+            <p:ph type="sldNum" sz="quarter" idx="12"/>
+          </p:nvPr>
+        </p:nvSpPr>
+        <p:spPr/>
+        <p:txBody>
+          <a:bodyPr/>
+          <a:lstStyle/>
+          <a:p>
+            <a:pPr lvl="0"/>
+            <a:fld id="{9A0DB2DC-4C9A-4742-B13C-FB6460FD3503}" type="slidenum">
+              <a:rPr lang="en-US"/>
+            </a:fld>
+            <a:endParaRPr lang="en-US"/>
+          </a:p>
+        </p:txBody>
+      </p:sp>
+    </p:spTree>
+  </p:cSld>
+  <p:clrMapOvr>
+    <a:masterClrMapping/>
+  </p:clrMapOvr>
+  <p:hf sldNum="0" hdr="0" ftr="0" dt="0"/>
+</p:sldLayout>
+</file>
+
+<file path=ppt/slideLayouts/slideLayout9.xml><?xml version="1.0" encoding="utf-8"?>
 <p:sldLayout xmlns:a="http://schemas.openxmlformats.org/drawingml/2006/main" xmlns:r="http://schemas.openxmlformats.org/officeDocument/2006/relationships" xmlns:p="http://schemas.openxmlformats.org/presentationml/2006/main" type="picTx" preserve="1">
   <p:cSld name="Picture with Caption">
     <p:spTree>
@@ -1690,7 +2181,7 @@
           <a:bodyPr anchor="b"/>
           <a:lstStyle>
             <a:lvl1pPr>
-              <a:defRPr sz="3200"/>
+              <a:defRPr sz="2400"/>
             </a:lvl1pPr>
           </a:lstStyle>
           <a:p>
@@ -1723,39 +2214,39 @@
           <a:lstStyle>
             <a:lvl1pPr marL="0" indent="0">
               <a:buNone/>
-              <a:defRPr sz="3200"/>
+              <a:defRPr sz="2400"/>
             </a:lvl1pPr>
-            <a:lvl2pPr marL="457200" indent="0">
+            <a:lvl2pPr marL="342900" indent="0">
               <a:buNone/>
-              <a:defRPr sz="2800"/>
+              <a:defRPr sz="2100"/>
             </a:lvl2pPr>
-            <a:lvl3pPr marL="914400" indent="0">
+            <a:lvl3pPr marL="685800" indent="0">
               <a:buNone/>
-              <a:defRPr sz="2400"/>
+              <a:defRPr sz="1800"/>
             </a:lvl3pPr>
-            <a:lvl4pPr marL="1371600" indent="0">
+            <a:lvl4pPr marL="1028700" indent="0">
               <a:buNone/>
-              <a:defRPr sz="2000"/>
+              <a:defRPr sz="1500"/>
             </a:lvl4pPr>
-            <a:lvl5pPr marL="1828800" indent="0">
+            <a:lvl5pPr marL="1371600" indent="0">
               <a:buNone/>
-              <a:defRPr sz="2000"/>
+              <a:defRPr sz="1500"/>
             </a:lvl5pPr>
-            <a:lvl6pPr marL="2286000" indent="0">
+            <a:lvl6pPr marL="1714500" indent="0">
               <a:buNone/>
-              <a:defRPr sz="2000"/>
+              <a:defRPr sz="1500"/>
             </a:lvl6pPr>
-            <a:lvl7pPr marL="2743200" indent="0">
+            <a:lvl7pPr marL="2057400" indent="0">
               <a:buNone/>
-              <a:defRPr sz="2000"/>
+              <a:defRPr sz="1500"/>
             </a:lvl7pPr>
-            <a:lvl8pPr marL="3200400" indent="0">
+            <a:lvl8pPr marL="2400300" indent="0">
               <a:buNone/>
-              <a:defRPr sz="2000"/>
+              <a:defRPr sz="1500"/>
             </a:lvl8pPr>
-            <a:lvl9pPr marL="3657600" indent="0">
+            <a:lvl9pPr marL="2743200" indent="0">
               <a:buNone/>
-              <a:defRPr sz="2000"/>
+              <a:defRPr sz="1500"/>
             </a:lvl9pPr>
           </a:lstStyle>
           <a:p>
@@ -1784,39 +2275,39 @@
           <a:lstStyle>
             <a:lvl1pPr marL="0" indent="0">
               <a:buNone/>
-              <a:defRPr sz="1600"/>
+              <a:defRPr sz="1200"/>
             </a:lvl1pPr>
-            <a:lvl2pPr marL="457200" indent="0">
+            <a:lvl2pPr marL="342900" indent="0">
               <a:buNone/>
-              <a:defRPr sz="1400"/>
+              <a:defRPr sz="1050"/>
             </a:lvl2pPr>
-            <a:lvl3pPr marL="914400" indent="0">
+            <a:lvl3pPr marL="685800" indent="0">
               <a:buNone/>
-              <a:defRPr sz="1200"/>
+              <a:defRPr sz="900"/>
             </a:lvl3pPr>
-            <a:lvl4pPr marL="1371600" indent="0">
+            <a:lvl4pPr marL="1028700" indent="0">
               <a:buNone/>
-              <a:defRPr sz="1000"/>
+              <a:defRPr sz="750"/>
             </a:lvl4pPr>
-            <a:lvl5pPr marL="1828800" indent="0">
+            <a:lvl5pPr marL="1371600" indent="0">
               <a:buNone/>
-              <a:defRPr sz="1000"/>
+              <a:defRPr sz="750"/>
             </a:lvl5pPr>
-            <a:lvl6pPr marL="2286000" indent="0">
+            <a:lvl6pPr marL="1714500" indent="0">
               <a:buNone/>
-              <a:defRPr sz="1000"/>
+              <a:defRPr sz="750"/>
             </a:lvl6pPr>
-            <a:lvl7pPr marL="2743200" indent="0">
+            <a:lvl7pPr marL="2057400" indent="0">
               <a:buNone/>
-              <a:defRPr sz="1000"/>
+              <a:defRPr sz="750"/>
             </a:lvl7pPr>
-            <a:lvl8pPr marL="3200400" indent="0">
+            <a:lvl8pPr marL="2400300" indent="0">
               <a:buNone/>
-              <a:defRPr sz="1000"/>
+              <a:defRPr sz="750"/>
             </a:lvl8pPr>
-            <a:lvl9pPr marL="3657600" indent="0">
+            <a:lvl9pPr marL="2743200" indent="0">
               <a:buNone/>
-              <a:defRPr sz="1000"/>
+              <a:defRPr sz="750"/>
             </a:lvl9pPr>
           </a:lstStyle>
           <a:p>
@@ -1904,183 +2395,7 @@
       </p:par>
     </p:tnLst>
   </p:timing>
-</p:sldLayout>
-</file>
-
-<file path=ppt/slideLayouts/slideLayout9.xml><?xml version="1.0" encoding="utf-8"?>
-<p:sldLayout xmlns:a="http://schemas.openxmlformats.org/drawingml/2006/main" xmlns:r="http://schemas.openxmlformats.org/officeDocument/2006/relationships" xmlns:p="http://schemas.openxmlformats.org/presentationml/2006/main" type="vertTitleAndTx" preserve="1">
-  <p:cSld name="Vertical Title and Text">
-    <p:spTree>
-      <p:nvGrpSpPr>
-        <p:cNvPr id="1" name=""/>
-        <p:cNvGrpSpPr/>
-        <p:nvPr/>
-      </p:nvGrpSpPr>
-      <p:grpSpPr>
-        <a:xfrm>
-          <a:off x="0" y="0"/>
-          <a:ext cx="0" cy="0"/>
-          <a:chOff x="0" y="0"/>
-          <a:chExt cx="0" cy="0"/>
-        </a:xfrm>
-      </p:grpSpPr>
-      <p:sp>
-        <p:nvSpPr>
-          <p:cNvPr id="2" name="Vertical Title 1"/>
-          <p:cNvSpPr>
-            <a:spLocks noGrp="1"/>
-          </p:cNvSpPr>
-          <p:nvPr>
-            <p:ph type="title" orient="vert"/>
-          </p:nvPr>
-        </p:nvSpPr>
-        <p:spPr>
-          <a:xfrm>
-            <a:off x="8724900" y="365125"/>
-            <a:ext cx="2628900" cy="5811838"/>
-          </a:xfrm>
-        </p:spPr>
-        <p:txBody>
-          <a:bodyPr vert="eaVert"/>
-          <a:lstStyle/>
-          <a:p>
-            <a:r>
-              <a:rPr lang="en-US" smtClean="0"/>
-              <a:t>Click to edit Master title style</a:t>
-            </a:r>
-            <a:endParaRPr lang="en-US"/>
-          </a:p>
-        </p:txBody>
-      </p:sp>
-      <p:sp>
-        <p:nvSpPr>
-          <p:cNvPr id="3" name="Vertical Text Placeholder 2"/>
-          <p:cNvSpPr>
-            <a:spLocks noGrp="1"/>
-          </p:cNvSpPr>
-          <p:nvPr>
-            <p:ph type="body" orient="vert" idx="1"/>
-          </p:nvPr>
-        </p:nvSpPr>
-        <p:spPr>
-          <a:xfrm>
-            <a:off x="838200" y="365125"/>
-            <a:ext cx="7734300" cy="5811838"/>
-          </a:xfrm>
-        </p:spPr>
-        <p:txBody>
-          <a:bodyPr vert="eaVert"/>
-          <a:lstStyle/>
-          <a:p>
-            <a:pPr lvl="0"/>
-            <a:r>
-              <a:rPr lang="en-US" smtClean="0"/>
-              <a:t>Click to edit Master text styles</a:t>
-            </a:r>
-            <a:endParaRPr lang="en-US" smtClean="0"/>
-          </a:p>
-          <a:p>
-            <a:pPr lvl="1"/>
-            <a:r>
-              <a:rPr lang="en-US" smtClean="0"/>
-              <a:t>Second level</a:t>
-            </a:r>
-            <a:endParaRPr lang="en-US" smtClean="0"/>
-          </a:p>
-          <a:p>
-            <a:pPr lvl="2"/>
-            <a:r>
-              <a:rPr lang="en-US" smtClean="0"/>
-              <a:t>Third level</a:t>
-            </a:r>
-            <a:endParaRPr lang="en-US" smtClean="0"/>
-          </a:p>
-          <a:p>
-            <a:pPr lvl="3"/>
-            <a:r>
-              <a:rPr lang="en-US" smtClean="0"/>
-              <a:t>Fourth level</a:t>
-            </a:r>
-            <a:endParaRPr lang="en-US" smtClean="0"/>
-          </a:p>
-          <a:p>
-            <a:pPr lvl="4"/>
-            <a:r>
-              <a:rPr lang="en-US" smtClean="0"/>
-              <a:t>Fifth level</a:t>
-            </a:r>
-            <a:endParaRPr lang="en-US"/>
-          </a:p>
-        </p:txBody>
-      </p:sp>
-      <p:sp>
-        <p:nvSpPr>
-          <p:cNvPr id="4" name="Date Placeholder 3"/>
-          <p:cNvSpPr>
-            <a:spLocks noGrp="1"/>
-          </p:cNvSpPr>
-          <p:nvPr>
-            <p:ph type="dt" sz="half" idx="10"/>
-          </p:nvPr>
-        </p:nvSpPr>
-        <p:spPr/>
-        <p:txBody>
-          <a:bodyPr/>
-          <a:lstStyle/>
-          <a:p>
-            <a:fld id="{FDE934FF-F4E1-47C5-9CA5-30A81DDE2BE4}" type="datetimeFigureOut">
-              <a:rPr lang="en-US" smtClean="0"/>
-            </a:fld>
-            <a:endParaRPr lang="en-US"/>
-          </a:p>
-        </p:txBody>
-      </p:sp>
-      <p:sp>
-        <p:nvSpPr>
-          <p:cNvPr id="5" name="Footer Placeholder 4"/>
-          <p:cNvSpPr>
-            <a:spLocks noGrp="1"/>
-          </p:cNvSpPr>
-          <p:nvPr>
-            <p:ph type="ftr" sz="quarter" idx="11"/>
-          </p:nvPr>
-        </p:nvSpPr>
-        <p:spPr/>
-        <p:txBody>
-          <a:bodyPr/>
-          <a:lstStyle/>
-          <a:p>
-            <a:endParaRPr lang="en-US"/>
-          </a:p>
-        </p:txBody>
-      </p:sp>
-      <p:sp>
-        <p:nvSpPr>
-          <p:cNvPr id="6" name="Slide Number Placeholder 5"/>
-          <p:cNvSpPr>
-            <a:spLocks noGrp="1"/>
-          </p:cNvSpPr>
-          <p:nvPr>
-            <p:ph type="sldNum" sz="quarter" idx="12"/>
-          </p:nvPr>
-        </p:nvSpPr>
-        <p:spPr/>
-        <p:txBody>
-          <a:bodyPr/>
-          <a:lstStyle/>
-          <a:p>
-            <a:fld id="{B3561BA9-CDCF-4958-B8AB-66F3BF063E13}" type="slidenum">
-              <a:rPr lang="en-US" smtClean="0"/>
-            </a:fld>
-            <a:endParaRPr lang="en-US"/>
-          </a:p>
-        </p:txBody>
-      </p:sp>
-    </p:spTree>
-  </p:cSld>
-  <p:clrMapOvr>
-    <a:masterClrMapping/>
-  </p:clrMapOvr>
+  <p:hf sldNum="0" hdr="0" ftr="0" dt="0"/>
 </p:sldLayout>
 </file>
 
@@ -2088,9 +2403,15 @@
 <p:sldMaster xmlns:a="http://schemas.openxmlformats.org/drawingml/2006/main" xmlns:r="http://schemas.openxmlformats.org/officeDocument/2006/relationships" xmlns:p="http://schemas.openxmlformats.org/presentationml/2006/main">
   <p:cSld>
     <p:bg>
-      <p:bgRef idx="1001">
-        <a:schemeClr val="bg1"/>
-      </p:bgRef>
+      <p:bgPr>
+        <a:solidFill>
+          <a:schemeClr val="tx2">
+            <a:lumMod val="20000"/>
+            <a:lumOff val="80000"/>
+          </a:schemeClr>
+        </a:solidFill>
+        <a:effectLst/>
+      </p:bgPr>
     </p:bg>
     <p:spTree>
       <p:nvGrpSpPr>
@@ -2098,143 +2419,119 @@
         <p:cNvGrpSpPr/>
         <p:nvPr/>
       </p:nvGrpSpPr>
-      <p:grpSpPr>
-        <a:xfrm>
-          <a:off x="0" y="0"/>
-          <a:ext cx="0" cy="0"/>
-          <a:chOff x="0" y="0"/>
-          <a:chExt cx="0" cy="0"/>
-        </a:xfrm>
-      </p:grpSpPr>
-      <p:sp>
-        <p:nvSpPr>
-          <p:cNvPr id="2" name="Title Placeholder 1"/>
-          <p:cNvSpPr>
-            <a:spLocks noGrp="1"/>
-          </p:cNvSpPr>
+      <p:grpSpPr/>
+      <p:sp>
+        <p:nvSpPr>
+          <p:cNvPr id="1026" name="Title 1025"/>
+          <p:cNvSpPr/>
           <p:nvPr>
             <p:ph type="title"/>
           </p:nvPr>
         </p:nvSpPr>
         <p:spPr>
           <a:xfrm>
-            <a:off x="838200" y="365125"/>
-            <a:ext cx="10515600" cy="1325563"/>
+            <a:off x="609600" y="274638"/>
+            <a:ext cx="10972800" cy="1143000"/>
           </a:xfrm>
           <a:prstGeom prst="rect">
             <a:avLst/>
           </a:prstGeom>
+          <a:noFill/>
+          <a:ln w="9525">
+            <a:noFill/>
+          </a:ln>
         </p:spPr>
         <p:txBody>
-          <a:bodyPr vert="horz" lIns="91440" tIns="45720" rIns="91440" bIns="45720" rtlCol="0" anchor="ctr">
-            <a:normAutofit/>
-          </a:bodyPr>
-          <a:lstStyle/>
-          <a:p>
-            <a:r>
-              <a:rPr lang="en-US" smtClean="0"/>
+          <a:bodyPr anchor="ctr"/>
+          <a:p>
+            <a:pPr lvl="0"/>
+            <a:r>
               <a:t>Click to edit Master title style</a:t>
             </a:r>
-            <a:endParaRPr lang="en-US"/>
-          </a:p>
-        </p:txBody>
-      </p:sp>
-      <p:sp>
-        <p:nvSpPr>
-          <p:cNvPr id="3" name="Text Placeholder 2"/>
-          <p:cNvSpPr>
-            <a:spLocks noGrp="1"/>
-          </p:cNvSpPr>
+          </a:p>
+        </p:txBody>
+      </p:sp>
+      <p:sp>
+        <p:nvSpPr>
+          <p:cNvPr id="1027" name="Text Placeholder 1026"/>
+          <p:cNvSpPr/>
           <p:nvPr>
             <p:ph type="body" idx="1"/>
           </p:nvPr>
         </p:nvSpPr>
         <p:spPr>
           <a:xfrm>
-            <a:off x="838200" y="1825625"/>
-            <a:ext cx="10515600" cy="4351338"/>
+            <a:off x="609600" y="1600200"/>
+            <a:ext cx="10972800" cy="4525963"/>
           </a:xfrm>
           <a:prstGeom prst="rect">
             <a:avLst/>
           </a:prstGeom>
+          <a:noFill/>
+          <a:ln w="9525">
+            <a:noFill/>
+          </a:ln>
         </p:spPr>
         <p:txBody>
-          <a:bodyPr vert="horz" lIns="91440" tIns="45720" rIns="91440" bIns="45720" rtlCol="0">
-            <a:normAutofit/>
-          </a:bodyPr>
-          <a:lstStyle/>
+          <a:bodyPr/>
           <a:p>
             <a:pPr lvl="0"/>
             <a:r>
-              <a:rPr lang="en-US" smtClean="0"/>
               <a:t>Click to edit Master text styles</a:t>
             </a:r>
-            <a:endParaRPr lang="en-US" smtClean="0"/>
           </a:p>
           <a:p>
             <a:pPr lvl="1"/>
             <a:r>
-              <a:rPr lang="en-US" smtClean="0"/>
               <a:t>Second level</a:t>
             </a:r>
-            <a:endParaRPr lang="en-US" smtClean="0"/>
           </a:p>
           <a:p>
             <a:pPr lvl="2"/>
             <a:r>
-              <a:rPr lang="en-US" smtClean="0"/>
               <a:t>Third level</a:t>
             </a:r>
-            <a:endParaRPr lang="en-US" smtClean="0"/>
           </a:p>
           <a:p>
             <a:pPr lvl="3"/>
             <a:r>
-              <a:rPr lang="en-US" smtClean="0"/>
               <a:t>Fourth level</a:t>
             </a:r>
-            <a:endParaRPr lang="en-US" smtClean="0"/>
           </a:p>
           <a:p>
             <a:pPr lvl="4"/>
             <a:r>
-              <a:rPr lang="en-US" smtClean="0"/>
               <a:t>Fifth level</a:t>
             </a:r>
-            <a:endParaRPr lang="en-US"/>
-          </a:p>
-        </p:txBody>
-      </p:sp>
-      <p:sp>
-        <p:nvSpPr>
-          <p:cNvPr id="4" name="Date Placeholder 3"/>
-          <p:cNvSpPr>
-            <a:spLocks noGrp="1"/>
-          </p:cNvSpPr>
+          </a:p>
+        </p:txBody>
+      </p:sp>
+      <p:sp>
+        <p:nvSpPr>
+          <p:cNvPr id="1028" name="Date Placeholder 1027"/>
+          <p:cNvSpPr/>
           <p:nvPr>
             <p:ph type="dt" sz="half" idx="2"/>
           </p:nvPr>
         </p:nvSpPr>
         <p:spPr>
           <a:xfrm>
-            <a:off x="838200" y="6356350"/>
-            <a:ext cx="2743200" cy="365125"/>
+            <a:off x="609600" y="6245225"/>
+            <a:ext cx="2844800" cy="476250"/>
           </a:xfrm>
           <a:prstGeom prst="rect">
             <a:avLst/>
           </a:prstGeom>
+          <a:noFill/>
+          <a:ln w="9525">
+            <a:noFill/>
+          </a:ln>
         </p:spPr>
         <p:txBody>
-          <a:bodyPr vert="horz" lIns="91440" tIns="45720" rIns="91440" bIns="45720" rtlCol="0" anchor="ctr"/>
+          <a:bodyPr/>
           <a:lstStyle>
-            <a:lvl1pPr algn="l">
-              <a:defRPr sz="1200">
-                <a:solidFill>
-                  <a:schemeClr val="tx1">
-                    <a:tint val="75000"/>
-                  </a:schemeClr>
-                </a:solidFill>
-              </a:defRPr>
+            <a:lvl1pPr>
+              <a:defRPr sz="1400"/>
             </a:lvl1pPr>
           </a:lstStyle>
           <a:p>
@@ -2247,34 +2544,30 @@
       </p:sp>
       <p:sp>
         <p:nvSpPr>
-          <p:cNvPr id="5" name="Footer Placeholder 4"/>
-          <p:cNvSpPr>
-            <a:spLocks noGrp="1"/>
-          </p:cNvSpPr>
+          <p:cNvPr id="1029" name="Footer Placeholder 1028"/>
+          <p:cNvSpPr/>
           <p:nvPr>
             <p:ph type="ftr" sz="quarter" idx="3"/>
           </p:nvPr>
         </p:nvSpPr>
         <p:spPr>
           <a:xfrm>
-            <a:off x="4038600" y="6356350"/>
-            <a:ext cx="4114800" cy="365125"/>
+            <a:off x="4165600" y="6245225"/>
+            <a:ext cx="3860800" cy="476250"/>
           </a:xfrm>
           <a:prstGeom prst="rect">
             <a:avLst/>
           </a:prstGeom>
+          <a:noFill/>
+          <a:ln w="9525">
+            <a:noFill/>
+          </a:ln>
         </p:spPr>
         <p:txBody>
-          <a:bodyPr vert="horz" lIns="91440" tIns="45720" rIns="91440" bIns="45720" rtlCol="0" anchor="ctr"/>
+          <a:bodyPr/>
           <a:lstStyle>
             <a:lvl1pPr algn="ctr">
-              <a:defRPr sz="1200">
-                <a:solidFill>
-                  <a:schemeClr val="tx1">
-                    <a:tint val="75000"/>
-                  </a:schemeClr>
-                </a:solidFill>
-              </a:defRPr>
+              <a:defRPr sz="1400"/>
             </a:lvl1pPr>
           </a:lstStyle>
           <a:p>
@@ -2284,34 +2577,30 @@
       </p:sp>
       <p:sp>
         <p:nvSpPr>
-          <p:cNvPr id="6" name="Slide Number Placeholder 5"/>
-          <p:cNvSpPr>
-            <a:spLocks noGrp="1"/>
-          </p:cNvSpPr>
+          <p:cNvPr id="1030" name="Slide Number Placeholder 1029"/>
+          <p:cNvSpPr/>
           <p:nvPr>
             <p:ph type="sldNum" sz="quarter" idx="4"/>
           </p:nvPr>
         </p:nvSpPr>
         <p:spPr>
           <a:xfrm>
-            <a:off x="8610600" y="6356350"/>
-            <a:ext cx="2743200" cy="365125"/>
+            <a:off x="8737600" y="6245225"/>
+            <a:ext cx="2844800" cy="476250"/>
           </a:xfrm>
           <a:prstGeom prst="rect">
             <a:avLst/>
           </a:prstGeom>
+          <a:noFill/>
+          <a:ln w="9525">
+            <a:noFill/>
+          </a:ln>
         </p:spPr>
         <p:txBody>
-          <a:bodyPr vert="horz" lIns="91440" tIns="45720" rIns="91440" bIns="45720" rtlCol="0" anchor="ctr"/>
+          <a:bodyPr/>
           <a:lstStyle>
             <a:lvl1pPr algn="r">
-              <a:defRPr sz="1200">
-                <a:solidFill>
-                  <a:schemeClr val="tx1">
-                    <a:tint val="75000"/>
-                  </a:schemeClr>
-                </a:solidFill>
-              </a:defRPr>
+              <a:defRPr sz="1400"/>
             </a:lvl1pPr>
           </a:lstStyle>
           <a:p>
@@ -2336,20 +2625,25 @@
     <p:sldLayoutId id="2147483656" r:id="rId8"/>
     <p:sldLayoutId id="2147483657" r:id="rId9"/>
     <p:sldLayoutId id="2147483658" r:id="rId10"/>
+    <p:sldLayoutId id="2147483659" r:id="rId11"/>
   </p:sldLayoutIdLst>
+  <p:hf sldNum="0" hdr="0" ftr="0" dt="0"/>
   <p:txStyles>
     <p:titleStyle>
-      <a:lvl1pPr algn="l" defTabSz="914400" rtl="0" eaLnBrk="1" latinLnBrk="0" hangingPunct="1">
+      <a:lvl1pPr marL="0" lvl="0" indent="0" algn="ctr" defTabSz="914400" eaLnBrk="1" fontAlgn="base" latinLnBrk="0" hangingPunct="1">
         <a:lnSpc>
-          <a:spcPct val="90000"/>
+          <a:spcPct val="100000"/>
         </a:lnSpc>
         <a:spcBef>
           <a:spcPct val="0"/>
         </a:spcBef>
+        <a:spcAft>
+          <a:spcPct val="0"/>
+        </a:spcAft>
         <a:buNone/>
-        <a:defRPr sz="4400" kern="1200">
+        <a:defRPr sz="4400" b="0" i="0" u="none" kern="1200" baseline="0">
           <a:solidFill>
-            <a:schemeClr val="tx1"/>
+            <a:schemeClr val="tx2"/>
           </a:solidFill>
           <a:latin typeface="+mj-lt"/>
           <a:ea typeface="+mj-ea"/>
@@ -2358,16 +2652,18 @@
       </a:lvl1pPr>
     </p:titleStyle>
     <p:bodyStyle>
-      <a:lvl1pPr marL="228600" indent="-228600" algn="l" defTabSz="914400" rtl="0" eaLnBrk="1" latinLnBrk="0" hangingPunct="1">
+      <a:lvl1pPr marL="342900" lvl="0" indent="-342900" algn="l" defTabSz="914400" eaLnBrk="1" fontAlgn="base" latinLnBrk="0" hangingPunct="1">
         <a:lnSpc>
-          <a:spcPct val="90000"/>
+          <a:spcPct val="100000"/>
         </a:lnSpc>
         <a:spcBef>
-          <a:spcPts val="1000"/>
+          <a:spcPct val="20000"/>
         </a:spcBef>
-        <a:buFont typeface="Arial" panose="020B0604020202090204" pitchFamily="34" charset="0"/>
+        <a:spcAft>
+          <a:spcPct val="0"/>
+        </a:spcAft>
         <a:buChar char="•"/>
-        <a:defRPr sz="2800" kern="1200">
+        <a:defRPr sz="3200" b="0" i="0" u="none" kern="1200" baseline="0">
           <a:solidFill>
             <a:schemeClr val="tx1"/>
           </a:solidFill>
@@ -2376,16 +2672,18 @@
           <a:cs typeface="+mn-cs"/>
         </a:defRPr>
       </a:lvl1pPr>
-      <a:lvl2pPr marL="685800" indent="-228600" algn="l" defTabSz="914400" rtl="0" eaLnBrk="1" latinLnBrk="0" hangingPunct="1">
+      <a:lvl2pPr marL="742950" lvl="1" indent="-285750" algn="l" defTabSz="914400" eaLnBrk="1" fontAlgn="base" latinLnBrk="0" hangingPunct="1">
         <a:lnSpc>
-          <a:spcPct val="90000"/>
+          <a:spcPct val="100000"/>
         </a:lnSpc>
         <a:spcBef>
-          <a:spcPts val="500"/>
+          <a:spcPct val="20000"/>
         </a:spcBef>
-        <a:buFont typeface="Arial" panose="020B0604020202090204" pitchFamily="34" charset="0"/>
-        <a:buChar char="•"/>
-        <a:defRPr sz="2400" kern="1200">
+        <a:spcAft>
+          <a:spcPct val="0"/>
+        </a:spcAft>
+        <a:buChar char="–"/>
+        <a:defRPr sz="2800" b="0" i="0" u="none" kern="1200" baseline="0">
           <a:solidFill>
             <a:schemeClr val="tx1"/>
           </a:solidFill>
@@ -2394,16 +2692,18 @@
           <a:cs typeface="+mn-cs"/>
         </a:defRPr>
       </a:lvl2pPr>
-      <a:lvl3pPr marL="1143000" indent="-228600" algn="l" defTabSz="914400" rtl="0" eaLnBrk="1" latinLnBrk="0" hangingPunct="1">
+      <a:lvl3pPr marL="1143000" lvl="2" indent="-228600" algn="l" defTabSz="914400" eaLnBrk="1" fontAlgn="base" latinLnBrk="0" hangingPunct="1">
         <a:lnSpc>
-          <a:spcPct val="90000"/>
+          <a:spcPct val="100000"/>
         </a:lnSpc>
         <a:spcBef>
-          <a:spcPts val="500"/>
+          <a:spcPct val="20000"/>
         </a:spcBef>
-        <a:buFont typeface="Arial" panose="020B0604020202090204" pitchFamily="34" charset="0"/>
+        <a:spcAft>
+          <a:spcPct val="0"/>
+        </a:spcAft>
         <a:buChar char="•"/>
-        <a:defRPr sz="2000" kern="1200">
+        <a:defRPr sz="2400" b="0" i="0" u="none" kern="1200" baseline="0">
           <a:solidFill>
             <a:schemeClr val="tx1"/>
           </a:solidFill>
@@ -2412,16 +2712,18 @@
           <a:cs typeface="+mn-cs"/>
         </a:defRPr>
       </a:lvl3pPr>
-      <a:lvl4pPr marL="1600200" indent="-228600" algn="l" defTabSz="914400" rtl="0" eaLnBrk="1" latinLnBrk="0" hangingPunct="1">
+      <a:lvl4pPr marL="1600200" lvl="3" indent="-228600" algn="l" defTabSz="914400" eaLnBrk="1" fontAlgn="base" latinLnBrk="0" hangingPunct="1">
         <a:lnSpc>
-          <a:spcPct val="90000"/>
+          <a:spcPct val="100000"/>
         </a:lnSpc>
         <a:spcBef>
-          <a:spcPts val="500"/>
+          <a:spcPct val="20000"/>
         </a:spcBef>
-        <a:buFont typeface="Arial" panose="020B0604020202090204" pitchFamily="34" charset="0"/>
-        <a:buChar char="•"/>
-        <a:defRPr sz="1800" kern="1200">
+        <a:spcAft>
+          <a:spcPct val="0"/>
+        </a:spcAft>
+        <a:buChar char="–"/>
+        <a:defRPr sz="2000" b="0" i="0" u="none" kern="1200" baseline="0">
           <a:solidFill>
             <a:schemeClr val="tx1"/>
           </a:solidFill>
@@ -2430,16 +2732,18 @@
           <a:cs typeface="+mn-cs"/>
         </a:defRPr>
       </a:lvl4pPr>
-      <a:lvl5pPr marL="2057400" indent="-228600" algn="l" defTabSz="914400" rtl="0" eaLnBrk="1" latinLnBrk="0" hangingPunct="1">
+      <a:lvl5pPr marL="2057400" lvl="4" indent="-228600" algn="l" defTabSz="914400" eaLnBrk="1" fontAlgn="base" latinLnBrk="0" hangingPunct="1">
         <a:lnSpc>
-          <a:spcPct val="90000"/>
+          <a:spcPct val="100000"/>
         </a:lnSpc>
         <a:spcBef>
-          <a:spcPts val="500"/>
+          <a:spcPct val="20000"/>
         </a:spcBef>
-        <a:buFont typeface="Arial" panose="020B0604020202090204" pitchFamily="34" charset="0"/>
-        <a:buChar char="•"/>
-        <a:defRPr sz="1800" kern="1200">
+        <a:spcAft>
+          <a:spcPct val="0"/>
+        </a:spcAft>
+        <a:buChar char="»"/>
+        <a:defRPr sz="2000" b="0" i="0" u="none" kern="1200" baseline="0">
           <a:solidFill>
             <a:schemeClr val="tx1"/>
           </a:solidFill>
@@ -2448,16 +2752,18 @@
           <a:cs typeface="+mn-cs"/>
         </a:defRPr>
       </a:lvl5pPr>
-      <a:lvl6pPr marL="2514600" indent="-228600" algn="l" defTabSz="914400" rtl="0" eaLnBrk="1" latinLnBrk="0" hangingPunct="1">
+      <a:lvl6pPr marL="2514600" lvl="5" indent="-228600" algn="l" defTabSz="914400" eaLnBrk="1" fontAlgn="base" latinLnBrk="0" hangingPunct="1">
         <a:lnSpc>
-          <a:spcPct val="90000"/>
+          <a:spcPct val="100000"/>
         </a:lnSpc>
         <a:spcBef>
-          <a:spcPts val="500"/>
+          <a:spcPct val="20000"/>
         </a:spcBef>
-        <a:buFont typeface="Arial" panose="020B0604020202090204" pitchFamily="34" charset="0"/>
-        <a:buChar char="•"/>
-        <a:defRPr sz="1800" kern="1200">
+        <a:spcAft>
+          <a:spcPct val="0"/>
+        </a:spcAft>
+        <a:buChar char="»"/>
+        <a:defRPr sz="2000" b="0" i="0" u="none" kern="1200" baseline="0">
           <a:solidFill>
             <a:schemeClr val="tx1"/>
           </a:solidFill>
@@ -2466,16 +2772,18 @@
           <a:cs typeface="+mn-cs"/>
         </a:defRPr>
       </a:lvl6pPr>
-      <a:lvl7pPr marL="2971800" indent="-228600" algn="l" defTabSz="914400" rtl="0" eaLnBrk="1" latinLnBrk="0" hangingPunct="1">
+      <a:lvl7pPr marL="2971800" lvl="6" indent="-228600" algn="l" defTabSz="914400" eaLnBrk="1" fontAlgn="base" latinLnBrk="0" hangingPunct="1">
         <a:lnSpc>
-          <a:spcPct val="90000"/>
+          <a:spcPct val="100000"/>
         </a:lnSpc>
         <a:spcBef>
-          <a:spcPts val="500"/>
+          <a:spcPct val="20000"/>
         </a:spcBef>
-        <a:buFont typeface="Arial" panose="020B0604020202090204" pitchFamily="34" charset="0"/>
-        <a:buChar char="•"/>
-        <a:defRPr sz="1800" kern="1200">
+        <a:spcAft>
+          <a:spcPct val="0"/>
+        </a:spcAft>
+        <a:buChar char="»"/>
+        <a:defRPr sz="2000" b="0" i="0" u="none" kern="1200" baseline="0">
           <a:solidFill>
             <a:schemeClr val="tx1"/>
           </a:solidFill>
@@ -2484,16 +2792,18 @@
           <a:cs typeface="+mn-cs"/>
         </a:defRPr>
       </a:lvl7pPr>
-      <a:lvl8pPr marL="3429000" indent="-228600" algn="l" defTabSz="914400" rtl="0" eaLnBrk="1" latinLnBrk="0" hangingPunct="1">
+      <a:lvl8pPr marL="3429000" lvl="7" indent="-228600" algn="l" defTabSz="914400" eaLnBrk="1" fontAlgn="base" latinLnBrk="0" hangingPunct="1">
         <a:lnSpc>
-          <a:spcPct val="90000"/>
+          <a:spcPct val="100000"/>
         </a:lnSpc>
         <a:spcBef>
-          <a:spcPts val="500"/>
+          <a:spcPct val="20000"/>
         </a:spcBef>
-        <a:buFont typeface="Arial" panose="020B0604020202090204" pitchFamily="34" charset="0"/>
-        <a:buChar char="•"/>
-        <a:defRPr sz="1800" kern="1200">
+        <a:spcAft>
+          <a:spcPct val="0"/>
+        </a:spcAft>
+        <a:buChar char="»"/>
+        <a:defRPr sz="2000" b="0" i="0" u="none" kern="1200" baseline="0">
           <a:solidFill>
             <a:schemeClr val="tx1"/>
           </a:solidFill>
@@ -2502,16 +2812,18 @@
           <a:cs typeface="+mn-cs"/>
         </a:defRPr>
       </a:lvl8pPr>
-      <a:lvl9pPr marL="3886200" indent="-228600" algn="l" defTabSz="914400" rtl="0" eaLnBrk="1" latinLnBrk="0" hangingPunct="1">
+      <a:lvl9pPr marL="3886200" lvl="8" indent="-228600" algn="l" defTabSz="914400" eaLnBrk="1" fontAlgn="base" latinLnBrk="0" hangingPunct="1">
         <a:lnSpc>
-          <a:spcPct val="90000"/>
+          <a:spcPct val="100000"/>
         </a:lnSpc>
         <a:spcBef>
-          <a:spcPts val="500"/>
+          <a:spcPct val="20000"/>
         </a:spcBef>
-        <a:buFont typeface="Arial" panose="020B0604020202090204" pitchFamily="34" charset="0"/>
-        <a:buChar char="•"/>
-        <a:defRPr sz="1800" kern="1200">
+        <a:spcAft>
+          <a:spcPct val="0"/>
+        </a:spcAft>
+        <a:buChar char="»"/>
+        <a:defRPr sz="2000" b="0" i="0" u="none" kern="1200" baseline="0">
           <a:solidFill>
             <a:schemeClr val="tx1"/>
           </a:solidFill>
@@ -2522,11 +2834,19 @@
       </a:lvl9pPr>
     </p:bodyStyle>
     <p:otherStyle>
-      <a:defPPr>
-        <a:defRPr lang="en-US"/>
-      </a:defPPr>
-      <a:lvl1pPr marL="0" algn="l" defTabSz="914400" rtl="0" eaLnBrk="1" latinLnBrk="0" hangingPunct="1">
-        <a:defRPr sz="1800" kern="1200">
+      <a:lvl1pPr marL="0" lvl="0" indent="0" algn="l" defTabSz="914400" eaLnBrk="1" fontAlgn="base" latinLnBrk="0" hangingPunct="1">
+        <a:lnSpc>
+          <a:spcPct val="100000"/>
+        </a:lnSpc>
+        <a:spcBef>
+          <a:spcPct val="0"/>
+        </a:spcBef>
+        <a:spcAft>
+          <a:spcPct val="0"/>
+        </a:spcAft>
+        <a:buFont typeface="Arial" panose="020B0604020202090204" pitchFamily="34" charset="0"/>
+        <a:buNone/>
+        <a:defRPr sz="1800" b="0" i="0" u="none" kern="1200" baseline="0">
           <a:solidFill>
             <a:schemeClr val="tx1"/>
           </a:solidFill>
@@ -2535,83 +2855,171 @@
           <a:cs typeface="+mn-cs"/>
         </a:defRPr>
       </a:lvl1pPr>
-      <a:lvl2pPr marL="457200" algn="l" defTabSz="914400" rtl="0" eaLnBrk="1" latinLnBrk="0" hangingPunct="1">
-        <a:defRPr sz="1800" kern="1200">
+      <a:lvl2pPr marL="457200" lvl="1" indent="0" algn="l" defTabSz="914400" eaLnBrk="1" fontAlgn="base" latinLnBrk="0" hangingPunct="1">
+        <a:lnSpc>
+          <a:spcPct val="100000"/>
+        </a:lnSpc>
+        <a:spcBef>
+          <a:spcPct val="0"/>
+        </a:spcBef>
+        <a:spcAft>
+          <a:spcPct val="0"/>
+        </a:spcAft>
+        <a:buFont typeface="Arial" panose="020B0604020202090204" pitchFamily="34" charset="0"/>
+        <a:buNone/>
+        <a:defRPr b="0" i="0" u="none" kern="1200" baseline="0">
           <a:solidFill>
             <a:schemeClr val="tx1"/>
           </a:solidFill>
-          <a:latin typeface="+mn-lt"/>
-          <a:ea typeface="+mn-ea"/>
+          <a:latin typeface="Arial" panose="020B0604020202090204" pitchFamily="34" charset="0"/>
+          <a:ea typeface="Arial" panose="020B0604020202090204" pitchFamily="34" charset="0"/>
           <a:cs typeface="+mn-cs"/>
         </a:defRPr>
       </a:lvl2pPr>
-      <a:lvl3pPr marL="914400" algn="l" defTabSz="914400" rtl="0" eaLnBrk="1" latinLnBrk="0" hangingPunct="1">
-        <a:defRPr sz="1800" kern="1200">
+      <a:lvl3pPr marL="914400" lvl="2" indent="0" algn="l" defTabSz="914400" eaLnBrk="1" fontAlgn="base" latinLnBrk="0" hangingPunct="1">
+        <a:lnSpc>
+          <a:spcPct val="100000"/>
+        </a:lnSpc>
+        <a:spcBef>
+          <a:spcPct val="0"/>
+        </a:spcBef>
+        <a:spcAft>
+          <a:spcPct val="0"/>
+        </a:spcAft>
+        <a:buFont typeface="Arial" panose="020B0604020202090204" pitchFamily="34" charset="0"/>
+        <a:buNone/>
+        <a:defRPr b="0" i="0" u="none" kern="1200" baseline="0">
           <a:solidFill>
             <a:schemeClr val="tx1"/>
           </a:solidFill>
-          <a:latin typeface="+mn-lt"/>
-          <a:ea typeface="+mn-ea"/>
+          <a:latin typeface="Arial" panose="020B0604020202090204" pitchFamily="34" charset="0"/>
+          <a:ea typeface="Arial" panose="020B0604020202090204" pitchFamily="34" charset="0"/>
           <a:cs typeface="+mn-cs"/>
         </a:defRPr>
       </a:lvl3pPr>
-      <a:lvl4pPr marL="1371600" algn="l" defTabSz="914400" rtl="0" eaLnBrk="1" latinLnBrk="0" hangingPunct="1">
-        <a:defRPr sz="1800" kern="1200">
+      <a:lvl4pPr marL="1371600" lvl="3" indent="0" algn="l" defTabSz="914400" eaLnBrk="1" fontAlgn="base" latinLnBrk="0" hangingPunct="1">
+        <a:lnSpc>
+          <a:spcPct val="100000"/>
+        </a:lnSpc>
+        <a:spcBef>
+          <a:spcPct val="0"/>
+        </a:spcBef>
+        <a:spcAft>
+          <a:spcPct val="0"/>
+        </a:spcAft>
+        <a:buFont typeface="Arial" panose="020B0604020202090204" pitchFamily="34" charset="0"/>
+        <a:buNone/>
+        <a:defRPr b="0" i="0" u="none" kern="1200" baseline="0">
           <a:solidFill>
             <a:schemeClr val="tx1"/>
           </a:solidFill>
-          <a:latin typeface="+mn-lt"/>
-          <a:ea typeface="+mn-ea"/>
+          <a:latin typeface="Arial" panose="020B0604020202090204" pitchFamily="34" charset="0"/>
+          <a:ea typeface="Arial" panose="020B0604020202090204" pitchFamily="34" charset="0"/>
           <a:cs typeface="+mn-cs"/>
         </a:defRPr>
       </a:lvl4pPr>
-      <a:lvl5pPr marL="1828800" algn="l" defTabSz="914400" rtl="0" eaLnBrk="1" latinLnBrk="0" hangingPunct="1">
-        <a:defRPr sz="1800" kern="1200">
+      <a:lvl5pPr marL="1828800" lvl="4" indent="0" algn="l" defTabSz="914400" eaLnBrk="1" fontAlgn="base" latinLnBrk="0" hangingPunct="1">
+        <a:lnSpc>
+          <a:spcPct val="100000"/>
+        </a:lnSpc>
+        <a:spcBef>
+          <a:spcPct val="0"/>
+        </a:spcBef>
+        <a:spcAft>
+          <a:spcPct val="0"/>
+        </a:spcAft>
+        <a:buFont typeface="Arial" panose="020B0604020202090204" pitchFamily="34" charset="0"/>
+        <a:buNone/>
+        <a:defRPr b="0" i="0" u="none" kern="1200" baseline="0">
           <a:solidFill>
             <a:schemeClr val="tx1"/>
           </a:solidFill>
-          <a:latin typeface="+mn-lt"/>
-          <a:ea typeface="+mn-ea"/>
+          <a:latin typeface="Arial" panose="020B0604020202090204" pitchFamily="34" charset="0"/>
+          <a:ea typeface="Arial" panose="020B0604020202090204" pitchFamily="34" charset="0"/>
           <a:cs typeface="+mn-cs"/>
         </a:defRPr>
       </a:lvl5pPr>
-      <a:lvl6pPr marL="2286000" algn="l" defTabSz="914400" rtl="0" eaLnBrk="1" latinLnBrk="0" hangingPunct="1">
-        <a:defRPr sz="1800" kern="1200">
+      <a:lvl6pPr marL="2286000" lvl="5" indent="0" algn="l" defTabSz="914400" eaLnBrk="1" fontAlgn="base" latinLnBrk="0" hangingPunct="1">
+        <a:lnSpc>
+          <a:spcPct val="100000"/>
+        </a:lnSpc>
+        <a:spcBef>
+          <a:spcPct val="0"/>
+        </a:spcBef>
+        <a:spcAft>
+          <a:spcPct val="0"/>
+        </a:spcAft>
+        <a:buFont typeface="Arial" panose="020B0604020202090204" pitchFamily="34" charset="0"/>
+        <a:buNone/>
+        <a:defRPr b="0" i="0" u="none" kern="1200" baseline="0">
           <a:solidFill>
             <a:schemeClr val="tx1"/>
           </a:solidFill>
-          <a:latin typeface="+mn-lt"/>
-          <a:ea typeface="+mn-ea"/>
+          <a:latin typeface="Arial" panose="020B0604020202090204" pitchFamily="34" charset="0"/>
+          <a:ea typeface="Arial" panose="020B0604020202090204" pitchFamily="34" charset="0"/>
           <a:cs typeface="+mn-cs"/>
         </a:defRPr>
       </a:lvl6pPr>
-      <a:lvl7pPr marL="2743200" algn="l" defTabSz="914400" rtl="0" eaLnBrk="1" latinLnBrk="0" hangingPunct="1">
-        <a:defRPr sz="1800" kern="1200">
+      <a:lvl7pPr marL="2743200" lvl="6" indent="0" algn="l" defTabSz="914400" eaLnBrk="1" fontAlgn="base" latinLnBrk="0" hangingPunct="1">
+        <a:lnSpc>
+          <a:spcPct val="100000"/>
+        </a:lnSpc>
+        <a:spcBef>
+          <a:spcPct val="0"/>
+        </a:spcBef>
+        <a:spcAft>
+          <a:spcPct val="0"/>
+        </a:spcAft>
+        <a:buFont typeface="Arial" panose="020B0604020202090204" pitchFamily="34" charset="0"/>
+        <a:buNone/>
+        <a:defRPr b="0" i="0" u="none" kern="1200" baseline="0">
           <a:solidFill>
             <a:schemeClr val="tx1"/>
           </a:solidFill>
-          <a:latin typeface="+mn-lt"/>
-          <a:ea typeface="+mn-ea"/>
+          <a:latin typeface="Arial" panose="020B0604020202090204" pitchFamily="34" charset="0"/>
+          <a:ea typeface="Arial" panose="020B0604020202090204" pitchFamily="34" charset="0"/>
           <a:cs typeface="+mn-cs"/>
         </a:defRPr>
       </a:lvl7pPr>
-      <a:lvl8pPr marL="3200400" algn="l" defTabSz="914400" rtl="0" eaLnBrk="1" latinLnBrk="0" hangingPunct="1">
-        <a:defRPr sz="1800" kern="1200">
+      <a:lvl8pPr marL="3200400" lvl="7" indent="0" algn="l" defTabSz="914400" eaLnBrk="1" fontAlgn="base" latinLnBrk="0" hangingPunct="1">
+        <a:lnSpc>
+          <a:spcPct val="100000"/>
+        </a:lnSpc>
+        <a:spcBef>
+          <a:spcPct val="0"/>
+        </a:spcBef>
+        <a:spcAft>
+          <a:spcPct val="0"/>
+        </a:spcAft>
+        <a:buFont typeface="Arial" panose="020B0604020202090204" pitchFamily="34" charset="0"/>
+        <a:buNone/>
+        <a:defRPr b="0" i="0" u="none" kern="1200" baseline="0">
           <a:solidFill>
             <a:schemeClr val="tx1"/>
           </a:solidFill>
-          <a:latin typeface="+mn-lt"/>
-          <a:ea typeface="+mn-ea"/>
+          <a:latin typeface="Arial" panose="020B0604020202090204" pitchFamily="34" charset="0"/>
+          <a:ea typeface="Arial" panose="020B0604020202090204" pitchFamily="34" charset="0"/>
           <a:cs typeface="+mn-cs"/>
         </a:defRPr>
       </a:lvl8pPr>
-      <a:lvl9pPr marL="3657600" algn="l" defTabSz="914400" rtl="0" eaLnBrk="1" latinLnBrk="0" hangingPunct="1">
-        <a:defRPr sz="1800" kern="1200">
+      <a:lvl9pPr marL="3657600" lvl="8" indent="0" algn="l" defTabSz="914400" eaLnBrk="1" fontAlgn="base" latinLnBrk="0" hangingPunct="1">
+        <a:lnSpc>
+          <a:spcPct val="100000"/>
+        </a:lnSpc>
+        <a:spcBef>
+          <a:spcPct val="0"/>
+        </a:spcBef>
+        <a:spcAft>
+          <a:spcPct val="0"/>
+        </a:spcAft>
+        <a:buFont typeface="Arial" panose="020B0604020202090204" pitchFamily="34" charset="0"/>
+        <a:buNone/>
+        <a:defRPr b="0" i="0" u="none" kern="1200" baseline="0">
           <a:solidFill>
             <a:schemeClr val="tx1"/>
           </a:solidFill>
-          <a:latin typeface="+mn-lt"/>
-          <a:ea typeface="+mn-ea"/>
+          <a:latin typeface="Arial" panose="020B0604020202090204" pitchFamily="34" charset="0"/>
+          <a:ea typeface="Arial" panose="020B0604020202090204" pitchFamily="34" charset="0"/>
           <a:cs typeface="+mn-cs"/>
         </a:defRPr>
       </a:lvl9pPr>
@@ -2621,7 +3029,967 @@
 </file>
 
 <file path=ppt/slides/slide1.xml><?xml version="1.0" encoding="utf-8"?>
+<p:sld xmlns:a="http://schemas.openxmlformats.org/drawingml/2006/main" xmlns:r="http://schemas.openxmlformats.org/officeDocument/2006/relationships" xmlns:p="http://schemas.openxmlformats.org/presentationml/2006/main" showMasterSp="0">
+  <p:cSld>
+    <p:spTree>
+      <p:nvGrpSpPr>
+        <p:cNvPr id="1" name=""/>
+        <p:cNvGrpSpPr/>
+        <p:nvPr/>
+      </p:nvGrpSpPr>
+      <p:grpSpPr/>
+      <p:sp>
+        <p:nvSpPr>
+          <p:cNvPr id="2" name="Title 1"/>
+          <p:cNvSpPr>
+            <a:spLocks noGrp="1"/>
+          </p:cNvSpPr>
+          <p:nvPr>
+            <p:ph type="title"/>
+          </p:nvPr>
+        </p:nvSpPr>
+        <p:spPr>
+          <a:xfrm>
+            <a:off x="3265805" y="2766060"/>
+            <a:ext cx="5659755" cy="1325880"/>
+          </a:xfrm>
+        </p:spPr>
+        <p:txBody>
+          <a:bodyPr/>
+          <a:p>
+            <a:r>
+              <a:rPr lang="en-US"/>
+              <a:t>LYRIC DATABASE</a:t>
+            </a:r>
+            <a:endParaRPr lang="en-US"/>
+          </a:p>
+        </p:txBody>
+      </p:sp>
+      <p:sp>
+        <p:nvSpPr>
+          <p:cNvPr id="3" name="Content Placeholder 2"/>
+          <p:cNvSpPr>
+            <a:spLocks noGrp="1"/>
+          </p:cNvSpPr>
+          <p:nvPr>
+            <p:ph idx="1"/>
+          </p:nvPr>
+        </p:nvSpPr>
+        <p:spPr>
+          <a:xfrm>
+            <a:off x="4295140" y="5925185"/>
+            <a:ext cx="4189730" cy="904240"/>
+          </a:xfrm>
+        </p:spPr>
+        <p:txBody>
+          <a:bodyPr/>
+          <a:p>
+            <a:pPr marL="0" indent="0">
+              <a:buNone/>
+            </a:pPr>
+            <a:r>
+              <a:rPr lang="en-US"/>
+              <a:t>By Benjamin Asare</a:t>
+            </a:r>
+            <a:endParaRPr lang="en-US"/>
+          </a:p>
+        </p:txBody>
+      </p:sp>
+    </p:spTree>
+  </p:cSld>
+  <p:clrMapOvr>
+    <a:masterClrMapping/>
+  </p:clrMapOvr>
+</p:sld>
+</file>
+
+<file path=ppt/slides/slide10.xml><?xml version="1.0" encoding="utf-8"?>
 <p:sld xmlns:a="http://schemas.openxmlformats.org/drawingml/2006/main" xmlns:r="http://schemas.openxmlformats.org/officeDocument/2006/relationships" xmlns:p="http://schemas.openxmlformats.org/presentationml/2006/main">
+  <p:cSld>
+    <p:spTree>
+      <p:nvGrpSpPr>
+        <p:cNvPr id="1" name=""/>
+        <p:cNvGrpSpPr/>
+        <p:nvPr/>
+      </p:nvGrpSpPr>
+      <p:grpSpPr/>
+      <p:sp>
+        <p:nvSpPr>
+          <p:cNvPr id="2" name="Title 1"/>
+          <p:cNvSpPr>
+            <a:spLocks noGrp="1"/>
+          </p:cNvSpPr>
+          <p:nvPr>
+            <p:ph type="title"/>
+          </p:nvPr>
+        </p:nvSpPr>
+        <p:spPr/>
+        <p:txBody>
+          <a:bodyPr/>
+          <a:p>
+            <a:r>
+              <a:rPr lang="en-US"/>
+              <a:t>Register Page</a:t>
+            </a:r>
+            <a:endParaRPr lang="en-US"/>
+          </a:p>
+        </p:txBody>
+      </p:sp>
+      <p:sp>
+        <p:nvSpPr>
+          <p:cNvPr id="3" name="Content Placeholder 2"/>
+          <p:cNvSpPr>
+            <a:spLocks noGrp="1"/>
+          </p:cNvSpPr>
+          <p:nvPr>
+            <p:ph idx="1"/>
+          </p:nvPr>
+        </p:nvSpPr>
+        <p:spPr/>
+        <p:txBody>
+          <a:bodyPr/>
+          <a:p>
+            <a:r>
+              <a:rPr lang="en-US"/>
+              <a:t>register so you are able to login</a:t>
+            </a:r>
+            <a:endParaRPr lang="en-US"/>
+          </a:p>
+          <a:p>
+            <a:r>
+              <a:rPr lang="en-US"/>
+              <a:t> username textbox</a:t>
+            </a:r>
+            <a:endParaRPr lang="en-US"/>
+          </a:p>
+          <a:p>
+            <a:r>
+              <a:rPr lang="en-US"/>
+              <a:t> password textbox</a:t>
+            </a:r>
+            <a:endParaRPr lang="en-US"/>
+          </a:p>
+          <a:p>
+            <a:r>
+              <a:rPr lang="en-US"/>
+              <a:t> retype password textbox</a:t>
+            </a:r>
+            <a:endParaRPr lang="en-US"/>
+          </a:p>
+          <a:p>
+            <a:r>
+              <a:rPr lang="en-US"/>
+              <a:t> initiate account creation button</a:t>
+            </a:r>
+            <a:endParaRPr lang="en-US"/>
+          </a:p>
+        </p:txBody>
+      </p:sp>
+    </p:spTree>
+  </p:cSld>
+  <p:clrMapOvr>
+    <a:masterClrMapping/>
+  </p:clrMapOvr>
+</p:sld>
+</file>
+
+<file path=ppt/slides/slide11.xml><?xml version="1.0" encoding="utf-8"?>
+<p:sld xmlns:a="http://schemas.openxmlformats.org/drawingml/2006/main" xmlns:r="http://schemas.openxmlformats.org/officeDocument/2006/relationships" xmlns:p="http://schemas.openxmlformats.org/presentationml/2006/main">
+  <p:cSld>
+    <p:spTree>
+      <p:nvGrpSpPr>
+        <p:cNvPr id="1" name=""/>
+        <p:cNvGrpSpPr/>
+        <p:nvPr/>
+      </p:nvGrpSpPr>
+      <p:grpSpPr/>
+      <p:sp>
+        <p:nvSpPr>
+          <p:cNvPr id="2" name="Title 1"/>
+          <p:cNvSpPr>
+            <a:spLocks noGrp="1"/>
+          </p:cNvSpPr>
+          <p:nvPr>
+            <p:ph type="title"/>
+          </p:nvPr>
+        </p:nvSpPr>
+        <p:spPr/>
+        <p:txBody>
+          <a:bodyPr/>
+          <a:p>
+            <a:r>
+              <a:rPr lang="en-US"/>
+              <a:t>Login Page</a:t>
+            </a:r>
+            <a:endParaRPr lang="en-US"/>
+          </a:p>
+        </p:txBody>
+      </p:sp>
+      <p:sp>
+        <p:nvSpPr>
+          <p:cNvPr id="3" name="Content Placeholder 2"/>
+          <p:cNvSpPr>
+            <a:spLocks noGrp="1"/>
+          </p:cNvSpPr>
+          <p:nvPr>
+            <p:ph idx="1"/>
+          </p:nvPr>
+        </p:nvSpPr>
+        <p:spPr/>
+        <p:txBody>
+          <a:bodyPr/>
+          <a:p>
+            <a:r>
+              <a:rPr lang="en-US"/>
+              <a:t>username textbox</a:t>
+            </a:r>
+            <a:endParaRPr lang="en-US"/>
+          </a:p>
+          <a:p>
+            <a:r>
+              <a:rPr lang="en-US"/>
+              <a:t>password textbox</a:t>
+            </a:r>
+            <a:endParaRPr lang="en-US"/>
+          </a:p>
+          <a:p>
+            <a:r>
+              <a:rPr lang="en-US"/>
+              <a:t>submit</a:t>
+            </a:r>
+            <a:endParaRPr lang="en-US"/>
+          </a:p>
+          <a:p>
+            <a:r>
+              <a:rPr lang="en-US"/>
+              <a:t>register account(directs to register page)</a:t>
+            </a:r>
+            <a:endParaRPr lang="en-US"/>
+          </a:p>
+        </p:txBody>
+      </p:sp>
+    </p:spTree>
+  </p:cSld>
+  <p:clrMapOvr>
+    <a:masterClrMapping/>
+  </p:clrMapOvr>
+</p:sld>
+</file>
+
+<file path=ppt/slides/slide12.xml><?xml version="1.0" encoding="utf-8"?>
+<p:sld xmlns:a="http://schemas.openxmlformats.org/drawingml/2006/main" xmlns:r="http://schemas.openxmlformats.org/officeDocument/2006/relationships" xmlns:p="http://schemas.openxmlformats.org/presentationml/2006/main">
+  <p:cSld>
+    <p:spTree>
+      <p:nvGrpSpPr>
+        <p:cNvPr id="1" name=""/>
+        <p:cNvGrpSpPr/>
+        <p:nvPr/>
+      </p:nvGrpSpPr>
+      <p:grpSpPr/>
+      <p:sp>
+        <p:nvSpPr>
+          <p:cNvPr id="2" name="Title 1"/>
+          <p:cNvSpPr>
+            <a:spLocks noGrp="1"/>
+          </p:cNvSpPr>
+          <p:nvPr>
+            <p:ph type="title"/>
+          </p:nvPr>
+        </p:nvSpPr>
+        <p:spPr/>
+        <p:txBody>
+          <a:bodyPr/>
+          <a:p>
+            <a:r>
+              <a:rPr lang="en-US"/>
+              <a:t>Home/Seach</a:t>
+            </a:r>
+            <a:endParaRPr lang="en-US"/>
+          </a:p>
+        </p:txBody>
+      </p:sp>
+      <p:sp>
+        <p:nvSpPr>
+          <p:cNvPr id="3" name="Content Placeholder 2"/>
+          <p:cNvSpPr>
+            <a:spLocks noGrp="1"/>
+          </p:cNvSpPr>
+          <p:nvPr>
+            <p:ph idx="1"/>
+          </p:nvPr>
+        </p:nvSpPr>
+        <p:spPr/>
+        <p:txBody>
+          <a:bodyPr/>
+          <a:p>
+            <a:r>
+              <a:rPr lang="en-US"/>
+              <a:t>Search for a song title (not a remix)</a:t>
+            </a:r>
+            <a:endParaRPr lang="en-US"/>
+          </a:p>
+          <a:p>
+            <a:r>
+              <a:rPr lang="en-US"/>
+              <a:t>search button(directs to edit page)</a:t>
+            </a:r>
+            <a:endParaRPr lang="en-US"/>
+          </a:p>
+        </p:txBody>
+      </p:sp>
+    </p:spTree>
+  </p:cSld>
+  <p:clrMapOvr>
+    <a:masterClrMapping/>
+  </p:clrMapOvr>
+</p:sld>
+</file>
+
+<file path=ppt/slides/slide13.xml><?xml version="1.0" encoding="utf-8"?>
+<p:sld xmlns:a="http://schemas.openxmlformats.org/drawingml/2006/main" xmlns:r="http://schemas.openxmlformats.org/officeDocument/2006/relationships" xmlns:p="http://schemas.openxmlformats.org/presentationml/2006/main">
+  <p:cSld>
+    <p:spTree>
+      <p:nvGrpSpPr>
+        <p:cNvPr id="1" name=""/>
+        <p:cNvGrpSpPr/>
+        <p:nvPr/>
+      </p:nvGrpSpPr>
+      <p:grpSpPr/>
+      <p:sp>
+        <p:nvSpPr>
+          <p:cNvPr id="2" name="Title 1"/>
+          <p:cNvSpPr>
+            <a:spLocks noGrp="1"/>
+          </p:cNvSpPr>
+          <p:nvPr>
+            <p:ph type="title"/>
+          </p:nvPr>
+        </p:nvSpPr>
+        <p:spPr/>
+        <p:txBody>
+          <a:bodyPr/>
+          <a:p>
+            <a:r>
+              <a:rPr lang="en-US"/>
+              <a:t>Edit page</a:t>
+            </a:r>
+            <a:endParaRPr lang="en-US"/>
+          </a:p>
+        </p:txBody>
+      </p:sp>
+      <p:sp>
+        <p:nvSpPr>
+          <p:cNvPr id="3" name="Content Placeholder 2"/>
+          <p:cNvSpPr>
+            <a:spLocks noGrp="1"/>
+          </p:cNvSpPr>
+          <p:nvPr>
+            <p:ph idx="1"/>
+          </p:nvPr>
+        </p:nvSpPr>
+        <p:spPr/>
+        <p:txBody>
+          <a:bodyPr/>
+          <a:p>
+            <a:r>
+              <a:rPr lang="en-US"/>
+              <a:t>Outputs the song detials (artist, title, remixes, year, genre) if available </a:t>
+            </a:r>
+            <a:endParaRPr lang="en-US"/>
+          </a:p>
+          <a:p>
+            <a:r>
+              <a:rPr lang="en-US"/>
+              <a:t>3 buttons always:</a:t>
+            </a:r>
+            <a:endParaRPr lang="en-US"/>
+          </a:p>
+          <a:p>
+            <a:pPr lvl="1"/>
+            <a:r>
+              <a:rPr lang="en-US" sz="2800"/>
+              <a:t>Add (calls add page)</a:t>
+            </a:r>
+            <a:endParaRPr lang="en-US" sz="2800"/>
+          </a:p>
+          <a:p>
+            <a:pPr lvl="1"/>
+            <a:r>
+              <a:rPr lang="en-US" sz="2800"/>
+              <a:t>edit (calls edit page)</a:t>
+            </a:r>
+            <a:endParaRPr lang="en-US" sz="2800"/>
+          </a:p>
+          <a:p>
+            <a:pPr lvl="1"/>
+            <a:r>
+              <a:rPr lang="en-US" sz="2800"/>
+              <a:t>delete </a:t>
+            </a:r>
+            <a:endParaRPr lang="en-US" sz="2800"/>
+          </a:p>
+          <a:p>
+            <a:pPr lvl="1"/>
+            <a:endParaRPr lang="en-US" sz="2800"/>
+          </a:p>
+          <a:p>
+            <a:pPr marL="457200" lvl="1" indent="0">
+              <a:buNone/>
+            </a:pPr>
+            <a:endParaRPr lang="en-US" sz="2800"/>
+          </a:p>
+          <a:p>
+            <a:pPr lvl="1"/>
+            <a:endParaRPr lang="en-US" sz="2800"/>
+          </a:p>
+          <a:p>
+            <a:pPr lvl="1"/>
+            <a:endParaRPr lang="en-US"/>
+          </a:p>
+          <a:p>
+            <a:pPr marL="0" indent="0">
+              <a:buNone/>
+            </a:pPr>
+            <a:endParaRPr lang="en-US"/>
+          </a:p>
+        </p:txBody>
+      </p:sp>
+    </p:spTree>
+  </p:cSld>
+  <p:clrMapOvr>
+    <a:masterClrMapping/>
+  </p:clrMapOvr>
+</p:sld>
+</file>
+
+<file path=ppt/slides/slide14.xml><?xml version="1.0" encoding="utf-8"?>
+<p:sld xmlns:a="http://schemas.openxmlformats.org/drawingml/2006/main" xmlns:r="http://schemas.openxmlformats.org/officeDocument/2006/relationships" xmlns:p="http://schemas.openxmlformats.org/presentationml/2006/main">
+  <p:cSld>
+    <p:spTree>
+      <p:nvGrpSpPr>
+        <p:cNvPr id="1" name=""/>
+        <p:cNvGrpSpPr/>
+        <p:nvPr/>
+      </p:nvGrpSpPr>
+      <p:grpSpPr/>
+      <p:sp>
+        <p:nvSpPr>
+          <p:cNvPr id="2" name="Title 1"/>
+          <p:cNvSpPr>
+            <a:spLocks noGrp="1"/>
+          </p:cNvSpPr>
+          <p:nvPr>
+            <p:ph type="title"/>
+          </p:nvPr>
+        </p:nvSpPr>
+        <p:spPr/>
+        <p:txBody>
+          <a:bodyPr/>
+          <a:p>
+            <a:r>
+              <a:rPr lang="en-US"/>
+              <a:t>Add page</a:t>
+            </a:r>
+            <a:endParaRPr lang="en-US"/>
+          </a:p>
+        </p:txBody>
+      </p:sp>
+      <p:sp>
+        <p:nvSpPr>
+          <p:cNvPr id="3" name="Content Placeholder 2"/>
+          <p:cNvSpPr>
+            <a:spLocks noGrp="1"/>
+          </p:cNvSpPr>
+          <p:nvPr>
+            <p:ph idx="1"/>
+          </p:nvPr>
+        </p:nvSpPr>
+        <p:spPr/>
+        <p:txBody>
+          <a:bodyPr/>
+          <a:p>
+            <a:r>
+              <a:rPr lang="en-US"/>
+              <a:t>Allows user to add a song or a remix of a song</a:t>
+            </a:r>
+            <a:endParaRPr lang="en-US"/>
+          </a:p>
+          <a:p>
+            <a:r>
+              <a:rPr lang="en-US"/>
+              <a:t> </a:t>
+            </a:r>
+            <a:endParaRPr lang="en-US"/>
+          </a:p>
+        </p:txBody>
+      </p:sp>
+    </p:spTree>
+  </p:cSld>
+  <p:clrMapOvr>
+    <a:masterClrMapping/>
+  </p:clrMapOvr>
+</p:sld>
+</file>
+
+<file path=ppt/slides/slide15.xml><?xml version="1.0" encoding="utf-8"?>
+<p:sld xmlns:a="http://schemas.openxmlformats.org/drawingml/2006/main" xmlns:r="http://schemas.openxmlformats.org/officeDocument/2006/relationships" xmlns:p="http://schemas.openxmlformats.org/presentationml/2006/main">
+  <p:cSld>
+    <p:spTree>
+      <p:nvGrpSpPr>
+        <p:cNvPr id="1" name=""/>
+        <p:cNvGrpSpPr/>
+        <p:nvPr/>
+      </p:nvGrpSpPr>
+      <p:grpSpPr/>
+      <p:sp>
+        <p:nvSpPr>
+          <p:cNvPr id="2" name="Title 1"/>
+          <p:cNvSpPr>
+            <a:spLocks noGrp="1"/>
+          </p:cNvSpPr>
+          <p:nvPr>
+            <p:ph type="title"/>
+          </p:nvPr>
+        </p:nvSpPr>
+        <p:spPr/>
+        <p:txBody>
+          <a:bodyPr/>
+          <a:p>
+            <a:r>
+              <a:rPr lang="en-US"/>
+              <a:t>Thanks For Listening</a:t>
+            </a:r>
+            <a:endParaRPr lang="en-US"/>
+          </a:p>
+        </p:txBody>
+      </p:sp>
+      <p:sp>
+        <p:nvSpPr>
+          <p:cNvPr id="3" name="Content Placeholder 2"/>
+          <p:cNvSpPr>
+            <a:spLocks noGrp="1"/>
+          </p:cNvSpPr>
+          <p:nvPr>
+            <p:ph idx="1"/>
+          </p:nvPr>
+        </p:nvSpPr>
+        <p:spPr/>
+        <p:txBody>
+          <a:bodyPr/>
+          <a:p>
+            <a:r>
+              <a:rPr lang="en-US"/>
+              <a:t>Questions?</a:t>
+            </a:r>
+            <a:endParaRPr lang="en-US"/>
+          </a:p>
+        </p:txBody>
+      </p:sp>
+    </p:spTree>
+  </p:cSld>
+  <p:clrMapOvr>
+    <a:masterClrMapping/>
+  </p:clrMapOvr>
+</p:sld>
+</file>
+
+<file path=ppt/slides/slide2.xml><?xml version="1.0" encoding="utf-8"?>
+<p:sld xmlns:a="http://schemas.openxmlformats.org/drawingml/2006/main" xmlns:r="http://schemas.openxmlformats.org/officeDocument/2006/relationships" xmlns:p="http://schemas.openxmlformats.org/presentationml/2006/main">
+  <p:cSld>
+    <p:spTree>
+      <p:nvGrpSpPr>
+        <p:cNvPr id="1" name=""/>
+        <p:cNvGrpSpPr/>
+        <p:nvPr/>
+      </p:nvGrpSpPr>
+      <p:grpSpPr/>
+      <p:sp>
+        <p:nvSpPr>
+          <p:cNvPr id="2" name="Title 1"/>
+          <p:cNvSpPr>
+            <a:spLocks noGrp="1"/>
+          </p:cNvSpPr>
+          <p:nvPr>
+            <p:ph type="title"/>
+          </p:nvPr>
+        </p:nvSpPr>
+        <p:spPr/>
+        <p:txBody>
+          <a:bodyPr/>
+          <a:p>
+            <a:r>
+              <a:rPr lang="en-US"/>
+              <a:t>Goal</a:t>
+            </a:r>
+            <a:endParaRPr lang="en-US"/>
+          </a:p>
+        </p:txBody>
+      </p:sp>
+      <p:sp>
+        <p:nvSpPr>
+          <p:cNvPr id="3" name="Content Placeholder 2"/>
+          <p:cNvSpPr>
+            <a:spLocks noGrp="1"/>
+          </p:cNvSpPr>
+          <p:nvPr>
+            <p:ph idx="1"/>
+          </p:nvPr>
+        </p:nvSpPr>
+        <p:spPr/>
+        <p:txBody>
+          <a:bodyPr/>
+          <a:p>
+            <a:r>
+              <a:rPr lang="en-US"/>
+              <a:t>The objective of this project was to create. CRUD application with the utilisation of supporting tools, methodoligies and technologies, covered within the training period. </a:t>
+            </a:r>
+            <a:endParaRPr lang="en-US"/>
+          </a:p>
+        </p:txBody>
+      </p:sp>
+    </p:spTree>
+  </p:cSld>
+  <p:clrMapOvr>
+    <a:masterClrMapping/>
+  </p:clrMapOvr>
+</p:sld>
+</file>
+
+<file path=ppt/slides/slide3.xml><?xml version="1.0" encoding="utf-8"?>
+<p:sld xmlns:a="http://schemas.openxmlformats.org/drawingml/2006/main" xmlns:r="http://schemas.openxmlformats.org/officeDocument/2006/relationships" xmlns:p="http://schemas.openxmlformats.org/presentationml/2006/main">
+  <p:cSld>
+    <p:spTree>
+      <p:nvGrpSpPr>
+        <p:cNvPr id="1" name=""/>
+        <p:cNvGrpSpPr/>
+        <p:nvPr/>
+      </p:nvGrpSpPr>
+      <p:grpSpPr/>
+      <p:sp>
+        <p:nvSpPr>
+          <p:cNvPr id="2" name="Title 1"/>
+          <p:cNvSpPr>
+            <a:spLocks noGrp="1"/>
+          </p:cNvSpPr>
+          <p:nvPr>
+            <p:ph type="title"/>
+          </p:nvPr>
+        </p:nvSpPr>
+        <p:spPr/>
+        <p:txBody>
+          <a:bodyPr/>
+          <a:p>
+            <a:r>
+              <a:rPr lang="en-US"/>
+              <a:t>Solution</a:t>
+            </a:r>
+            <a:endParaRPr lang="en-US"/>
+          </a:p>
+        </p:txBody>
+      </p:sp>
+      <p:sp>
+        <p:nvSpPr>
+          <p:cNvPr id="3" name="Content Placeholder 2"/>
+          <p:cNvSpPr>
+            <a:spLocks noGrp="1"/>
+          </p:cNvSpPr>
+          <p:nvPr>
+            <p:ph idx="1"/>
+          </p:nvPr>
+        </p:nvSpPr>
+        <p:spPr/>
+        <p:txBody>
+          <a:bodyPr/>
+          <a:p>
+            <a:r>
+              <a:rPr lang="en-US"/>
+              <a:t>The intended solution was to be a music lyric database in which the user would be able to register, login into the account they had made, add a song and/or its remix. Alongside this was to be a to search, edit and delete songs within the databases.</a:t>
+            </a:r>
+            <a:endParaRPr lang="en-US"/>
+          </a:p>
+          <a:p>
+            <a:endParaRPr lang="en-US"/>
+          </a:p>
+          <a:p>
+            <a:r>
+              <a:rPr lang="en-US"/>
+              <a:t>In the end I was able to create  CRUD application that had a relationship not involving the user but rather the orginal songs and the remix songs.</a:t>
+            </a:r>
+            <a:endParaRPr lang="en-US"/>
+          </a:p>
+        </p:txBody>
+      </p:sp>
+    </p:spTree>
+  </p:cSld>
+  <p:clrMapOvr>
+    <a:masterClrMapping/>
+  </p:clrMapOvr>
+</p:sld>
+</file>
+
+<file path=ppt/slides/slide4.xml><?xml version="1.0" encoding="utf-8"?>
+<p:sld xmlns:a="http://schemas.openxmlformats.org/drawingml/2006/main" xmlns:r="http://schemas.openxmlformats.org/officeDocument/2006/relationships" xmlns:p="http://schemas.openxmlformats.org/presentationml/2006/main" showMasterSp="0">
+  <p:cSld>
+    <p:spTree>
+      <p:nvGrpSpPr>
+        <p:cNvPr id="1" name=""/>
+        <p:cNvGrpSpPr/>
+        <p:nvPr/>
+      </p:nvGrpSpPr>
+      <p:grpSpPr/>
+      <p:sp>
+        <p:nvSpPr>
+          <p:cNvPr id="2" name="Title 1"/>
+          <p:cNvSpPr>
+            <a:spLocks noGrp="1"/>
+          </p:cNvSpPr>
+          <p:nvPr>
+            <p:ph type="title"/>
+          </p:nvPr>
+        </p:nvSpPr>
+        <p:spPr/>
+        <p:txBody>
+          <a:bodyPr/>
+          <a:p>
+            <a:r>
+              <a:rPr lang="en-US"/>
+              <a:t>Use Case</a:t>
+            </a:r>
+            <a:endParaRPr lang="en-US"/>
+          </a:p>
+        </p:txBody>
+      </p:sp>
+      <p:sp>
+        <p:nvSpPr>
+          <p:cNvPr id="3" name="Content Placeholder 2"/>
+          <p:cNvSpPr>
+            <a:spLocks noGrp="1"/>
+          </p:cNvSpPr>
+          <p:nvPr>
+            <p:ph idx="1"/>
+          </p:nvPr>
+        </p:nvSpPr>
+        <p:spPr>
+          <a:xfrm>
+            <a:off x="609600" y="949325"/>
+            <a:ext cx="5219065" cy="4959350"/>
+          </a:xfrm>
+        </p:spPr>
+        <p:txBody>
+          <a:bodyPr>
+            <a:normAutofit fontScale="70000"/>
+          </a:bodyPr>
+          <a:p>
+            <a:r>
+              <a:rPr lang="en-US"/>
+              <a:t>Songs</a:t>
+            </a:r>
+            <a:endParaRPr lang="en-US"/>
+          </a:p>
+          <a:p>
+            <a:pPr lvl="1"/>
+            <a:r>
+              <a:rPr lang="en-US"/>
+              <a:t>add a song</a:t>
+            </a:r>
+            <a:endParaRPr lang="en-US"/>
+          </a:p>
+          <a:p>
+            <a:pPr lvl="1"/>
+            <a:r>
+              <a:rPr lang="en-US"/>
+              <a:t>add an artist</a:t>
+            </a:r>
+            <a:endParaRPr lang="en-US"/>
+          </a:p>
+          <a:p>
+            <a:pPr lvl="1"/>
+            <a:r>
+              <a:rPr lang="en-US"/>
+              <a:t>add a title</a:t>
+            </a:r>
+            <a:endParaRPr lang="en-US"/>
+          </a:p>
+          <a:p>
+            <a:pPr lvl="1"/>
+            <a:r>
+              <a:rPr lang="en-US"/>
+              <a:t>add a genre</a:t>
+            </a:r>
+            <a:endParaRPr lang="en-US"/>
+          </a:p>
+          <a:p>
+            <a:pPr lvl="1"/>
+            <a:r>
+              <a:rPr lang="en-US"/>
+              <a:t>Search for a song or remix</a:t>
+            </a:r>
+            <a:endParaRPr lang="en-US"/>
+          </a:p>
+          <a:p>
+            <a:pPr lvl="1"/>
+            <a:r>
+              <a:rPr lang="en-US"/>
+              <a:t>Show what song is a remix of which other</a:t>
+            </a:r>
+            <a:endParaRPr lang="en-US"/>
+          </a:p>
+          <a:p>
+            <a:pPr lvl="1"/>
+            <a:r>
+              <a:rPr lang="en-US"/>
+              <a:t>See song lyrics i searched for</a:t>
+            </a:r>
+            <a:endParaRPr lang="en-US"/>
+          </a:p>
+          <a:p>
+            <a:pPr lvl="1"/>
+            <a:r>
+              <a:rPr lang="en-US"/>
+              <a:t>Edit existing songs</a:t>
+            </a:r>
+            <a:endParaRPr lang="en-US"/>
+          </a:p>
+          <a:p>
+            <a:pPr lvl="1"/>
+            <a:endParaRPr lang="en-US"/>
+          </a:p>
+          <a:p>
+            <a:r>
+              <a:rPr lang="en-US"/>
+              <a:t>Account </a:t>
+            </a:r>
+            <a:endParaRPr lang="en-US"/>
+          </a:p>
+          <a:p>
+            <a:pPr lvl="1"/>
+            <a:r>
+              <a:rPr lang="en-US"/>
+              <a:t>create an account with a password</a:t>
+            </a:r>
+            <a:endParaRPr lang="en-US"/>
+          </a:p>
+          <a:p>
+            <a:pPr lvl="1"/>
+            <a:r>
+              <a:rPr lang="en-US"/>
+              <a:t>change password</a:t>
+            </a:r>
+            <a:endParaRPr lang="en-US"/>
+          </a:p>
+          <a:p>
+            <a:pPr lvl="1"/>
+            <a:r>
+              <a:rPr lang="en-US"/>
+              <a:t>change username</a:t>
+            </a:r>
+            <a:endParaRPr lang="en-US"/>
+          </a:p>
+          <a:p>
+            <a:pPr lvl="1"/>
+            <a:r>
+              <a:rPr lang="en-US"/>
+              <a:t>See published songs</a:t>
+            </a:r>
+            <a:endParaRPr lang="en-US"/>
+          </a:p>
+          <a:p>
+            <a:pPr lvl="1"/>
+            <a:endParaRPr lang="en-US"/>
+          </a:p>
+          <a:p>
+            <a:pPr lvl="1"/>
+            <a:endParaRPr lang="en-US"/>
+          </a:p>
+          <a:p>
+            <a:pPr lvl="0"/>
+            <a:endParaRPr lang="en-US"/>
+          </a:p>
+        </p:txBody>
+      </p:sp>
+      <p:sp>
+        <p:nvSpPr>
+          <p:cNvPr id="4" name="Text Box 3"/>
+          <p:cNvSpPr txBox="1"/>
+          <p:nvPr/>
+        </p:nvSpPr>
+        <p:spPr>
+          <a:xfrm>
+            <a:off x="5866130" y="1958975"/>
+            <a:ext cx="4906010" cy="1476375"/>
+          </a:xfrm>
+          <a:prstGeom prst="rect">
+            <a:avLst/>
+          </a:prstGeom>
+          <a:noFill/>
+        </p:spPr>
+        <p:txBody>
+          <a:bodyPr wrap="square" rtlCol="0">
+            <a:spAutoFit/>
+          </a:bodyPr>
+          <a:p>
+            <a:pPr marL="285750" indent="-285750">
+              <a:buFont typeface="Arial" panose="020B0604020202090204" pitchFamily="34" charset="0"/>
+              <a:buChar char="•"/>
+            </a:pPr>
+            <a:r>
+              <a:rPr lang="en-US"/>
+              <a:t>Search show related songs</a:t>
+            </a:r>
+            <a:endParaRPr lang="en-US"/>
+          </a:p>
+          <a:p>
+            <a:pPr marL="285750" indent="-285750">
+              <a:buFont typeface="Arial" panose="020B0604020202090204" pitchFamily="34" charset="0"/>
+              <a:buChar char="•"/>
+            </a:pPr>
+            <a:r>
+              <a:rPr lang="en-US"/>
+              <a:t>search for artists</a:t>
+            </a:r>
+            <a:endParaRPr lang="en-US"/>
+          </a:p>
+          <a:p>
+            <a:pPr marL="285750" indent="-285750">
+              <a:buFont typeface="Arial" panose="020B0604020202090204" pitchFamily="34" charset="0"/>
+              <a:buChar char="•"/>
+            </a:pPr>
+            <a:r>
+              <a:rPr lang="en-US"/>
+              <a:t>Search for genre</a:t>
+            </a:r>
+            <a:endParaRPr lang="en-US"/>
+          </a:p>
+          <a:p>
+            <a:pPr marL="285750" indent="-285750">
+              <a:buFont typeface="Arial" panose="020B0604020202090204" pitchFamily="34" charset="0"/>
+              <a:buChar char="•"/>
+            </a:pPr>
+            <a:r>
+              <a:rPr lang="en-US"/>
+              <a:t>delete songs</a:t>
+            </a:r>
+            <a:endParaRPr lang="en-US"/>
+          </a:p>
+          <a:p>
+            <a:pPr marL="285750" indent="-285750">
+              <a:buFont typeface="Arial" panose="020B0604020202090204" pitchFamily="34" charset="0"/>
+              <a:buChar char="•"/>
+            </a:pPr>
+            <a:endParaRPr lang="en-US"/>
+          </a:p>
+        </p:txBody>
+      </p:sp>
+    </p:spTree>
+  </p:cSld>
+  <p:clrMapOvr>
+    <a:masterClrMapping/>
+  </p:clrMapOvr>
+</p:sld>
+</file>
+
+<file path=ppt/slides/slide5.xml><?xml version="1.0" encoding="utf-8"?>
+<p:sld xmlns:a="http://schemas.openxmlformats.org/drawingml/2006/main" xmlns:r="http://schemas.openxmlformats.org/officeDocument/2006/relationships" xmlns:p="http://schemas.openxmlformats.org/presentationml/2006/main" showMasterSp="0">
   <p:cSld>
     <p:spTree>
       <p:nvGrpSpPr>
@@ -3663,7 +5031,1672 @@
 </p:sld>
 </file>
 
-<file path=ppt/slides/slide2.xml><?xml version="1.0" encoding="utf-8"?>
+<file path=ppt/slides/slide6.xml><?xml version="1.0" encoding="utf-8"?>
+<p:sld xmlns:a="http://schemas.openxmlformats.org/drawingml/2006/main" xmlns:r="http://schemas.openxmlformats.org/officeDocument/2006/relationships" xmlns:p="http://schemas.openxmlformats.org/presentationml/2006/main" showMasterSp="0">
+  <p:cSld>
+    <p:spTree>
+      <p:nvGrpSpPr>
+        <p:cNvPr id="1" name=""/>
+        <p:cNvGrpSpPr/>
+        <p:nvPr/>
+      </p:nvGrpSpPr>
+      <p:grpSpPr/>
+      <p:sp>
+        <p:nvSpPr>
+          <p:cNvPr id="2" name="Title 1"/>
+          <p:cNvSpPr>
+            <a:spLocks noGrp="1"/>
+          </p:cNvSpPr>
+          <p:nvPr>
+            <p:ph type="title"/>
+          </p:nvPr>
+        </p:nvSpPr>
+        <p:spPr/>
+        <p:txBody>
+          <a:bodyPr/>
+          <a:p>
+            <a:r>
+              <a:rPr lang="en-US"/>
+              <a:t>Relationships</a:t>
+            </a:r>
+            <a:endParaRPr lang="en-US"/>
+          </a:p>
+        </p:txBody>
+      </p:sp>
+      <p:sp>
+        <p:nvSpPr>
+          <p:cNvPr id="3" name="Content Placeholder 2"/>
+          <p:cNvSpPr>
+            <a:spLocks noGrp="1"/>
+          </p:cNvSpPr>
+          <p:nvPr>
+            <p:ph idx="1"/>
+          </p:nvPr>
+        </p:nvSpPr>
+        <p:spPr>
+          <a:xfrm>
+            <a:off x="838200" y="1434465"/>
+            <a:ext cx="10515600" cy="5011420"/>
+          </a:xfrm>
+        </p:spPr>
+        <p:txBody>
+          <a:bodyPr>
+            <a:normAutofit fontScale="60000"/>
+          </a:bodyPr>
+          <a:p>
+            <a:r>
+              <a:rPr lang="en-US"/>
+              <a:t>Author Table</a:t>
+            </a:r>
+            <a:endParaRPr lang="en-US"/>
+          </a:p>
+          <a:p>
+            <a:pPr lvl="1"/>
+            <a:r>
+              <a:rPr lang="en-US"/>
+              <a:t>Each author can create and post multiple songs</a:t>
+            </a:r>
+            <a:endParaRPr lang="en-US"/>
+          </a:p>
+          <a:p>
+            <a:pPr lvl="1"/>
+            <a:r>
+              <a:rPr lang="en-US"/>
+              <a:t>Each song can only be created be a single author</a:t>
+            </a:r>
+            <a:endParaRPr lang="en-US"/>
+          </a:p>
+          <a:p>
+            <a:pPr lvl="1"/>
+            <a:r>
+              <a:rPr lang="en-US"/>
+              <a:t>An author can exist without any songs</a:t>
+            </a:r>
+            <a:endParaRPr lang="en-US"/>
+          </a:p>
+          <a:p>
+            <a:pPr lvl="1"/>
+            <a:endParaRPr lang="en-US"/>
+          </a:p>
+          <a:p>
+            <a:pPr lvl="0"/>
+            <a:r>
+              <a:rPr lang="en-US"/>
+              <a:t>OGSong Table</a:t>
+            </a:r>
+            <a:endParaRPr lang="en-US"/>
+          </a:p>
+          <a:p>
+            <a:pPr lvl="1"/>
+            <a:r>
+              <a:rPr lang="en-US"/>
+              <a:t>Each song can must be created by a single author</a:t>
+            </a:r>
+            <a:endParaRPr lang="en-US"/>
+          </a:p>
+          <a:p>
+            <a:pPr lvl="1"/>
+            <a:r>
+              <a:rPr lang="en-US"/>
+              <a:t>Each song can have multiple remixes</a:t>
+            </a:r>
+            <a:endParaRPr lang="en-US"/>
+          </a:p>
+          <a:p>
+            <a:pPr lvl="1"/>
+            <a:r>
+              <a:rPr lang="en-US"/>
+              <a:t>A song cannot exist without an author</a:t>
+            </a:r>
+            <a:endParaRPr lang="en-US"/>
+          </a:p>
+          <a:p>
+            <a:pPr lvl="1"/>
+            <a:r>
+              <a:rPr lang="en-US"/>
+              <a:t>A song can exist without a remix</a:t>
+            </a:r>
+            <a:endParaRPr lang="en-US"/>
+          </a:p>
+          <a:p>
+            <a:pPr lvl="0"/>
+            <a:endParaRPr lang="en-US" sz="2800"/>
+          </a:p>
+          <a:p>
+            <a:pPr lvl="0"/>
+            <a:r>
+              <a:rPr lang="en-US"/>
+              <a:t>Remixes Table</a:t>
+            </a:r>
+            <a:endParaRPr lang="en-US"/>
+          </a:p>
+          <a:p>
+            <a:pPr lvl="1"/>
+            <a:r>
+              <a:rPr lang="en-US" sz="2400"/>
+              <a:t>Each remix can only belong to single OG song</a:t>
+            </a:r>
+            <a:endParaRPr lang="en-US" sz="2400"/>
+          </a:p>
+          <a:p>
+            <a:pPr lvl="1"/>
+            <a:r>
+              <a:rPr lang="en-US" sz="2400"/>
+              <a:t>Each OG song can have multiple remixes</a:t>
+            </a:r>
+            <a:r>
+              <a:rPr lang="en-US"/>
+              <a:t> </a:t>
+            </a:r>
+            <a:endParaRPr lang="en-US"/>
+          </a:p>
+          <a:p>
+            <a:pPr lvl="1"/>
+            <a:r>
+              <a:rPr lang="en-US"/>
+              <a:t>A remix cannot exist without a song</a:t>
+            </a:r>
+            <a:endParaRPr lang="en-US"/>
+          </a:p>
+          <a:p>
+            <a:pPr lvl="1"/>
+            <a:r>
+              <a:rPr lang="en-US"/>
+              <a:t>A remix cannot exist without an author</a:t>
+            </a:r>
+            <a:endParaRPr lang="en-US"/>
+          </a:p>
+        </p:txBody>
+      </p:sp>
+    </p:spTree>
+  </p:cSld>
+  <p:clrMapOvr>
+    <a:masterClrMapping/>
+  </p:clrMapOvr>
+</p:sld>
+</file>
+
+<file path=ppt/slides/slide7.xml><?xml version="1.0" encoding="utf-8"?>
+<p:sld xmlns:a="http://schemas.openxmlformats.org/drawingml/2006/main" xmlns:r="http://schemas.openxmlformats.org/officeDocument/2006/relationships" xmlns:p="http://schemas.openxmlformats.org/presentationml/2006/main" showMasterSp="0">
+  <p:cSld>
+    <p:spTree>
+      <p:nvGrpSpPr>
+        <p:cNvPr id="1" name=""/>
+        <p:cNvGrpSpPr/>
+        <p:nvPr/>
+      </p:nvGrpSpPr>
+      <p:grpSpPr/>
+      <p:sp>
+        <p:nvSpPr>
+          <p:cNvPr id="2" name="Title 1"/>
+          <p:cNvSpPr>
+            <a:spLocks noGrp="1"/>
+          </p:cNvSpPr>
+          <p:nvPr>
+            <p:ph type="title"/>
+          </p:nvPr>
+        </p:nvSpPr>
+        <p:spPr/>
+        <p:txBody>
+          <a:bodyPr/>
+          <a:p>
+            <a:r>
+              <a:rPr lang="en-US"/>
+              <a:t>End relationship</a:t>
+            </a:r>
+            <a:endParaRPr lang="en-US"/>
+          </a:p>
+        </p:txBody>
+      </p:sp>
+      <p:sp>
+        <p:nvSpPr>
+          <p:cNvPr id="3" name="Content Placeholder 2"/>
+          <p:cNvSpPr>
+            <a:spLocks noGrp="1"/>
+          </p:cNvSpPr>
+          <p:nvPr>
+            <p:ph idx="1"/>
+          </p:nvPr>
+        </p:nvSpPr>
+        <p:spPr/>
+        <p:txBody>
+          <a:bodyPr/>
+          <a:p>
+            <a:endParaRPr lang="en-US"/>
+          </a:p>
+        </p:txBody>
+      </p:sp>
+      <p:graphicFrame>
+        <p:nvGraphicFramePr>
+          <p:cNvPr id="4" name="Table 3"/>
+          <p:cNvGraphicFramePr/>
+          <p:nvPr/>
+        </p:nvGraphicFramePr>
+        <p:xfrm>
+          <a:off x="1724660" y="2483485"/>
+          <a:ext cx="3161030" cy="3035300"/>
+        </p:xfrm>
+        <a:graphic>
+          <a:graphicData uri="http://schemas.openxmlformats.org/drawingml/2006/table">
+            <a:tbl>
+              <a:tblPr firstRow="1" bandRow="1">
+                <a:tableStyleId>{5C22544A-7EE6-4342-B048-85BDC9FD1C3A}</a:tableStyleId>
+              </a:tblPr>
+              <a:tblGrid>
+                <a:gridCol w="1448435"/>
+                <a:gridCol w="1712595"/>
+              </a:tblGrid>
+              <a:tr h="381000">
+                <a:tc>
+                  <a:txBody>
+                    <a:bodyPr/>
+                    <a:p>
+                      <a:pPr>
+                        <a:buNone/>
+                      </a:pPr>
+                      <a:endParaRPr lang="en-US"/>
+                    </a:p>
+                  </a:txBody>
+                  <a:tcPr/>
+                </a:tc>
+                <a:tc>
+                  <a:txBody>
+                    <a:bodyPr/>
+                    <a:p>
+                      <a:pPr>
+                        <a:buNone/>
+                      </a:pPr>
+                      <a:r>
+                        <a:rPr lang="en-US"/>
+                        <a:t>OGSong.table</a:t>
+                      </a:r>
+                      <a:endParaRPr lang="en-US"/>
+                    </a:p>
+                  </a:txBody>
+                  <a:tcPr/>
+                </a:tc>
+              </a:tr>
+              <a:tr h="381000">
+                <a:tc>
+                  <a:txBody>
+                    <a:bodyPr/>
+                    <a:p>
+                      <a:pPr>
+                        <a:buNone/>
+                      </a:pPr>
+                      <a:endParaRPr lang="en-US"/>
+                    </a:p>
+                  </a:txBody>
+                  <a:tcPr/>
+                </a:tc>
+                <a:tc>
+                  <a:txBody>
+                    <a:bodyPr/>
+                    <a:p>
+                      <a:pPr>
+                        <a:buNone/>
+                      </a:pPr>
+                      <a:r>
+                        <a:rPr lang="en-US"/>
+                        <a:t>Title</a:t>
+                      </a:r>
+                      <a:endParaRPr lang="en-US"/>
+                    </a:p>
+                  </a:txBody>
+                  <a:tcPr/>
+                </a:tc>
+              </a:tr>
+              <a:tr h="381000">
+                <a:tc>
+                  <a:txBody>
+                    <a:bodyPr/>
+                    <a:p>
+                      <a:pPr>
+                        <a:buNone/>
+                      </a:pPr>
+                      <a:endParaRPr lang="en-US"/>
+                    </a:p>
+                  </a:txBody>
+                  <a:tcPr/>
+                </a:tc>
+                <a:tc>
+                  <a:txBody>
+                    <a:bodyPr/>
+                    <a:p>
+                      <a:pPr>
+                        <a:buNone/>
+                      </a:pPr>
+                      <a:r>
+                        <a:rPr lang="en-US"/>
+                        <a:t>Artist</a:t>
+                      </a:r>
+                      <a:endParaRPr lang="en-US"/>
+                    </a:p>
+                  </a:txBody>
+                  <a:tcPr/>
+                </a:tc>
+              </a:tr>
+              <a:tr h="368300">
+                <a:tc>
+                  <a:txBody>
+                    <a:bodyPr/>
+                    <a:p>
+                      <a:pPr>
+                        <a:buNone/>
+                      </a:pPr>
+                      <a:endParaRPr lang="en-US"/>
+                    </a:p>
+                  </a:txBody>
+                  <a:tcPr/>
+                </a:tc>
+                <a:tc>
+                  <a:txBody>
+                    <a:bodyPr/>
+                    <a:p>
+                      <a:pPr>
+                        <a:buNone/>
+                      </a:pPr>
+                      <a:r>
+                        <a:rPr lang="en-US"/>
+                        <a:t>Genre</a:t>
+                      </a:r>
+                      <a:endParaRPr lang="en-US"/>
+                    </a:p>
+                  </a:txBody>
+                  <a:tcPr/>
+                </a:tc>
+              </a:tr>
+              <a:tr h="381000">
+                <a:tc>
+                  <a:txBody>
+                    <a:bodyPr/>
+                    <a:p>
+                      <a:pPr>
+                        <a:buNone/>
+                      </a:pPr>
+                      <a:endParaRPr lang="en-US"/>
+                    </a:p>
+                  </a:txBody>
+                  <a:tcPr/>
+                </a:tc>
+                <a:tc>
+                  <a:txBody>
+                    <a:bodyPr/>
+                    <a:p>
+                      <a:pPr>
+                        <a:buNone/>
+                      </a:pPr>
+                      <a:r>
+                        <a:rPr lang="en-US"/>
+                        <a:t>Year</a:t>
+                      </a:r>
+                      <a:endParaRPr lang="en-US"/>
+                    </a:p>
+                  </a:txBody>
+                  <a:tcPr/>
+                </a:tc>
+              </a:tr>
+              <a:tr h="381000">
+                <a:tc>
+                  <a:txBody>
+                    <a:bodyPr/>
+                    <a:p>
+                      <a:pPr>
+                        <a:buNone/>
+                      </a:pPr>
+                      <a:endParaRPr lang="en-US"/>
+                    </a:p>
+                  </a:txBody>
+                  <a:tcPr/>
+                </a:tc>
+                <a:tc>
+                  <a:txBody>
+                    <a:bodyPr/>
+                    <a:p>
+                      <a:pPr>
+                        <a:buNone/>
+                      </a:pPr>
+                      <a:r>
+                        <a:rPr lang="en-US"/>
+                        <a:t>DBAuthor</a:t>
+                      </a:r>
+                      <a:endParaRPr lang="en-US"/>
+                    </a:p>
+                  </a:txBody>
+                  <a:tcPr/>
+                </a:tc>
+              </a:tr>
+              <a:tr h="381000">
+                <a:tc>
+                  <a:txBody>
+                    <a:bodyPr/>
+                    <a:p>
+                      <a:pPr>
+                        <a:buNone/>
+                      </a:pPr>
+                      <a:r>
+                        <a:rPr lang="en-US"/>
+                        <a:t>Primary Key</a:t>
+                      </a:r>
+                      <a:endParaRPr lang="en-US"/>
+                    </a:p>
+                  </a:txBody>
+                  <a:tcPr/>
+                </a:tc>
+                <a:tc>
+                  <a:txBody>
+                    <a:bodyPr/>
+                    <a:p>
+                      <a:pPr>
+                        <a:buNone/>
+                      </a:pPr>
+                      <a:r>
+                        <a:rPr lang="en-US"/>
+                        <a:t>SongID</a:t>
+                      </a:r>
+                      <a:endParaRPr lang="en-US"/>
+                    </a:p>
+                  </a:txBody>
+                  <a:tcPr/>
+                </a:tc>
+              </a:tr>
+              <a:tr h="381000">
+                <a:tc>
+                  <a:txBody>
+                    <a:bodyPr/>
+                    <a:p>
+                      <a:pPr>
+                        <a:buNone/>
+                      </a:pPr>
+                      <a:r>
+                        <a:rPr lang="en-US"/>
+                        <a:t>Foreign Key</a:t>
+                      </a:r>
+                      <a:endParaRPr lang="en-US"/>
+                    </a:p>
+                  </a:txBody>
+                  <a:tcPr/>
+                </a:tc>
+                <a:tc>
+                  <a:txBody>
+                    <a:bodyPr/>
+                    <a:p>
+                      <a:pPr>
+                        <a:buNone/>
+                      </a:pPr>
+                      <a:r>
+                        <a:rPr lang="en-US"/>
+                        <a:t>RemixSongID</a:t>
+                      </a:r>
+                      <a:endParaRPr lang="en-US"/>
+                    </a:p>
+                  </a:txBody>
+                  <a:tcPr/>
+                </a:tc>
+              </a:tr>
+            </a:tbl>
+          </a:graphicData>
+        </a:graphic>
+      </p:graphicFrame>
+      <p:graphicFrame>
+        <p:nvGraphicFramePr>
+          <p:cNvPr id="8" name="Table 7"/>
+          <p:cNvGraphicFramePr/>
+          <p:nvPr/>
+        </p:nvGraphicFramePr>
+        <p:xfrm>
+          <a:off x="5821045" y="2653665"/>
+          <a:ext cx="3410585" cy="2708275"/>
+        </p:xfrm>
+        <a:graphic>
+          <a:graphicData uri="http://schemas.openxmlformats.org/drawingml/2006/table">
+            <a:tbl>
+              <a:tblPr firstRow="1" bandRow="1">
+                <a:tableStyleId>{5C22544A-7EE6-4342-B048-85BDC9FD1C3A}</a:tableStyleId>
+              </a:tblPr>
+              <a:tblGrid>
+                <a:gridCol w="1607185"/>
+                <a:gridCol w="1803400"/>
+              </a:tblGrid>
+              <a:tr h="422275">
+                <a:tc>
+                  <a:txBody>
+                    <a:bodyPr/>
+                    <a:p>
+                      <a:pPr>
+                        <a:buNone/>
+                      </a:pPr>
+                      <a:endParaRPr lang="en-US"/>
+                    </a:p>
+                  </a:txBody>
+                  <a:tcPr/>
+                </a:tc>
+                <a:tc>
+                  <a:txBody>
+                    <a:bodyPr/>
+                    <a:p>
+                      <a:pPr>
+                        <a:buNone/>
+                      </a:pPr>
+                      <a:r>
+                        <a:rPr lang="en-US"/>
+                        <a:t>Remixes.table</a:t>
+                      </a:r>
+                      <a:endParaRPr lang="en-US"/>
+                    </a:p>
+                  </a:txBody>
+                  <a:tcPr/>
+                </a:tc>
+              </a:tr>
+              <a:tr h="381000">
+                <a:tc>
+                  <a:txBody>
+                    <a:bodyPr/>
+                    <a:p>
+                      <a:pPr>
+                        <a:buNone/>
+                      </a:pPr>
+                      <a:endParaRPr lang="en-US"/>
+                    </a:p>
+                  </a:txBody>
+                  <a:tcPr/>
+                </a:tc>
+                <a:tc>
+                  <a:txBody>
+                    <a:bodyPr/>
+                    <a:p>
+                      <a:pPr>
+                        <a:buNone/>
+                      </a:pPr>
+                      <a:r>
+                        <a:rPr lang="en-US"/>
+                        <a:t>Title</a:t>
+                      </a:r>
+                      <a:endParaRPr lang="en-US"/>
+                    </a:p>
+                  </a:txBody>
+                  <a:tcPr/>
+                </a:tc>
+              </a:tr>
+              <a:tr h="381000">
+                <a:tc>
+                  <a:txBody>
+                    <a:bodyPr/>
+                    <a:p>
+                      <a:pPr>
+                        <a:buNone/>
+                      </a:pPr>
+                      <a:endParaRPr lang="en-US"/>
+                    </a:p>
+                  </a:txBody>
+                  <a:tcPr/>
+                </a:tc>
+                <a:tc>
+                  <a:txBody>
+                    <a:bodyPr/>
+                    <a:p>
+                      <a:pPr>
+                        <a:buNone/>
+                      </a:pPr>
+                      <a:r>
+                        <a:rPr lang="en-US"/>
+                        <a:t>Artist</a:t>
+                      </a:r>
+                      <a:endParaRPr lang="en-US"/>
+                    </a:p>
+                  </a:txBody>
+                  <a:tcPr/>
+                </a:tc>
+              </a:tr>
+              <a:tr h="381000">
+                <a:tc>
+                  <a:txBody>
+                    <a:bodyPr/>
+                    <a:p>
+                      <a:pPr>
+                        <a:buNone/>
+                      </a:pPr>
+                      <a:endParaRPr lang="en-US"/>
+                    </a:p>
+                  </a:txBody>
+                  <a:tcPr/>
+                </a:tc>
+                <a:tc>
+                  <a:txBody>
+                    <a:bodyPr/>
+                    <a:p>
+                      <a:pPr>
+                        <a:buNone/>
+                      </a:pPr>
+                      <a:r>
+                        <a:rPr lang="en-US"/>
+                        <a:t>Genre</a:t>
+                      </a:r>
+                      <a:endParaRPr lang="en-US"/>
+                    </a:p>
+                  </a:txBody>
+                  <a:tcPr/>
+                </a:tc>
+              </a:tr>
+              <a:tr h="381000">
+                <a:tc>
+                  <a:txBody>
+                    <a:bodyPr/>
+                    <a:p>
+                      <a:pPr>
+                        <a:buNone/>
+                      </a:pPr>
+                      <a:endParaRPr lang="en-US"/>
+                    </a:p>
+                  </a:txBody>
+                  <a:tcPr/>
+                </a:tc>
+                <a:tc>
+                  <a:txBody>
+                    <a:bodyPr/>
+                    <a:p>
+                      <a:pPr>
+                        <a:buNone/>
+                      </a:pPr>
+                      <a:r>
+                        <a:rPr lang="en-US"/>
+                        <a:t>Year</a:t>
+                      </a:r>
+                      <a:endParaRPr lang="en-US"/>
+                    </a:p>
+                  </a:txBody>
+                  <a:tcPr/>
+                </a:tc>
+              </a:tr>
+              <a:tr h="381000">
+                <a:tc>
+                  <a:txBody>
+                    <a:bodyPr/>
+                    <a:p>
+                      <a:pPr>
+                        <a:buNone/>
+                      </a:pPr>
+                      <a:endParaRPr lang="en-US"/>
+                    </a:p>
+                  </a:txBody>
+                  <a:tcPr/>
+                </a:tc>
+                <a:tc>
+                  <a:txBody>
+                    <a:bodyPr/>
+                    <a:p>
+                      <a:pPr>
+                        <a:buNone/>
+                      </a:pPr>
+                      <a:r>
+                        <a:rPr lang="en-US"/>
+                        <a:t>DBAuthor</a:t>
+                      </a:r>
+                      <a:endParaRPr lang="en-US"/>
+                    </a:p>
+                  </a:txBody>
+                  <a:tcPr/>
+                </a:tc>
+              </a:tr>
+              <a:tr h="381000">
+                <a:tc>
+                  <a:txBody>
+                    <a:bodyPr/>
+                    <a:p>
+                      <a:pPr>
+                        <a:buNone/>
+                      </a:pPr>
+                      <a:r>
+                        <a:rPr lang="en-US"/>
+                        <a:t>Primary Key</a:t>
+                      </a:r>
+                      <a:endParaRPr lang="en-US"/>
+                    </a:p>
+                  </a:txBody>
+                  <a:tcPr/>
+                </a:tc>
+                <a:tc>
+                  <a:txBody>
+                    <a:bodyPr/>
+                    <a:p>
+                      <a:pPr>
+                        <a:buNone/>
+                      </a:pPr>
+                      <a:r>
+                        <a:rPr lang="en-US" sz="1800">
+                          <a:sym typeface="+mn-ea"/>
+                        </a:rPr>
+                        <a:t>RemixSongID</a:t>
+                      </a:r>
+                      <a:endParaRPr lang="en-US"/>
+                    </a:p>
+                  </a:txBody>
+                  <a:tcPr/>
+                </a:tc>
+              </a:tr>
+            </a:tbl>
+          </a:graphicData>
+        </a:graphic>
+      </p:graphicFrame>
+      <p:cxnSp>
+        <p:nvCxnSpPr>
+          <p:cNvPr id="10" name="Straight Connector 9"/>
+          <p:cNvCxnSpPr>
+            <a:stCxn id="4" idx="3"/>
+          </p:cNvCxnSpPr>
+          <p:nvPr/>
+        </p:nvCxnSpPr>
+        <p:spPr>
+          <a:xfrm>
+            <a:off x="4885690" y="4001135"/>
+            <a:ext cx="935355" cy="6985"/>
+          </a:xfrm>
+          <a:prstGeom prst="line">
+            <a:avLst/>
+          </a:prstGeom>
+        </p:spPr>
+        <p:style>
+          <a:lnRef idx="1">
+            <a:schemeClr val="accent1"/>
+          </a:lnRef>
+          <a:fillRef idx="0">
+            <a:schemeClr val="accent1"/>
+          </a:fillRef>
+          <a:effectRef idx="0">
+            <a:schemeClr val="accent1"/>
+          </a:effectRef>
+          <a:fontRef idx="minor">
+            <a:schemeClr val="tx1"/>
+          </a:fontRef>
+        </p:style>
+      </p:cxnSp>
+      <p:cxnSp>
+        <p:nvCxnSpPr>
+          <p:cNvPr id="12" name="Straight Connector 11"/>
+          <p:cNvCxnSpPr/>
+          <p:nvPr/>
+        </p:nvCxnSpPr>
+        <p:spPr>
+          <a:xfrm>
+            <a:off x="5579110" y="4008120"/>
+            <a:ext cx="241935" cy="229870"/>
+          </a:xfrm>
+          <a:prstGeom prst="line">
+            <a:avLst/>
+          </a:prstGeom>
+        </p:spPr>
+        <p:style>
+          <a:lnRef idx="1">
+            <a:schemeClr val="accent1"/>
+          </a:lnRef>
+          <a:fillRef idx="0">
+            <a:schemeClr val="accent1"/>
+          </a:fillRef>
+          <a:effectRef idx="0">
+            <a:schemeClr val="accent1"/>
+          </a:effectRef>
+          <a:fontRef idx="minor">
+            <a:schemeClr val="tx1"/>
+          </a:fontRef>
+        </p:style>
+      </p:cxnSp>
+      <p:cxnSp>
+        <p:nvCxnSpPr>
+          <p:cNvPr id="13" name="Straight Connector 12"/>
+          <p:cNvCxnSpPr/>
+          <p:nvPr/>
+        </p:nvCxnSpPr>
+        <p:spPr>
+          <a:xfrm flipV="1">
+            <a:off x="5579110" y="3777615"/>
+            <a:ext cx="241935" cy="216535"/>
+          </a:xfrm>
+          <a:prstGeom prst="line">
+            <a:avLst/>
+          </a:prstGeom>
+        </p:spPr>
+        <p:style>
+          <a:lnRef idx="1">
+            <a:schemeClr val="accent1"/>
+          </a:lnRef>
+          <a:fillRef idx="0">
+            <a:schemeClr val="accent1"/>
+          </a:fillRef>
+          <a:effectRef idx="0">
+            <a:schemeClr val="accent1"/>
+          </a:effectRef>
+          <a:fontRef idx="minor">
+            <a:schemeClr val="tx1"/>
+          </a:fontRef>
+        </p:style>
+      </p:cxnSp>
+      <p:cxnSp>
+        <p:nvCxnSpPr>
+          <p:cNvPr id="14" name="Straight Connector 13"/>
+          <p:cNvCxnSpPr/>
+          <p:nvPr/>
+        </p:nvCxnSpPr>
+        <p:spPr>
+          <a:xfrm flipH="1">
+            <a:off x="4956175" y="3740785"/>
+            <a:ext cx="12700" cy="497205"/>
+          </a:xfrm>
+          <a:prstGeom prst="line">
+            <a:avLst/>
+          </a:prstGeom>
+        </p:spPr>
+        <p:style>
+          <a:lnRef idx="1">
+            <a:schemeClr val="accent1"/>
+          </a:lnRef>
+          <a:fillRef idx="0">
+            <a:schemeClr val="accent1"/>
+          </a:fillRef>
+          <a:effectRef idx="0">
+            <a:schemeClr val="accent1"/>
+          </a:effectRef>
+          <a:fontRef idx="minor">
+            <a:schemeClr val="tx1"/>
+          </a:fontRef>
+        </p:style>
+      </p:cxnSp>
+      <p:cxnSp>
+        <p:nvCxnSpPr>
+          <p:cNvPr id="15" name="Straight Connector 14"/>
+          <p:cNvCxnSpPr/>
+          <p:nvPr/>
+        </p:nvCxnSpPr>
+        <p:spPr>
+          <a:xfrm flipH="1">
+            <a:off x="5057775" y="3740785"/>
+            <a:ext cx="12700" cy="497205"/>
+          </a:xfrm>
+          <a:prstGeom prst="line">
+            <a:avLst/>
+          </a:prstGeom>
+        </p:spPr>
+        <p:style>
+          <a:lnRef idx="1">
+            <a:schemeClr val="accent1"/>
+          </a:lnRef>
+          <a:fillRef idx="0">
+            <a:schemeClr val="accent1"/>
+          </a:fillRef>
+          <a:effectRef idx="0">
+            <a:schemeClr val="accent1"/>
+          </a:effectRef>
+          <a:fontRef idx="minor">
+            <a:schemeClr val="tx1"/>
+          </a:fontRef>
+        </p:style>
+      </p:cxnSp>
+      <p:cxnSp>
+        <p:nvCxnSpPr>
+          <p:cNvPr id="19" name="Straight Connector 18"/>
+          <p:cNvCxnSpPr/>
+          <p:nvPr/>
+        </p:nvCxnSpPr>
+        <p:spPr>
+          <a:xfrm flipH="1">
+            <a:off x="5566410" y="3739515"/>
+            <a:ext cx="12700" cy="497205"/>
+          </a:xfrm>
+          <a:prstGeom prst="line">
+            <a:avLst/>
+          </a:prstGeom>
+        </p:spPr>
+        <p:style>
+          <a:lnRef idx="1">
+            <a:schemeClr val="accent1"/>
+          </a:lnRef>
+          <a:fillRef idx="0">
+            <a:schemeClr val="accent1"/>
+          </a:fillRef>
+          <a:effectRef idx="0">
+            <a:schemeClr val="accent1"/>
+          </a:effectRef>
+          <a:fontRef idx="minor">
+            <a:schemeClr val="tx1"/>
+          </a:fontRef>
+        </p:style>
+      </p:cxnSp>
+    </p:spTree>
+  </p:cSld>
+  <p:clrMapOvr>
+    <a:masterClrMapping/>
+  </p:clrMapOvr>
+</p:sld>
+</file>
+
+<file path=ppt/slides/slide8.xml><?xml version="1.0" encoding="utf-8"?>
+<p:sld xmlns:a="http://schemas.openxmlformats.org/drawingml/2006/main" xmlns:r="http://schemas.openxmlformats.org/officeDocument/2006/relationships" xmlns:p="http://schemas.openxmlformats.org/presentationml/2006/main" showMasterSp="0">
+  <p:cSld>
+    <p:spTree>
+      <p:nvGrpSpPr>
+        <p:cNvPr id="1" name=""/>
+        <p:cNvGrpSpPr/>
+        <p:nvPr/>
+      </p:nvGrpSpPr>
+      <p:grpSpPr/>
+      <p:sp>
+        <p:nvSpPr>
+          <p:cNvPr id="2" name="Title 1"/>
+          <p:cNvSpPr>
+            <a:spLocks noGrp="1"/>
+          </p:cNvSpPr>
+          <p:nvPr>
+            <p:ph type="title"/>
+          </p:nvPr>
+        </p:nvSpPr>
+        <p:spPr>
+          <a:xfrm>
+            <a:off x="609600" y="-129857"/>
+            <a:ext cx="10972800" cy="1143000"/>
+          </a:xfrm>
+        </p:spPr>
+        <p:txBody>
+          <a:bodyPr/>
+          <a:p>
+            <a:r>
+              <a:rPr lang="en-US"/>
+              <a:t>Risk Assessment</a:t>
+            </a:r>
+            <a:endParaRPr lang="en-US"/>
+          </a:p>
+        </p:txBody>
+      </p:sp>
+      <p:graphicFrame>
+        <p:nvGraphicFramePr>
+          <p:cNvPr id="7" name="Table 6"/>
+          <p:cNvGraphicFramePr/>
+          <p:nvPr/>
+        </p:nvGraphicFramePr>
+        <p:xfrm>
+          <a:off x="168275" y="872490"/>
+          <a:ext cx="11978640" cy="5895340"/>
+        </p:xfrm>
+        <a:graphic>
+          <a:graphicData uri="http://schemas.openxmlformats.org/drawingml/2006/table">
+            <a:tbl>
+              <a:tblPr firstRow="1" bandRow="1">
+                <a:tableStyleId>{5C22544A-7EE6-4342-B048-85BDC9FD1C3A}</a:tableStyleId>
+              </a:tblPr>
+              <a:tblGrid>
+                <a:gridCol w="2124075"/>
+                <a:gridCol w="2667635"/>
+                <a:gridCol w="2395220"/>
+                <a:gridCol w="2395855"/>
+                <a:gridCol w="2395855"/>
+              </a:tblGrid>
+              <a:tr h="365760">
+                <a:tc>
+                  <a:txBody>
+                    <a:bodyPr/>
+                    <a:p>
+                      <a:pPr>
+                        <a:buNone/>
+                      </a:pPr>
+                      <a:r>
+                        <a:rPr lang="en-US"/>
+                        <a:t>RISK</a:t>
+                      </a:r>
+                      <a:endParaRPr lang="en-US"/>
+                    </a:p>
+                  </a:txBody>
+                  <a:tcPr/>
+                </a:tc>
+                <a:tc>
+                  <a:txBody>
+                    <a:bodyPr/>
+                    <a:p>
+                      <a:pPr>
+                        <a:buNone/>
+                      </a:pPr>
+                      <a:r>
+                        <a:rPr lang="en-US"/>
+                        <a:t>LIKELY</a:t>
+                      </a:r>
+                      <a:endParaRPr lang="en-US"/>
+                    </a:p>
+                  </a:txBody>
+                  <a:tcPr/>
+                </a:tc>
+                <a:tc>
+                  <a:txBody>
+                    <a:bodyPr/>
+                    <a:p>
+                      <a:pPr>
+                        <a:buNone/>
+                      </a:pPr>
+                      <a:r>
+                        <a:rPr lang="en-US"/>
+                        <a:t>IMPACT</a:t>
+                      </a:r>
+                      <a:endParaRPr lang="en-US"/>
+                    </a:p>
+                  </a:txBody>
+                  <a:tcPr/>
+                </a:tc>
+                <a:tc>
+                  <a:txBody>
+                    <a:bodyPr/>
+                    <a:p>
+                      <a:pPr>
+                        <a:buNone/>
+                      </a:pPr>
+                      <a:r>
+                        <a:rPr lang="en-US"/>
+                        <a:t>SOLUTION</a:t>
+                      </a:r>
+                      <a:endParaRPr lang="en-US"/>
+                    </a:p>
+                  </a:txBody>
+                  <a:tcPr/>
+                </a:tc>
+                <a:tc>
+                  <a:txBody>
+                    <a:bodyPr/>
+                    <a:p>
+                      <a:pPr>
+                        <a:buNone/>
+                      </a:pPr>
+                      <a:r>
+                        <a:rPr lang="en-US"/>
+                        <a:t>FINAL ANALYSIS</a:t>
+                      </a:r>
+                      <a:endParaRPr lang="en-US"/>
+                    </a:p>
+                  </a:txBody>
+                  <a:tcPr/>
+                </a:tc>
+              </a:tr>
+              <a:tr h="914400">
+                <a:tc>
+                  <a:txBody>
+                    <a:bodyPr/>
+                    <a:p>
+                      <a:pPr>
+                        <a:buNone/>
+                      </a:pPr>
+                      <a:r>
+                        <a:rPr lang="en-US"/>
+                        <a:t>Issues with coding the app</a:t>
+                      </a:r>
+                      <a:endParaRPr lang="en-US"/>
+                    </a:p>
+                  </a:txBody>
+                  <a:tcPr/>
+                </a:tc>
+                <a:tc>
+                  <a:txBody>
+                    <a:bodyPr/>
+                    <a:p>
+                      <a:pPr>
+                        <a:buNone/>
+                      </a:pPr>
+                      <a:r>
+                        <a:rPr lang="en-US"/>
+                        <a:t>3: Medium as new coding style and environment</a:t>
+                      </a:r>
+                      <a:endParaRPr lang="en-US"/>
+                    </a:p>
+                  </a:txBody>
+                  <a:tcPr/>
+                </a:tc>
+                <a:tc>
+                  <a:txBody>
+                    <a:bodyPr/>
+                    <a:p>
+                      <a:pPr>
+                        <a:buNone/>
+                      </a:pPr>
+                      <a:r>
+                        <a:rPr lang="en-US"/>
+                        <a:t>5: Could mean not functioning product</a:t>
+                      </a:r>
+                      <a:endParaRPr lang="en-US"/>
+                    </a:p>
+                  </a:txBody>
+                  <a:tcPr/>
+                </a:tc>
+                <a:tc>
+                  <a:txBody>
+                    <a:bodyPr/>
+                    <a:p>
+                      <a:pPr>
+                        <a:buNone/>
+                      </a:pPr>
+                      <a:r>
+                        <a:rPr lang="en-US"/>
+                        <a:t>Continue practicing coding and improve</a:t>
+                      </a:r>
+                      <a:endParaRPr lang="en-US"/>
+                    </a:p>
+                  </a:txBody>
+                  <a:tcPr/>
+                </a:tc>
+                <a:tc>
+                  <a:txBody>
+                    <a:bodyPr/>
+                    <a:p>
+                      <a:pPr>
+                        <a:buNone/>
+                      </a:pPr>
+                      <a:r>
+                        <a:rPr lang="en-US"/>
+                        <a:t>Alot better coding in python but still struggling with flask</a:t>
+                      </a:r>
+                      <a:endParaRPr lang="en-US"/>
+                    </a:p>
+                  </a:txBody>
+                  <a:tcPr/>
+                </a:tc>
+              </a:tr>
+              <a:tr h="914400">
+                <a:tc>
+                  <a:txBody>
+                    <a:bodyPr/>
+                    <a:p>
+                      <a:pPr>
+                        <a:buNone/>
+                      </a:pPr>
+                      <a:r>
+                        <a:rPr lang="en-US"/>
+                        <a:t>Issues building and linking services</a:t>
+                      </a:r>
+                      <a:endParaRPr lang="en-US"/>
+                    </a:p>
+                  </a:txBody>
+                  <a:tcPr/>
+                </a:tc>
+                <a:tc>
+                  <a:txBody>
+                    <a:bodyPr/>
+                    <a:p>
+                      <a:pPr>
+                        <a:buNone/>
+                      </a:pPr>
+                      <a:r>
+                        <a:rPr lang="en-US"/>
+                        <a:t>3: medium as services are new and still learning about them</a:t>
+                      </a:r>
+                      <a:endParaRPr lang="en-US"/>
+                    </a:p>
+                  </a:txBody>
+                  <a:tcPr/>
+                </a:tc>
+                <a:tc>
+                  <a:txBody>
+                    <a:bodyPr/>
+                    <a:p>
+                      <a:pPr>
+                        <a:buNone/>
+                      </a:pPr>
+                      <a:r>
+                        <a:rPr lang="en-US"/>
+                        <a:t>5: Could break program</a:t>
+                      </a:r>
+                      <a:endParaRPr lang="en-US"/>
+                    </a:p>
+                  </a:txBody>
+                  <a:tcPr/>
+                </a:tc>
+                <a:tc>
+                  <a:txBody>
+                    <a:bodyPr/>
+                    <a:p>
+                      <a:pPr>
+                        <a:buNone/>
+                      </a:pPr>
+                      <a:r>
+                        <a:rPr lang="en-US"/>
+                        <a:t>Try to understand the services</a:t>
+                      </a:r>
+                      <a:endParaRPr lang="en-US"/>
+                    </a:p>
+                  </a:txBody>
+                  <a:tcPr/>
+                </a:tc>
+                <a:tc>
+                  <a:txBody>
+                    <a:bodyPr/>
+                    <a:p>
+                      <a:pPr>
+                        <a:buNone/>
+                      </a:pPr>
+                      <a:r>
+                        <a:rPr lang="en-US"/>
+                        <a:t>Largely struggled with the services</a:t>
+                      </a:r>
+                      <a:endParaRPr lang="en-US"/>
+                    </a:p>
+                  </a:txBody>
+                  <a:tcPr/>
+                </a:tc>
+              </a:tr>
+              <a:tr h="866140">
+                <a:tc>
+                  <a:txBody>
+                    <a:bodyPr/>
+                    <a:p>
+                      <a:pPr>
+                        <a:buNone/>
+                      </a:pPr>
+                      <a:r>
+                        <a:rPr lang="en-US"/>
+                        <a:t>Issues with database</a:t>
+                      </a:r>
+                      <a:endParaRPr lang="en-US"/>
+                    </a:p>
+                  </a:txBody>
+                  <a:tcPr/>
+                </a:tc>
+                <a:tc>
+                  <a:txBody>
+                    <a:bodyPr/>
+                    <a:p>
+                      <a:pPr>
+                        <a:buNone/>
+                      </a:pPr>
+                      <a:r>
+                        <a:rPr lang="en-US"/>
+                        <a:t>2: Low Database could break or not have access</a:t>
+                      </a:r>
+                      <a:endParaRPr lang="en-US"/>
+                    </a:p>
+                  </a:txBody>
+                  <a:tcPr/>
+                </a:tc>
+                <a:tc>
+                  <a:txBody>
+                    <a:bodyPr/>
+                    <a:p>
+                      <a:pPr>
+                        <a:buNone/>
+                      </a:pPr>
+                      <a:r>
+                        <a:rPr lang="en-US"/>
+                        <a:t>5: No database no app</a:t>
+                      </a:r>
+                      <a:endParaRPr lang="en-US"/>
+                    </a:p>
+                  </a:txBody>
+                  <a:tcPr/>
+                </a:tc>
+                <a:tc>
+                  <a:txBody>
+                    <a:bodyPr/>
+                    <a:p>
+                      <a:pPr>
+                        <a:buNone/>
+                      </a:pPr>
+                      <a:r>
+                        <a:rPr lang="en-US"/>
+                        <a:t>None</a:t>
+                      </a:r>
+                      <a:endParaRPr lang="en-US"/>
+                    </a:p>
+                  </a:txBody>
+                  <a:tcPr/>
+                </a:tc>
+                <a:tc>
+                  <a:txBody>
+                    <a:bodyPr/>
+                    <a:p>
+                      <a:pPr>
+                        <a:buNone/>
+                      </a:pPr>
+                      <a:r>
+                        <a:rPr lang="en-US"/>
+                        <a:t>Database seems to be functioning</a:t>
+                      </a:r>
+                      <a:endParaRPr lang="en-US"/>
+                    </a:p>
+                  </a:txBody>
+                  <a:tcPr/>
+                </a:tc>
+              </a:tr>
+              <a:tr h="640080">
+                <a:tc>
+                  <a:txBody>
+                    <a:bodyPr/>
+                    <a:p>
+                      <a:pPr>
+                        <a:buNone/>
+                      </a:pPr>
+                      <a:r>
+                        <a:rPr lang="en-US"/>
+                        <a:t>issues with CI Server Jenkins</a:t>
+                      </a:r>
+                      <a:endParaRPr lang="en-US"/>
+                    </a:p>
+                  </a:txBody>
+                  <a:tcPr/>
+                </a:tc>
+                <a:tc>
+                  <a:txBody>
+                    <a:bodyPr/>
+                    <a:p>
+                      <a:pPr>
+                        <a:buNone/>
+                      </a:pPr>
+                      <a:r>
+                        <a:rPr lang="en-US"/>
+                        <a:t>5: High No experience with anything like it </a:t>
+                      </a:r>
+                      <a:endParaRPr lang="en-US"/>
+                    </a:p>
+                  </a:txBody>
+                  <a:tcPr/>
+                </a:tc>
+                <a:tc>
+                  <a:txBody>
+                    <a:bodyPr/>
+                    <a:p>
+                      <a:pPr>
+                        <a:buNone/>
+                      </a:pPr>
+                      <a:r>
+                        <a:rPr lang="en-US"/>
+                        <a:t>4: No CI</a:t>
+                      </a:r>
+                      <a:endParaRPr lang="en-US"/>
+                    </a:p>
+                  </a:txBody>
+                  <a:tcPr/>
+                </a:tc>
+                <a:tc>
+                  <a:txBody>
+                    <a:bodyPr/>
+                    <a:p>
+                      <a:pPr>
+                        <a:buNone/>
+                      </a:pPr>
+                      <a:r>
+                        <a:rPr lang="en-US"/>
+                        <a:t>Try and learn about Jenkins</a:t>
+                      </a:r>
+                      <a:endParaRPr lang="en-US"/>
+                    </a:p>
+                  </a:txBody>
+                  <a:tcPr/>
+                </a:tc>
+                <a:tc>
+                  <a:txBody>
+                    <a:bodyPr/>
+                    <a:p>
+                      <a:pPr>
+                        <a:buNone/>
+                      </a:pPr>
+                      <a:r>
+                        <a:rPr lang="en-US"/>
+                        <a:t>Didnt understand by end of project</a:t>
+                      </a:r>
+                      <a:endParaRPr lang="en-US"/>
+                    </a:p>
+                  </a:txBody>
+                  <a:tcPr/>
+                </a:tc>
+              </a:tr>
+              <a:tr h="640080">
+                <a:tc>
+                  <a:txBody>
+                    <a:bodyPr/>
+                    <a:p>
+                      <a:pPr>
+                        <a:buNone/>
+                      </a:pPr>
+                      <a:r>
+                        <a:rPr lang="en-US"/>
+                        <a:t>Issues with automated testing</a:t>
+                      </a:r>
+                      <a:endParaRPr lang="en-US"/>
+                    </a:p>
+                  </a:txBody>
+                  <a:tcPr/>
+                </a:tc>
+                <a:tc>
+                  <a:txBody>
+                    <a:bodyPr/>
+                    <a:p>
+                      <a:pPr>
+                        <a:buNone/>
+                      </a:pPr>
+                      <a:r>
+                        <a:rPr lang="en-US"/>
+                        <a:t>5: High No experience with automated testing</a:t>
+                      </a:r>
+                      <a:endParaRPr lang="en-US"/>
+                    </a:p>
+                  </a:txBody>
+                  <a:tcPr/>
+                </a:tc>
+                <a:tc>
+                  <a:txBody>
+                    <a:bodyPr/>
+                    <a:p>
+                      <a:pPr>
+                        <a:buNone/>
+                      </a:pPr>
+                      <a:r>
+                        <a:rPr lang="en-US"/>
+                        <a:t>4: No Testing</a:t>
+                      </a:r>
+                      <a:endParaRPr lang="en-US"/>
+                    </a:p>
+                  </a:txBody>
+                  <a:tcPr/>
+                </a:tc>
+                <a:tc>
+                  <a:txBody>
+                    <a:bodyPr/>
+                    <a:p>
+                      <a:pPr>
+                        <a:buNone/>
+                      </a:pPr>
+                      <a:r>
+                        <a:rPr lang="en-US"/>
+                        <a:t>Try and learn about pytest</a:t>
+                      </a:r>
+                      <a:endParaRPr lang="en-US"/>
+                    </a:p>
+                  </a:txBody>
+                  <a:tcPr/>
+                </a:tc>
+                <a:tc>
+                  <a:txBody>
+                    <a:bodyPr/>
+                    <a:p>
+                      <a:pPr>
+                        <a:buNone/>
+                      </a:pPr>
+                      <a:r>
+                        <a:rPr lang="en-US"/>
+                        <a:t>understand pytest and functionality</a:t>
+                      </a:r>
+                      <a:endParaRPr lang="en-US"/>
+                    </a:p>
+                  </a:txBody>
+                  <a:tcPr/>
+                </a:tc>
+              </a:tr>
+              <a:tr h="914400">
+                <a:tc>
+                  <a:txBody>
+                    <a:bodyPr/>
+                    <a:p>
+                      <a:pPr>
+                        <a:buNone/>
+                      </a:pPr>
+                      <a:r>
+                        <a:rPr lang="en-US"/>
+                        <a:t>Issues with VCS</a:t>
+                      </a:r>
+                      <a:endParaRPr lang="en-US"/>
+                    </a:p>
+                  </a:txBody>
+                  <a:tcPr/>
+                </a:tc>
+                <a:tc>
+                  <a:txBody>
+                    <a:bodyPr/>
+                    <a:p>
+                      <a:pPr>
+                        <a:buNone/>
+                      </a:pPr>
+                      <a:r>
+                        <a:rPr lang="en-US"/>
+                        <a:t>2: Low I have experience but not much</a:t>
+                      </a:r>
+                      <a:endParaRPr lang="en-US"/>
+                    </a:p>
+                  </a:txBody>
+                  <a:tcPr/>
+                </a:tc>
+                <a:tc>
+                  <a:txBody>
+                    <a:bodyPr/>
+                    <a:p>
+                      <a:pPr>
+                        <a:buNone/>
+                      </a:pPr>
+                      <a:r>
+                        <a:rPr lang="en-US"/>
+                        <a:t>5: Meaning no backups if mistake made</a:t>
+                      </a:r>
+                      <a:endParaRPr lang="en-US"/>
+                    </a:p>
+                  </a:txBody>
+                  <a:tcPr/>
+                </a:tc>
+                <a:tc>
+                  <a:txBody>
+                    <a:bodyPr/>
+                    <a:p>
+                      <a:pPr>
+                        <a:buNone/>
+                      </a:pPr>
+                      <a:r>
+                        <a:rPr lang="en-US"/>
+                        <a:t>Make extra backups</a:t>
+                      </a:r>
+                      <a:endParaRPr lang="en-US"/>
+                    </a:p>
+                  </a:txBody>
+                  <a:tcPr/>
+                </a:tc>
+                <a:tc>
+                  <a:txBody>
+                    <a:bodyPr/>
+                    <a:p>
+                      <a:pPr>
+                        <a:buNone/>
+                      </a:pPr>
+                      <a:r>
+                        <a:rPr lang="en-US"/>
+                        <a:t>Not many problems with git/github</a:t>
+                      </a:r>
+                      <a:endParaRPr lang="en-US"/>
+                    </a:p>
+                  </a:txBody>
+                  <a:tcPr/>
+                </a:tc>
+              </a:tr>
+              <a:tr h="640080">
+                <a:tc>
+                  <a:txBody>
+                    <a:bodyPr/>
+                    <a:p>
+                      <a:pPr>
+                        <a:buNone/>
+                      </a:pPr>
+                      <a:r>
+                        <a:rPr lang="en-US"/>
+                        <a:t>Issues with Docker</a:t>
+                      </a:r>
+                      <a:endParaRPr lang="en-US"/>
+                    </a:p>
+                  </a:txBody>
+                  <a:tcPr/>
+                </a:tc>
+                <a:tc>
+                  <a:txBody>
+                    <a:bodyPr/>
+                    <a:p>
+                      <a:pPr>
+                        <a:buNone/>
+                      </a:pPr>
+                      <a:r>
+                        <a:rPr lang="en-US"/>
+                        <a:t>5: High No experience with docker or similar</a:t>
+                      </a:r>
+                      <a:endParaRPr lang="en-US"/>
+                    </a:p>
+                  </a:txBody>
+                  <a:tcPr/>
+                </a:tc>
+                <a:tc>
+                  <a:txBody>
+                    <a:bodyPr/>
+                    <a:p>
+                      <a:pPr>
+                        <a:buNone/>
+                      </a:pPr>
+                      <a:r>
+                        <a:rPr lang="en-US"/>
+                        <a:t>3: No CI but functional product</a:t>
+                      </a:r>
+                      <a:endParaRPr lang="en-US"/>
+                    </a:p>
+                  </a:txBody>
+                  <a:tcPr/>
+                </a:tc>
+                <a:tc>
+                  <a:txBody>
+                    <a:bodyPr/>
+                    <a:p>
+                      <a:pPr>
+                        <a:buNone/>
+                      </a:pPr>
+                      <a:r>
+                        <a:rPr lang="en-US"/>
+                        <a:t>Try and learn about docker</a:t>
+                      </a:r>
+                      <a:endParaRPr lang="en-US"/>
+                    </a:p>
+                  </a:txBody>
+                  <a:tcPr/>
+                </a:tc>
+                <a:tc>
+                  <a:txBody>
+                    <a:bodyPr/>
+                    <a:p>
+                      <a:pPr>
+                        <a:buNone/>
+                      </a:pPr>
+                      <a:r>
+                        <a:rPr lang="en-US"/>
+                        <a:t>Couldnt implement it</a:t>
+                      </a:r>
+                      <a:endParaRPr lang="en-US"/>
+                    </a:p>
+                  </a:txBody>
+                  <a:tcPr/>
+                </a:tc>
+              </a:tr>
+            </a:tbl>
+          </a:graphicData>
+        </a:graphic>
+      </p:graphicFrame>
+    </p:spTree>
+  </p:cSld>
+  <p:clrMapOvr>
+    <a:masterClrMapping/>
+  </p:clrMapOvr>
+</p:sld>
+</file>
+
+<file path=ppt/slides/slide9.xml><?xml version="1.0" encoding="utf-8"?>
 <p:sld xmlns:a="http://schemas.openxmlformats.org/drawingml/2006/main" xmlns:r="http://schemas.openxmlformats.org/officeDocument/2006/relationships" xmlns:p="http://schemas.openxmlformats.org/presentationml/2006/main">
   <p:cSld>
     <p:spTree>
@@ -3673,480 +6706,443 @@
         <p:nvPr/>
       </p:nvGrpSpPr>
       <p:grpSpPr/>
-      <p:sp>
-        <p:nvSpPr>
-          <p:cNvPr id="2" name="Title 1"/>
-          <p:cNvSpPr>
-            <a:spLocks noGrp="1"/>
-          </p:cNvSpPr>
-          <p:nvPr>
-            <p:ph type="title"/>
-          </p:nvPr>
-        </p:nvSpPr>
-        <p:spPr/>
-        <p:txBody>
-          <a:bodyPr/>
-          <a:p>
-            <a:r>
-              <a:rPr lang="en-US"/>
-              <a:t>Relationships</a:t>
-            </a:r>
-            <a:endParaRPr lang="en-US"/>
-          </a:p>
-        </p:txBody>
-      </p:sp>
-      <p:sp>
-        <p:nvSpPr>
-          <p:cNvPr id="3" name="Content Placeholder 2"/>
-          <p:cNvSpPr>
-            <a:spLocks noGrp="1"/>
-          </p:cNvSpPr>
-          <p:nvPr>
-            <p:ph idx="1"/>
-          </p:nvPr>
-        </p:nvSpPr>
-        <p:spPr>
-          <a:xfrm>
-            <a:off x="838200" y="1434465"/>
-            <a:ext cx="10515600" cy="5011420"/>
-          </a:xfrm>
-        </p:spPr>
-        <p:txBody>
-          <a:bodyPr>
-            <a:normAutofit fontScale="60000"/>
-          </a:bodyPr>
-          <a:p>
-            <a:r>
-              <a:rPr lang="en-US"/>
-              <a:t>Author Table</a:t>
-            </a:r>
-            <a:endParaRPr lang="en-US"/>
-          </a:p>
-          <a:p>
-            <a:pPr lvl="1"/>
-            <a:r>
-              <a:rPr lang="en-US"/>
-              <a:t>Each author can create and post multiple songs</a:t>
-            </a:r>
-            <a:endParaRPr lang="en-US"/>
-          </a:p>
-          <a:p>
-            <a:pPr lvl="1"/>
-            <a:r>
-              <a:rPr lang="en-US"/>
-              <a:t>Each song can only be created be a single author</a:t>
-            </a:r>
-            <a:endParaRPr lang="en-US"/>
-          </a:p>
-          <a:p>
-            <a:pPr lvl="1"/>
-            <a:r>
-              <a:rPr lang="en-US"/>
-              <a:t>An author can exist without any songs</a:t>
-            </a:r>
-            <a:endParaRPr lang="en-US"/>
-          </a:p>
-          <a:p>
-            <a:pPr lvl="1"/>
-            <a:endParaRPr lang="en-US"/>
-          </a:p>
-          <a:p>
-            <a:pPr lvl="0"/>
-            <a:r>
-              <a:rPr lang="en-US"/>
-              <a:t>OGSong Table</a:t>
-            </a:r>
-            <a:endParaRPr lang="en-US"/>
-          </a:p>
-          <a:p>
-            <a:pPr lvl="1"/>
-            <a:r>
-              <a:rPr lang="en-US"/>
-              <a:t>Each song can must be created by a single author</a:t>
-            </a:r>
-            <a:endParaRPr lang="en-US"/>
-          </a:p>
-          <a:p>
-            <a:pPr lvl="1"/>
-            <a:r>
-              <a:rPr lang="en-US"/>
-              <a:t>Each song can have multiple remixes</a:t>
-            </a:r>
-            <a:endParaRPr lang="en-US"/>
-          </a:p>
-          <a:p>
-            <a:pPr lvl="1"/>
-            <a:r>
-              <a:rPr lang="en-US"/>
-              <a:t>A song cannot exist without an author</a:t>
-            </a:r>
-            <a:endParaRPr lang="en-US"/>
-          </a:p>
-          <a:p>
-            <a:pPr lvl="1"/>
-            <a:r>
-              <a:rPr lang="en-US"/>
-              <a:t>A song can exist without a remix</a:t>
-            </a:r>
-            <a:endParaRPr lang="en-US"/>
-          </a:p>
-          <a:p>
-            <a:pPr lvl="0"/>
-            <a:endParaRPr lang="en-US" sz="2800"/>
-          </a:p>
-          <a:p>
-            <a:pPr lvl="0"/>
-            <a:r>
-              <a:rPr lang="en-US"/>
-              <a:t>Remixes Table</a:t>
-            </a:r>
-            <a:endParaRPr lang="en-US"/>
-          </a:p>
-          <a:p>
-            <a:pPr lvl="1"/>
-            <a:r>
-              <a:rPr lang="en-US" sz="2400"/>
-              <a:t>Each remix can only belong to single OG song</a:t>
-            </a:r>
-            <a:endParaRPr lang="en-US" sz="2400"/>
-          </a:p>
-          <a:p>
-            <a:pPr lvl="1"/>
-            <a:r>
-              <a:rPr lang="en-US" sz="2400"/>
-              <a:t>Each OG song can have multiple remixes</a:t>
-            </a:r>
-            <a:r>
-              <a:rPr lang="en-US"/>
-              <a:t> </a:t>
-            </a:r>
-            <a:endParaRPr lang="en-US"/>
-          </a:p>
-          <a:p>
-            <a:pPr lvl="1"/>
-            <a:r>
-              <a:rPr lang="en-US"/>
-              <a:t>A remix cannot exist without a song</a:t>
-            </a:r>
-            <a:endParaRPr lang="en-US"/>
-          </a:p>
-          <a:p>
-            <a:pPr lvl="1"/>
-            <a:r>
-              <a:rPr lang="en-US"/>
-              <a:t>A remix cannot exist without an author</a:t>
-            </a:r>
-            <a:endParaRPr lang="en-US"/>
-          </a:p>
-        </p:txBody>
-      </p:sp>
-    </p:spTree>
-  </p:cSld>
-  <p:clrMapOvr>
-    <a:masterClrMapping/>
-  </p:clrMapOvr>
-</p:sld>
-</file>
-
-<file path=ppt/slides/slide3.xml><?xml version="1.0" encoding="utf-8"?>
-<p:sld xmlns:a="http://schemas.openxmlformats.org/drawingml/2006/main" xmlns:r="http://schemas.openxmlformats.org/officeDocument/2006/relationships" xmlns:p="http://schemas.openxmlformats.org/presentationml/2006/main">
-  <p:cSld>
-    <p:spTree>
-      <p:nvGrpSpPr>
-        <p:cNvPr id="1" name=""/>
-        <p:cNvGrpSpPr/>
-        <p:nvPr/>
-      </p:nvGrpSpPr>
-      <p:grpSpPr/>
-      <p:sp>
-        <p:nvSpPr>
-          <p:cNvPr id="2" name="Title 1"/>
-          <p:cNvSpPr>
-            <a:spLocks noGrp="1"/>
-          </p:cNvSpPr>
-          <p:nvPr>
-            <p:ph type="title"/>
-          </p:nvPr>
-        </p:nvSpPr>
-        <p:spPr/>
-        <p:txBody>
-          <a:bodyPr/>
-          <a:p>
-            <a:r>
-              <a:rPr lang="en-US"/>
-              <a:t>Use Case</a:t>
-            </a:r>
-            <a:endParaRPr lang="en-US"/>
-          </a:p>
-        </p:txBody>
-      </p:sp>
-      <p:sp>
-        <p:nvSpPr>
-          <p:cNvPr id="3" name="Content Placeholder 2"/>
-          <p:cNvSpPr>
-            <a:spLocks noGrp="1"/>
-          </p:cNvSpPr>
-          <p:nvPr>
-            <p:ph idx="1"/>
-          </p:nvPr>
-        </p:nvSpPr>
-        <p:spPr>
-          <a:xfrm>
-            <a:off x="838200" y="1825625"/>
-            <a:ext cx="5219065" cy="4351655"/>
-          </a:xfrm>
-        </p:spPr>
-        <p:txBody>
-          <a:bodyPr>
-            <a:normAutofit fontScale="70000"/>
-          </a:bodyPr>
-          <a:p>
-            <a:r>
-              <a:rPr lang="en-US"/>
-              <a:t>Songs</a:t>
-            </a:r>
-            <a:endParaRPr lang="en-US"/>
-          </a:p>
-          <a:p>
-            <a:pPr lvl="1"/>
-            <a:r>
-              <a:rPr lang="en-US"/>
-              <a:t>add a song</a:t>
-            </a:r>
-            <a:endParaRPr lang="en-US"/>
-          </a:p>
-          <a:p>
-            <a:pPr lvl="1"/>
-            <a:r>
-              <a:rPr lang="en-US"/>
-              <a:t>add an artist</a:t>
-            </a:r>
-            <a:endParaRPr lang="en-US"/>
-          </a:p>
-          <a:p>
-            <a:pPr lvl="1"/>
-            <a:r>
-              <a:rPr lang="en-US"/>
-              <a:t>add a title</a:t>
-            </a:r>
-            <a:endParaRPr lang="en-US"/>
-          </a:p>
-          <a:p>
-            <a:pPr lvl="1"/>
-            <a:r>
-              <a:rPr lang="en-US"/>
-              <a:t>add a genre</a:t>
-            </a:r>
-            <a:endParaRPr lang="en-US"/>
-          </a:p>
-          <a:p>
-            <a:pPr lvl="1"/>
-            <a:r>
-              <a:rPr lang="en-US"/>
-              <a:t>Search for a song or remix</a:t>
-            </a:r>
-            <a:endParaRPr lang="en-US"/>
-          </a:p>
-          <a:p>
-            <a:pPr lvl="1"/>
-            <a:r>
-              <a:rPr lang="en-US"/>
-              <a:t>See song lyrics i searched for</a:t>
-            </a:r>
-            <a:endParaRPr lang="en-US"/>
-          </a:p>
-          <a:p>
-            <a:pPr lvl="1"/>
-            <a:r>
-              <a:rPr lang="en-US"/>
-              <a:t>Edit existing songs</a:t>
-            </a:r>
-            <a:endParaRPr lang="en-US"/>
-          </a:p>
-          <a:p>
-            <a:pPr lvl="1"/>
-            <a:endParaRPr lang="en-US"/>
-          </a:p>
-          <a:p>
-            <a:r>
-              <a:rPr lang="en-US"/>
-              <a:t>Account </a:t>
-            </a:r>
-            <a:endParaRPr lang="en-US"/>
-          </a:p>
-          <a:p>
-            <a:pPr lvl="1"/>
-            <a:r>
-              <a:rPr lang="en-US"/>
-              <a:t>create an account with a password</a:t>
-            </a:r>
-            <a:endParaRPr lang="en-US"/>
-          </a:p>
-          <a:p>
-            <a:pPr lvl="1"/>
-            <a:r>
-              <a:rPr lang="en-US"/>
-              <a:t>change password</a:t>
-            </a:r>
-            <a:endParaRPr lang="en-US"/>
-          </a:p>
-          <a:p>
-            <a:pPr lvl="1"/>
-            <a:r>
-              <a:rPr lang="en-US"/>
-              <a:t>change username</a:t>
-            </a:r>
-            <a:endParaRPr lang="en-US"/>
-          </a:p>
-          <a:p>
-            <a:pPr lvl="1"/>
-            <a:r>
-              <a:rPr lang="en-US"/>
-              <a:t>See published songs</a:t>
-            </a:r>
-            <a:endParaRPr lang="en-US"/>
-          </a:p>
-          <a:p>
-            <a:pPr lvl="1"/>
-            <a:endParaRPr lang="en-US"/>
-          </a:p>
-          <a:p>
-            <a:pPr lvl="1"/>
-            <a:endParaRPr lang="en-US"/>
-          </a:p>
-          <a:p>
-            <a:pPr lvl="0"/>
-            <a:endParaRPr lang="en-US"/>
-          </a:p>
-        </p:txBody>
-      </p:sp>
-      <p:sp>
-        <p:nvSpPr>
-          <p:cNvPr id="4" name="Text Box 3"/>
-          <p:cNvSpPr txBox="1"/>
+      <p:graphicFrame>
+        <p:nvGraphicFramePr>
+          <p:cNvPr id="4" name="Table 3"/>
+          <p:cNvGraphicFramePr/>
           <p:nvPr/>
-        </p:nvSpPr>
-        <p:spPr>
-          <a:xfrm>
-            <a:off x="5866130" y="1958975"/>
-            <a:ext cx="4906010" cy="1476375"/>
-          </a:xfrm>
-          <a:prstGeom prst="rect">
-            <a:avLst/>
-          </a:prstGeom>
-          <a:noFill/>
-        </p:spPr>
-        <p:txBody>
-          <a:bodyPr wrap="square" rtlCol="0">
-            <a:spAutoFit/>
-          </a:bodyPr>
-          <a:p>
-            <a:pPr marL="285750" indent="-285750">
-              <a:buFont typeface="Arial" panose="020B0604020202090204" pitchFamily="34" charset="0"/>
-              <a:buChar char="•"/>
-            </a:pPr>
-            <a:r>
-              <a:rPr lang="en-US"/>
-              <a:t>Search show related songs</a:t>
-            </a:r>
-            <a:endParaRPr lang="en-US"/>
-          </a:p>
-          <a:p>
-            <a:pPr marL="285750" indent="-285750">
-              <a:buFont typeface="Arial" panose="020B0604020202090204" pitchFamily="34" charset="0"/>
-              <a:buChar char="•"/>
-            </a:pPr>
-            <a:r>
-              <a:rPr lang="en-US"/>
-              <a:t>search for artists</a:t>
-            </a:r>
-            <a:endParaRPr lang="en-US"/>
-          </a:p>
-          <a:p>
-            <a:pPr marL="285750" indent="-285750">
-              <a:buFont typeface="Arial" panose="020B0604020202090204" pitchFamily="34" charset="0"/>
-              <a:buChar char="•"/>
-            </a:pPr>
-            <a:r>
-              <a:rPr lang="en-US"/>
-              <a:t>Search for genre</a:t>
-            </a:r>
-            <a:endParaRPr lang="en-US"/>
-          </a:p>
-          <a:p>
-            <a:pPr marL="285750" indent="-285750">
-              <a:buFont typeface="Arial" panose="020B0604020202090204" pitchFamily="34" charset="0"/>
-              <a:buChar char="•"/>
-            </a:pPr>
-            <a:r>
-              <a:rPr lang="en-US"/>
-              <a:t>delete songs</a:t>
-            </a:r>
-            <a:endParaRPr lang="en-US"/>
-          </a:p>
-          <a:p>
-            <a:pPr marL="285750" indent="-285750">
-              <a:buFont typeface="Arial" panose="020B0604020202090204" pitchFamily="34" charset="0"/>
-              <a:buChar char="•"/>
-            </a:pPr>
-            <a:endParaRPr lang="en-US"/>
-          </a:p>
-        </p:txBody>
-      </p:sp>
-    </p:spTree>
-  </p:cSld>
-  <p:clrMapOvr>
-    <a:masterClrMapping/>
-  </p:clrMapOvr>
-</p:sld>
-</file>
-
-<file path=ppt/slides/slide4.xml><?xml version="1.0" encoding="utf-8"?>
-<p:sld xmlns:a="http://schemas.openxmlformats.org/drawingml/2006/main" xmlns:r="http://schemas.openxmlformats.org/officeDocument/2006/relationships" xmlns:p="http://schemas.openxmlformats.org/presentationml/2006/main">
-  <p:cSld>
-    <p:spTree>
-      <p:nvGrpSpPr>
-        <p:cNvPr id="1" name=""/>
-        <p:cNvGrpSpPr/>
-        <p:nvPr/>
-      </p:nvGrpSpPr>
-      <p:grpSpPr/>
-      <p:sp>
-        <p:nvSpPr>
-          <p:cNvPr id="2" name="Title 1"/>
-          <p:cNvSpPr>
-            <a:spLocks noGrp="1"/>
-          </p:cNvSpPr>
-          <p:nvPr>
-            <p:ph type="title"/>
-          </p:nvPr>
-        </p:nvSpPr>
-        <p:spPr/>
-        <p:txBody>
-          <a:bodyPr/>
-          <a:p>
-            <a:endParaRPr lang="en-US"/>
-          </a:p>
-        </p:txBody>
-      </p:sp>
-      <p:sp>
-        <p:nvSpPr>
-          <p:cNvPr id="3" name="Content Placeholder 2"/>
-          <p:cNvSpPr>
-            <a:spLocks noGrp="1"/>
-          </p:cNvSpPr>
-          <p:nvPr>
-            <p:ph idx="1"/>
-          </p:nvPr>
-        </p:nvSpPr>
-        <p:spPr/>
-        <p:txBody>
-          <a:bodyPr/>
-          <a:p>
-            <a:endParaRPr lang="en-US"/>
-          </a:p>
-        </p:txBody>
-      </p:sp>
+        </p:nvGraphicFramePr>
+        <p:xfrm>
+          <a:off x="106680" y="1355725"/>
+          <a:ext cx="11978640" cy="5621020"/>
+        </p:xfrm>
+        <a:graphic>
+          <a:graphicData uri="http://schemas.openxmlformats.org/drawingml/2006/table">
+            <a:tbl>
+              <a:tblPr firstRow="1" bandRow="1">
+                <a:tableStyleId>{5C22544A-7EE6-4342-B048-85BDC9FD1C3A}</a:tableStyleId>
+              </a:tblPr>
+              <a:tblGrid>
+                <a:gridCol w="2124075"/>
+                <a:gridCol w="2667635"/>
+                <a:gridCol w="2395220"/>
+                <a:gridCol w="2395855"/>
+                <a:gridCol w="2395855"/>
+              </a:tblGrid>
+              <a:tr h="365760">
+                <a:tc>
+                  <a:txBody>
+                    <a:bodyPr/>
+                    <a:p>
+                      <a:pPr>
+                        <a:buNone/>
+                      </a:pPr>
+                      <a:r>
+                        <a:rPr lang="en-US"/>
+                        <a:t>RISK</a:t>
+                      </a:r>
+                      <a:endParaRPr lang="en-US"/>
+                    </a:p>
+                  </a:txBody>
+                  <a:tcPr/>
+                </a:tc>
+                <a:tc>
+                  <a:txBody>
+                    <a:bodyPr/>
+                    <a:p>
+                      <a:pPr>
+                        <a:buNone/>
+                      </a:pPr>
+                      <a:r>
+                        <a:rPr lang="en-US"/>
+                        <a:t>LIKELY</a:t>
+                      </a:r>
+                      <a:endParaRPr lang="en-US"/>
+                    </a:p>
+                  </a:txBody>
+                  <a:tcPr/>
+                </a:tc>
+                <a:tc>
+                  <a:txBody>
+                    <a:bodyPr/>
+                    <a:p>
+                      <a:pPr>
+                        <a:buNone/>
+                      </a:pPr>
+                      <a:r>
+                        <a:rPr lang="en-US"/>
+                        <a:t>IMPACT</a:t>
+                      </a:r>
+                      <a:endParaRPr lang="en-US"/>
+                    </a:p>
+                  </a:txBody>
+                  <a:tcPr/>
+                </a:tc>
+                <a:tc>
+                  <a:txBody>
+                    <a:bodyPr/>
+                    <a:p>
+                      <a:pPr>
+                        <a:buNone/>
+                      </a:pPr>
+                      <a:r>
+                        <a:rPr lang="en-US"/>
+                        <a:t>SOLUTION</a:t>
+                      </a:r>
+                      <a:endParaRPr lang="en-US"/>
+                    </a:p>
+                  </a:txBody>
+                  <a:tcPr/>
+                </a:tc>
+                <a:tc>
+                  <a:txBody>
+                    <a:bodyPr/>
+                    <a:p>
+                      <a:pPr>
+                        <a:buNone/>
+                      </a:pPr>
+                      <a:r>
+                        <a:rPr lang="en-US"/>
+                        <a:t>FINAL ANALYSIS</a:t>
+                      </a:r>
+                      <a:endParaRPr lang="en-US"/>
+                    </a:p>
+                  </a:txBody>
+                  <a:tcPr/>
+                </a:tc>
+              </a:tr>
+              <a:tr h="914400">
+                <a:tc>
+                  <a:txBody>
+                    <a:bodyPr/>
+                    <a:p>
+                      <a:pPr>
+                        <a:buNone/>
+                      </a:pPr>
+                      <a:r>
+                        <a:rPr lang="en-US"/>
+                        <a:t>Issues with security</a:t>
+                      </a:r>
+                      <a:endParaRPr lang="en-US"/>
+                    </a:p>
+                  </a:txBody>
+                  <a:tcPr/>
+                </a:tc>
+                <a:tc>
+                  <a:txBody>
+                    <a:bodyPr/>
+                    <a:p>
+                      <a:pPr>
+                        <a:buNone/>
+                      </a:pPr>
+                      <a:r>
+                        <a:rPr lang="en-US"/>
+                        <a:t>2: Low Could get a breach</a:t>
+                      </a:r>
+                      <a:endParaRPr lang="en-US"/>
+                    </a:p>
+                  </a:txBody>
+                  <a:tcPr/>
+                </a:tc>
+                <a:tc>
+                  <a:txBody>
+                    <a:bodyPr/>
+                    <a:p>
+                      <a:pPr>
+                        <a:buNone/>
+                      </a:pPr>
+                      <a:r>
+                        <a:rPr lang="en-US"/>
+                        <a:t>3: No important data stored within project</a:t>
+                      </a:r>
+                      <a:endParaRPr lang="en-US"/>
+                    </a:p>
+                  </a:txBody>
+                  <a:tcPr/>
+                </a:tc>
+                <a:tc>
+                  <a:txBody>
+                    <a:bodyPr/>
+                    <a:p>
+                      <a:pPr>
+                        <a:buNone/>
+                      </a:pPr>
+                      <a:r>
+                        <a:rPr lang="en-US"/>
+                        <a:t>secret keys and env variables</a:t>
+                      </a:r>
+                      <a:endParaRPr lang="en-US"/>
+                    </a:p>
+                  </a:txBody>
+                  <a:tcPr/>
+                </a:tc>
+                <a:tc>
+                  <a:txBody>
+                    <a:bodyPr/>
+                    <a:p>
+                      <a:pPr>
+                        <a:buNone/>
+                      </a:pPr>
+                      <a:r>
+                        <a:rPr lang="en-US"/>
+                        <a:t>Security is no a large issue</a:t>
+                      </a:r>
+                      <a:endParaRPr lang="en-US"/>
+                    </a:p>
+                  </a:txBody>
+                  <a:tcPr/>
+                </a:tc>
+              </a:tr>
+              <a:tr h="914400">
+                <a:tc>
+                  <a:txBody>
+                    <a:bodyPr/>
+                    <a:p>
+                      <a:pPr>
+                        <a:buNone/>
+                      </a:pPr>
+                      <a:r>
+                        <a:rPr lang="en-US"/>
+                        <a:t>Issues with completing project</a:t>
+                      </a:r>
+                      <a:endParaRPr lang="en-US"/>
+                    </a:p>
+                  </a:txBody>
+                  <a:tcPr/>
+                </a:tc>
+                <a:tc>
+                  <a:txBody>
+                    <a:bodyPr/>
+                    <a:p>
+                      <a:pPr>
+                        <a:buNone/>
+                      </a:pPr>
+                      <a:r>
+                        <a:rPr lang="en-US"/>
+                        <a:t>3: Medium Anything could happen</a:t>
+                      </a:r>
+                      <a:endParaRPr lang="en-US"/>
+                    </a:p>
+                  </a:txBody>
+                  <a:tcPr/>
+                </a:tc>
+                <a:tc>
+                  <a:txBody>
+                    <a:bodyPr/>
+                    <a:p>
+                      <a:pPr>
+                        <a:buNone/>
+                      </a:pPr>
+                      <a:r>
+                        <a:rPr lang="en-US"/>
+                        <a:t>5: Could destroy whole project</a:t>
+                      </a:r>
+                      <a:endParaRPr lang="en-US"/>
+                    </a:p>
+                  </a:txBody>
+                  <a:tcPr/>
+                </a:tc>
+                <a:tc>
+                  <a:txBody>
+                    <a:bodyPr/>
+                    <a:p>
+                      <a:pPr>
+                        <a:buNone/>
+                      </a:pPr>
+                      <a:r>
+                        <a:rPr lang="en-US"/>
+                        <a:t>Try my darndest</a:t>
+                      </a:r>
+                      <a:endParaRPr lang="en-US"/>
+                    </a:p>
+                  </a:txBody>
+                  <a:tcPr/>
+                </a:tc>
+                <a:tc>
+                  <a:txBody>
+                    <a:bodyPr/>
+                    <a:p>
+                      <a:pPr>
+                        <a:buNone/>
+                      </a:pPr>
+                      <a:r>
+                        <a:rPr lang="en-US"/>
+                        <a:t>I TRIED</a:t>
+                      </a:r>
+                      <a:endParaRPr lang="en-US"/>
+                    </a:p>
+                  </a:txBody>
+                  <a:tcPr/>
+                </a:tc>
+              </a:tr>
+              <a:tr h="866140">
+                <a:tc>
+                  <a:txBody>
+                    <a:bodyPr/>
+                    <a:p>
+                      <a:pPr>
+                        <a:buNone/>
+                      </a:pPr>
+                      <a:r>
+                        <a:rPr lang="en-US"/>
+                        <a:t>Issues with front end dev</a:t>
+                      </a:r>
+                      <a:endParaRPr lang="en-US"/>
+                    </a:p>
+                  </a:txBody>
+                  <a:tcPr/>
+                </a:tc>
+                <a:tc>
+                  <a:txBody>
+                    <a:bodyPr/>
+                    <a:p>
+                      <a:pPr>
+                        <a:buNone/>
+                      </a:pPr>
+                      <a:r>
+                        <a:rPr lang="en-US"/>
+                        <a:t>3: Medium not familiar with flask</a:t>
+                      </a:r>
+                      <a:endParaRPr lang="en-US"/>
+                    </a:p>
+                  </a:txBody>
+                  <a:tcPr/>
+                </a:tc>
+                <a:tc>
+                  <a:txBody>
+                    <a:bodyPr/>
+                    <a:p>
+                      <a:pPr>
+                        <a:buNone/>
+                      </a:pPr>
+                      <a:r>
+                        <a:rPr lang="en-US"/>
+                        <a:t>4: Could mean no front end </a:t>
+                      </a:r>
+                      <a:endParaRPr lang="en-US"/>
+                    </a:p>
+                  </a:txBody>
+                  <a:tcPr/>
+                </a:tc>
+                <a:tc>
+                  <a:txBody>
+                    <a:bodyPr/>
+                    <a:p>
+                      <a:pPr>
+                        <a:buNone/>
+                      </a:pPr>
+                      <a:r>
+                        <a:rPr lang="en-US"/>
+                        <a:t>Try and learn flask </a:t>
+                      </a:r>
+                      <a:endParaRPr lang="en-US"/>
+                    </a:p>
+                  </a:txBody>
+                  <a:tcPr/>
+                </a:tc>
+                <a:tc>
+                  <a:txBody>
+                    <a:bodyPr/>
+                    <a:p>
+                      <a:pPr>
+                        <a:buNone/>
+                      </a:pPr>
+                      <a:r>
+                        <a:rPr lang="en-US"/>
+                        <a:t>understood flask and key components</a:t>
+                      </a:r>
+                      <a:endParaRPr lang="en-US"/>
+                    </a:p>
+                  </a:txBody>
+                  <a:tcPr/>
+                </a:tc>
+              </a:tr>
+              <a:tr h="640080">
+                <a:tc>
+                  <a:txBody>
+                    <a:bodyPr/>
+                    <a:p>
+                      <a:pPr>
+                        <a:buNone/>
+                      </a:pPr>
+                      <a:r>
+                        <a:rPr lang="en-US"/>
+                        <a:t>Issues with the back end</a:t>
+                      </a:r>
+                      <a:endParaRPr lang="en-US"/>
+                    </a:p>
+                  </a:txBody>
+                  <a:tcPr/>
+                </a:tc>
+                <a:tc>
+                  <a:txBody>
+                    <a:bodyPr/>
+                    <a:p>
+                      <a:pPr>
+                        <a:buNone/>
+                      </a:pPr>
+                      <a:r>
+                        <a:rPr lang="en-US"/>
+                        <a:t>3: medium still learning the fundamentals</a:t>
+                      </a:r>
+                      <a:endParaRPr lang="en-US"/>
+                    </a:p>
+                  </a:txBody>
+                  <a:tcPr/>
+                </a:tc>
+                <a:tc>
+                  <a:txBody>
+                    <a:bodyPr/>
+                    <a:p>
+                      <a:pPr>
+                        <a:buNone/>
+                      </a:pPr>
+                      <a:r>
+                        <a:rPr lang="en-US"/>
+                        <a:t>4: Could mean no product</a:t>
+                      </a:r>
+                      <a:endParaRPr lang="en-US"/>
+                    </a:p>
+                  </a:txBody>
+                  <a:tcPr/>
+                </a:tc>
+                <a:tc>
+                  <a:txBody>
+                    <a:bodyPr/>
+                    <a:p>
+                      <a:pPr>
+                        <a:buNone/>
+                      </a:pPr>
+                      <a:r>
+                        <a:rPr lang="en-US"/>
+                        <a:t>Work hard</a:t>
+                      </a:r>
+                      <a:endParaRPr lang="en-US"/>
+                    </a:p>
+                  </a:txBody>
+                  <a:tcPr/>
+                </a:tc>
+                <a:tc>
+                  <a:txBody>
+                    <a:bodyPr/>
+                    <a:p>
+                      <a:pPr>
+                        <a:buNone/>
+                      </a:pPr>
+                      <a:r>
+                        <a:rPr lang="en-US"/>
+                        <a:t>Worked hard</a:t>
+                      </a:r>
+                      <a:endParaRPr lang="en-US"/>
+                    </a:p>
+                  </a:txBody>
+                  <a:tcPr/>
+                </a:tc>
+              </a:tr>
+            </a:tbl>
+          </a:graphicData>
+        </a:graphic>
+      </p:graphicFrame>
     </p:spTree>
   </p:cSld>
   <p:clrMapOvr>
@@ -4156,116 +7152,56 @@
 </file>
 
 <file path=ppt/theme/theme1.xml><?xml version="1.0" encoding="utf-8"?>
-<a:theme xmlns:a="http://schemas.openxmlformats.org/drawingml/2006/main" name="Office Theme">
+<a:theme xmlns:a="http://schemas.openxmlformats.org/drawingml/2006/main" name="Default Design">
   <a:themeElements>
-    <a:clrScheme name="Office">
+    <a:clrScheme name="">
       <a:dk1>
-        <a:sysClr val="windowText" lastClr="000000"/>
+        <a:srgbClr val="000000"/>
       </a:dk1>
       <a:lt1>
-        <a:sysClr val="window" lastClr="FFFFFF"/>
+        <a:srgbClr val="FFFFFF"/>
       </a:lt1>
       <a:dk2>
-        <a:srgbClr val="44546A"/>
+        <a:srgbClr val="000000"/>
       </a:dk2>
       <a:lt2>
-        <a:srgbClr val="E7E6E6"/>
+        <a:srgbClr val="808080"/>
       </a:lt2>
       <a:accent1>
-        <a:srgbClr val="5B9BD5"/>
+        <a:srgbClr val="7DB6EF"/>
       </a:accent1>
       <a:accent2>
-        <a:srgbClr val="ED7D31"/>
+        <a:srgbClr val="C0504D"/>
       </a:accent2>
       <a:accent3>
-        <a:srgbClr val="A5A5A5"/>
+        <a:srgbClr val="FFFFFF"/>
       </a:accent3>
       <a:accent4>
-        <a:srgbClr val="FFC000"/>
+        <a:srgbClr val="000000"/>
       </a:accent4>
       <a:accent5>
-        <a:srgbClr val="4472C4"/>
+        <a:srgbClr val="C0D7F5"/>
       </a:accent5>
       <a:accent6>
-        <a:srgbClr val="70AD47"/>
+        <a:srgbClr val="AC4744"/>
       </a:accent6>
       <a:hlink>
-        <a:srgbClr val="0563C1"/>
+        <a:srgbClr val="0066CC"/>
       </a:hlink>
       <a:folHlink>
-        <a:srgbClr val="954F72"/>
+        <a:srgbClr val="800080"/>
       </a:folHlink>
     </a:clrScheme>
-    <a:fontScheme name="Office">
+    <a:fontScheme name="">
       <a:majorFont>
-        <a:latin typeface="Calibri Light"/>
-        <a:ea typeface=""/>
+        <a:latin typeface="Arial"/>
+        <a:ea typeface="Arial"/>
         <a:cs typeface=""/>
-        <a:font script="Jpan" typeface="ＭＳ Ｐゴシック"/>
-        <a:font script="Hang" typeface="맑은 고딕"/>
-        <a:font script="Hans" typeface="宋体"/>
-        <a:font script="Hant" typeface="新細明體"/>
-        <a:font script="Arab" typeface="Times New Roman"/>
-        <a:font script="Hebr" typeface="Times New Roman"/>
-        <a:font script="Thai" typeface="Angsana New"/>
-        <a:font script="Ethi" typeface="Nyala"/>
-        <a:font script="Beng" typeface="Vrinda"/>
-        <a:font script="Gujr" typeface="Shruti"/>
-        <a:font script="Khmr" typeface="MoolBoran"/>
-        <a:font script="Knda" typeface="Tunga"/>
-        <a:font script="Guru" typeface="Raavi"/>
-        <a:font script="Cans" typeface="Euphemia"/>
-        <a:font script="Cher" typeface="Plantagenet Cherokee"/>
-        <a:font script="Yiii" typeface="Microsoft Yi Baiti"/>
-        <a:font script="Tibt" typeface="Microsoft Himalaya"/>
-        <a:font script="Thaa" typeface="MV Boli"/>
-        <a:font script="Deva" typeface="Mangal"/>
-        <a:font script="Telu" typeface="Gautami"/>
-        <a:font script="Taml" typeface="Latha"/>
-        <a:font script="Syrc" typeface="Estrangelo Edessa"/>
-        <a:font script="Orya" typeface="Kalinga"/>
-        <a:font script="Mlym" typeface="Kartika"/>
-        <a:font script="Laoo" typeface="DokChampa"/>
-        <a:font script="Sinh" typeface="Iskoola Pota"/>
-        <a:font script="Mong" typeface="Mongolian Baiti"/>
-        <a:font script="Viet" typeface="Times New Roman"/>
-        <a:font script="Uigh" typeface="Microsoft Uighur"/>
-        <a:font script="Geor" typeface="Sylfaen"/>
       </a:majorFont>
       <a:minorFont>
-        <a:latin typeface="Calibri"/>
-        <a:ea typeface=""/>
+        <a:latin typeface="Arial"/>
+        <a:ea typeface="Arial"/>
         <a:cs typeface=""/>
-        <a:font script="Jpan" typeface="ＭＳ Ｐゴシック"/>
-        <a:font script="Hang" typeface="맑은 고딕"/>
-        <a:font script="Hans" typeface="宋体"/>
-        <a:font script="Hant" typeface="新細明體"/>
-        <a:font script="Arab" typeface="Arial"/>
-        <a:font script="Hebr" typeface="Arial"/>
-        <a:font script="Thai" typeface="Cordia New"/>
-        <a:font script="Ethi" typeface="Nyala"/>
-        <a:font script="Beng" typeface="Vrinda"/>
-        <a:font script="Gujr" typeface="Shruti"/>
-        <a:font script="Khmr" typeface="DaunPenh"/>
-        <a:font script="Knda" typeface="Tunga"/>
-        <a:font script="Guru" typeface="Raavi"/>
-        <a:font script="Cans" typeface="Euphemia"/>
-        <a:font script="Cher" typeface="Plantagenet Cherokee"/>
-        <a:font script="Yiii" typeface="Microsoft Yi Baiti"/>
-        <a:font script="Tibt" typeface="Microsoft Himalaya"/>
-        <a:font script="Thaa" typeface="MV Boli"/>
-        <a:font script="Deva" typeface="Mangal"/>
-        <a:font script="Telu" typeface="Gautami"/>
-        <a:font script="Taml" typeface="Latha"/>
-        <a:font script="Syrc" typeface="Estrangelo Edessa"/>
-        <a:font script="Orya" typeface="Kalinga"/>
-        <a:font script="Mlym" typeface="Kartika"/>
-        <a:font script="Laoo" typeface="DokChampa"/>
-        <a:font script="Sinh" typeface="Iskoola Pota"/>
-        <a:font script="Mong" typeface="Mongolian Baiti"/>
-        <a:font script="Viet" typeface="Arial"/>
-        <a:font script="Uigh" typeface="Microsoft Uighur"/>
-        <a:font script="Geor" typeface="Sylfaen"/>
       </a:minorFont>
     </a:fontScheme>
     <a:fmtScheme name="Office">
@@ -4406,6 +7342,500 @@
       </a:bgFillStyleLst>
     </a:fmtScheme>
   </a:themeElements>
+  <a:extraClrSchemeLst>
+    <a:extraClrScheme>
+      <a:clrScheme name="">
+        <a:dk1>
+          <a:srgbClr val="000000"/>
+        </a:dk1>
+        <a:lt1>
+          <a:srgbClr val="FFFFFF"/>
+        </a:lt1>
+        <a:dk2>
+          <a:srgbClr val="000000"/>
+        </a:dk2>
+        <a:lt2>
+          <a:srgbClr val="969696"/>
+        </a:lt2>
+        <a:accent1>
+          <a:srgbClr val="FBDF53"/>
+        </a:accent1>
+        <a:accent2>
+          <a:srgbClr val="FF9966"/>
+        </a:accent2>
+        <a:accent3>
+          <a:srgbClr val="FFFFFF"/>
+        </a:accent3>
+        <a:accent4>
+          <a:srgbClr val="000000"/>
+        </a:accent4>
+        <a:accent5>
+          <a:srgbClr val="FDECB4"/>
+        </a:accent5>
+        <a:accent6>
+          <a:srgbClr val="E5895B"/>
+        </a:accent6>
+        <a:hlink>
+          <a:srgbClr val="CC3300"/>
+        </a:hlink>
+        <a:folHlink>
+          <a:srgbClr val="996600"/>
+        </a:folHlink>
+      </a:clrScheme>
+      <a:clrMap bg1="lt1" tx1="dk1" bg2="lt2" tx2="dk2" accent1="accent1" accent2="accent2" accent3="accent3" accent4="accent4" accent5="accent5" accent6="accent6" hlink="hlink" folHlink="folHlink"/>
+    </a:extraClrScheme>
+    <a:extraClrScheme>
+      <a:clrScheme name="">
+        <a:dk1>
+          <a:srgbClr val="000000"/>
+        </a:dk1>
+        <a:lt1>
+          <a:srgbClr val="FFFFFF"/>
+        </a:lt1>
+        <a:dk2>
+          <a:srgbClr val="000000"/>
+        </a:dk2>
+        <a:lt2>
+          <a:srgbClr val="808080"/>
+        </a:lt2>
+        <a:accent1>
+          <a:srgbClr val="99CCFF"/>
+        </a:accent1>
+        <a:accent2>
+          <a:srgbClr val="CCCCFF"/>
+        </a:accent2>
+        <a:accent3>
+          <a:srgbClr val="FFFFFF"/>
+        </a:accent3>
+        <a:accent4>
+          <a:srgbClr val="000000"/>
+        </a:accent4>
+        <a:accent5>
+          <a:srgbClr val="CAE2FF"/>
+        </a:accent5>
+        <a:accent6>
+          <a:srgbClr val="B7B7E5"/>
+        </a:accent6>
+        <a:hlink>
+          <a:srgbClr val="3333CC"/>
+        </a:hlink>
+        <a:folHlink>
+          <a:srgbClr val="AF67FF"/>
+        </a:folHlink>
+      </a:clrScheme>
+      <a:clrMap bg1="lt1" tx1="dk1" bg2="lt2" tx2="dk2" accent1="accent1" accent2="accent2" accent3="accent3" accent4="accent4" accent5="accent5" accent6="accent6" hlink="hlink" folHlink="folHlink"/>
+    </a:extraClrScheme>
+    <a:extraClrScheme>
+      <a:clrScheme name="">
+        <a:dk1>
+          <a:srgbClr val="000000"/>
+        </a:dk1>
+        <a:lt1>
+          <a:srgbClr val="DEF6F1"/>
+        </a:lt1>
+        <a:dk2>
+          <a:srgbClr val="000000"/>
+        </a:dk2>
+        <a:lt2>
+          <a:srgbClr val="969696"/>
+        </a:lt2>
+        <a:accent1>
+          <a:srgbClr val="FFFFFF"/>
+        </a:accent1>
+        <a:accent2>
+          <a:srgbClr val="8DC6FF"/>
+        </a:accent2>
+        <a:accent3>
+          <a:srgbClr val="EBFAF7"/>
+        </a:accent3>
+        <a:accent4>
+          <a:srgbClr val="000000"/>
+        </a:accent4>
+        <a:accent5>
+          <a:srgbClr val="FFFFFF"/>
+        </a:accent5>
+        <a:accent6>
+          <a:srgbClr val="7EB1E5"/>
+        </a:accent6>
+        <a:hlink>
+          <a:srgbClr val="0066CC"/>
+        </a:hlink>
+        <a:folHlink>
+          <a:srgbClr val="00A800"/>
+        </a:folHlink>
+      </a:clrScheme>
+      <a:clrMap bg1="lt1" tx1="dk1" bg2="lt2" tx2="dk2" accent1="accent1" accent2="accent2" accent3="accent3" accent4="accent4" accent5="accent5" accent6="accent6" hlink="hlink" folHlink="folHlink"/>
+    </a:extraClrScheme>
+    <a:extraClrScheme>
+      <a:clrScheme name="">
+        <a:dk1>
+          <a:srgbClr val="000000"/>
+        </a:dk1>
+        <a:lt1>
+          <a:srgbClr val="FFFFD9"/>
+        </a:lt1>
+        <a:dk2>
+          <a:srgbClr val="000000"/>
+        </a:dk2>
+        <a:lt2>
+          <a:srgbClr val="777777"/>
+        </a:lt2>
+        <a:accent1>
+          <a:srgbClr val="FFFFF7"/>
+        </a:accent1>
+        <a:accent2>
+          <a:srgbClr val="33CCCC"/>
+        </a:accent2>
+        <a:accent3>
+          <a:srgbClr val="FFFFE9"/>
+        </a:accent3>
+        <a:accent4>
+          <a:srgbClr val="000000"/>
+        </a:accent4>
+        <a:accent5>
+          <a:srgbClr val="FFFFFA"/>
+        </a:accent5>
+        <a:accent6>
+          <a:srgbClr val="2DB7B7"/>
+        </a:accent6>
+        <a:hlink>
+          <a:srgbClr val="FF5050"/>
+        </a:hlink>
+        <a:folHlink>
+          <a:srgbClr val="FF9900"/>
+        </a:folHlink>
+      </a:clrScheme>
+      <a:clrMap bg1="lt1" tx1="dk1" bg2="lt2" tx2="dk2" accent1="accent1" accent2="accent2" accent3="accent3" accent4="accent4" accent5="accent5" accent6="accent6" hlink="hlink" folHlink="folHlink"/>
+    </a:extraClrScheme>
+    <a:extraClrScheme>
+      <a:clrScheme name="">
+        <a:dk1>
+          <a:srgbClr val="FFFFFF"/>
+        </a:dk1>
+        <a:lt1>
+          <a:srgbClr val="008080"/>
+        </a:lt1>
+        <a:dk2>
+          <a:srgbClr val="FFFF99"/>
+        </a:dk2>
+        <a:lt2>
+          <a:srgbClr val="005A58"/>
+        </a:lt2>
+        <a:accent1>
+          <a:srgbClr val="006462"/>
+        </a:accent1>
+        <a:accent2>
+          <a:srgbClr val="6D6FC7"/>
+        </a:accent2>
+        <a:accent3>
+          <a:srgbClr val="AAC1C1"/>
+        </a:accent3>
+        <a:accent4>
+          <a:srgbClr val="DCDCDC"/>
+        </a:accent4>
+        <a:accent5>
+          <a:srgbClr val="AAB8B8"/>
+        </a:accent5>
+        <a:accent6>
+          <a:srgbClr val="6163B2"/>
+        </a:accent6>
+        <a:hlink>
+          <a:srgbClr val="00FFFF"/>
+        </a:hlink>
+        <a:folHlink>
+          <a:srgbClr val="00FF00"/>
+        </a:folHlink>
+      </a:clrScheme>
+      <a:clrMap bg1="lt1" tx1="dk1" bg2="lt2" tx2="dk2" accent1="accent1" accent2="accent2" accent3="accent3" accent4="accent4" accent5="accent5" accent6="accent6" hlink="hlink" folHlink="folHlink"/>
+    </a:extraClrScheme>
+    <a:extraClrScheme>
+      <a:clrScheme name="">
+        <a:dk1>
+          <a:srgbClr val="FFFFFF"/>
+        </a:dk1>
+        <a:lt1>
+          <a:srgbClr val="800000"/>
+        </a:lt1>
+        <a:dk2>
+          <a:srgbClr val="DFD293"/>
+        </a:dk2>
+        <a:lt2>
+          <a:srgbClr val="5C1F00"/>
+        </a:lt2>
+        <a:accent1>
+          <a:srgbClr val="CC3300"/>
+        </a:accent1>
+        <a:accent2>
+          <a:srgbClr val="BE7960"/>
+        </a:accent2>
+        <a:accent3>
+          <a:srgbClr val="C1AAAA"/>
+        </a:accent3>
+        <a:accent4>
+          <a:srgbClr val="DCDCDC"/>
+        </a:accent4>
+        <a:accent5>
+          <a:srgbClr val="E2ADAA"/>
+        </a:accent5>
+        <a:accent6>
+          <a:srgbClr val="AA6C55"/>
+        </a:accent6>
+        <a:hlink>
+          <a:srgbClr val="FFFF99"/>
+        </a:hlink>
+        <a:folHlink>
+          <a:srgbClr val="D3A219"/>
+        </a:folHlink>
+      </a:clrScheme>
+      <a:clrMap bg1="lt1" tx1="dk1" bg2="lt2" tx2="dk2" accent1="accent1" accent2="accent2" accent3="accent3" accent4="accent4" accent5="accent5" accent6="accent6" hlink="hlink" folHlink="folHlink"/>
+    </a:extraClrScheme>
+    <a:extraClrScheme>
+      <a:clrScheme name="">
+        <a:dk1>
+          <a:srgbClr val="FFFFFF"/>
+        </a:dk1>
+        <a:lt1>
+          <a:srgbClr val="000099"/>
+        </a:lt1>
+        <a:dk2>
+          <a:srgbClr val="CCFFFF"/>
+        </a:dk2>
+        <a:lt2>
+          <a:srgbClr val="003366"/>
+        </a:lt2>
+        <a:accent1>
+          <a:srgbClr val="3366CC"/>
+        </a:accent1>
+        <a:accent2>
+          <a:srgbClr val="00B000"/>
+        </a:accent2>
+        <a:accent3>
+          <a:srgbClr val="AAAACA"/>
+        </a:accent3>
+        <a:accent4>
+          <a:srgbClr val="DCDCDC"/>
+        </a:accent4>
+        <a:accent5>
+          <a:srgbClr val="ADB9E2"/>
+        </a:accent5>
+        <a:accent6>
+          <a:srgbClr val="009D00"/>
+        </a:accent6>
+        <a:hlink>
+          <a:srgbClr val="66CCFF"/>
+        </a:hlink>
+        <a:folHlink>
+          <a:srgbClr val="FFE701"/>
+        </a:folHlink>
+      </a:clrScheme>
+      <a:clrMap bg1="lt1" tx1="dk1" bg2="lt2" tx2="dk2" accent1="accent1" accent2="accent2" accent3="accent3" accent4="accent4" accent5="accent5" accent6="accent6" hlink="hlink" folHlink="folHlink"/>
+    </a:extraClrScheme>
+    <a:extraClrScheme>
+      <a:clrScheme name="">
+        <a:dk1>
+          <a:srgbClr val="FFFFFF"/>
+        </a:dk1>
+        <a:lt1>
+          <a:srgbClr val="000000"/>
+        </a:lt1>
+        <a:dk2>
+          <a:srgbClr val="E3EBF1"/>
+        </a:dk2>
+        <a:lt2>
+          <a:srgbClr val="336699"/>
+        </a:lt2>
+        <a:accent1>
+          <a:srgbClr val="003399"/>
+        </a:accent1>
+        <a:accent2>
+          <a:srgbClr val="468A4B"/>
+        </a:accent2>
+        <a:accent3>
+          <a:srgbClr val="AAAAAA"/>
+        </a:accent3>
+        <a:accent4>
+          <a:srgbClr val="DCDCDC"/>
+        </a:accent4>
+        <a:accent5>
+          <a:srgbClr val="AAADCA"/>
+        </a:accent5>
+        <a:accent6>
+          <a:srgbClr val="3E7B43"/>
+        </a:accent6>
+        <a:hlink>
+          <a:srgbClr val="66CCFF"/>
+        </a:hlink>
+        <a:folHlink>
+          <a:srgbClr val="F0E500"/>
+        </a:folHlink>
+      </a:clrScheme>
+      <a:clrMap bg1="lt1" tx1="dk1" bg2="lt2" tx2="dk2" accent1="accent1" accent2="accent2" accent3="accent3" accent4="accent4" accent5="accent5" accent6="accent6" hlink="hlink" folHlink="folHlink"/>
+    </a:extraClrScheme>
+    <a:extraClrScheme>
+      <a:clrScheme name="">
+        <a:dk1>
+          <a:srgbClr val="FFFFFF"/>
+        </a:dk1>
+        <a:lt1>
+          <a:srgbClr val="686B5D"/>
+        </a:lt1>
+        <a:dk2>
+          <a:srgbClr val="D1D1CB"/>
+        </a:dk2>
+        <a:lt2>
+          <a:srgbClr val="777777"/>
+        </a:lt2>
+        <a:accent1>
+          <a:srgbClr val="909082"/>
+        </a:accent1>
+        <a:accent2>
+          <a:srgbClr val="809EA8"/>
+        </a:accent2>
+        <a:accent3>
+          <a:srgbClr val="B9BAB6"/>
+        </a:accent3>
+        <a:accent4>
+          <a:srgbClr val="DCDCDC"/>
+        </a:accent4>
+        <a:accent5>
+          <a:srgbClr val="C7C7C1"/>
+        </a:accent5>
+        <a:accent6>
+          <a:srgbClr val="728D96"/>
+        </a:accent6>
+        <a:hlink>
+          <a:srgbClr val="FFCC66"/>
+        </a:hlink>
+        <a:folHlink>
+          <a:srgbClr val="E9DCB9"/>
+        </a:folHlink>
+      </a:clrScheme>
+      <a:clrMap bg1="lt1" tx1="dk1" bg2="lt2" tx2="dk2" accent1="accent1" accent2="accent2" accent3="accent3" accent4="accent4" accent5="accent5" accent6="accent6" hlink="hlink" folHlink="folHlink"/>
+    </a:extraClrScheme>
+    <a:extraClrScheme>
+      <a:clrScheme name="">
+        <a:dk1>
+          <a:srgbClr val="FFFFFF"/>
+        </a:dk1>
+        <a:lt1>
+          <a:srgbClr val="666699"/>
+        </a:lt1>
+        <a:dk2>
+          <a:srgbClr val="FFFFFF"/>
+        </a:dk2>
+        <a:lt2>
+          <a:srgbClr val="3E3E5C"/>
+        </a:lt2>
+        <a:accent1>
+          <a:srgbClr val="60597B"/>
+        </a:accent1>
+        <a:accent2>
+          <a:srgbClr val="6666FF"/>
+        </a:accent2>
+        <a:accent3>
+          <a:srgbClr val="B9B9CA"/>
+        </a:accent3>
+        <a:accent4>
+          <a:srgbClr val="DCDCDC"/>
+        </a:accent4>
+        <a:accent5>
+          <a:srgbClr val="B7B5BF"/>
+        </a:accent5>
+        <a:accent6>
+          <a:srgbClr val="5B5BE5"/>
+        </a:accent6>
+        <a:hlink>
+          <a:srgbClr val="99CCFF"/>
+        </a:hlink>
+        <a:folHlink>
+          <a:srgbClr val="FFFF99"/>
+        </a:folHlink>
+      </a:clrScheme>
+      <a:clrMap bg1="lt1" tx1="dk1" bg2="lt2" tx2="dk2" accent1="accent1" accent2="accent2" accent3="accent3" accent4="accent4" accent5="accent5" accent6="accent6" hlink="hlink" folHlink="folHlink"/>
+    </a:extraClrScheme>
+    <a:extraClrScheme>
+      <a:clrScheme name="">
+        <a:dk1>
+          <a:srgbClr val="FFFFFF"/>
+        </a:dk1>
+        <a:lt1>
+          <a:srgbClr val="523E26"/>
+        </a:lt1>
+        <a:dk2>
+          <a:srgbClr val="DFC08D"/>
+        </a:dk2>
+        <a:lt2>
+          <a:srgbClr val="2D2015"/>
+        </a:lt2>
+        <a:accent1>
+          <a:srgbClr val="8C7B70"/>
+        </a:accent1>
+        <a:accent2>
+          <a:srgbClr val="8F5F2F"/>
+        </a:accent2>
+        <a:accent3>
+          <a:srgbClr val="B3AFAB"/>
+        </a:accent3>
+        <a:accent4>
+          <a:srgbClr val="DCDCDC"/>
+        </a:accent4>
+        <a:accent5>
+          <a:srgbClr val="C5BFBC"/>
+        </a:accent5>
+        <a:accent6>
+          <a:srgbClr val="805529"/>
+        </a:accent6>
+        <a:hlink>
+          <a:srgbClr val="CCB400"/>
+        </a:hlink>
+        <a:folHlink>
+          <a:srgbClr val="8C9EA0"/>
+        </a:folHlink>
+      </a:clrScheme>
+      <a:clrMap bg1="lt1" tx1="dk1" bg2="lt2" tx2="dk2" accent1="accent1" accent2="accent2" accent3="accent3" accent4="accent4" accent5="accent5" accent6="accent6" hlink="hlink" folHlink="folHlink"/>
+    </a:extraClrScheme>
+    <a:extraClrScheme>
+      <a:clrScheme name="">
+        <a:dk1>
+          <a:srgbClr val="000000"/>
+        </a:dk1>
+        <a:lt1>
+          <a:srgbClr val="FFFFFF"/>
+        </a:lt1>
+        <a:dk2>
+          <a:srgbClr val="000000"/>
+        </a:dk2>
+        <a:lt2>
+          <a:srgbClr val="808080"/>
+        </a:lt2>
+        <a:accent1>
+          <a:srgbClr val="7DB6EF"/>
+        </a:accent1>
+        <a:accent2>
+          <a:srgbClr val="C0504D"/>
+        </a:accent2>
+        <a:accent3>
+          <a:srgbClr val="FFFFFF"/>
+        </a:accent3>
+        <a:accent4>
+          <a:srgbClr val="000000"/>
+        </a:accent4>
+        <a:accent5>
+          <a:srgbClr val="C0D7F5"/>
+        </a:accent5>
+        <a:accent6>
+          <a:srgbClr val="AC4744"/>
+        </a:accent6>
+        <a:hlink>
+          <a:srgbClr val="0066CC"/>
+        </a:hlink>
+        <a:folHlink>
+          <a:srgbClr val="800080"/>
+        </a:folHlink>
+      </a:clrScheme>
+      <a:clrMap bg1="lt1" tx1="dk1" bg2="lt2" tx2="dk2" accent1="accent1" accent2="accent2" accent3="accent3" accent4="accent4" accent5="accent5" accent6="accent6" hlink="hlink" folHlink="folHlink"/>
+    </a:extraClrScheme>
+  </a:extraClrSchemeLst>
   <a:extLst>
     <a:ext uri="{05A4C25C-085E-4340-85A3-A5531E510DB2}">
       <thm15:themeFamily xmlns:thm15="http://schemas.microsoft.com/office/thememl/2012/main" name="Office Theme" id="{62F939B6-93AF-4DB8-9C6B-D6C7DFDC589F}" vid="{4A3C46E8-61CC-4603-A589-7422A47A8E4A}"/>
